--- a/Lecture slides/NYT B03 - Qualitative Data Analysis.pptx
+++ b/Lecture slides/NYT B03 - Qualitative Data Analysis.pptx
@@ -50,6 +50,7 @@
     <p:sldId id="295" r:id="rId46"/>
     <p:sldId id="296" r:id="rId47"/>
     <p:sldId id="297" r:id="rId48"/>
+    <p:sldId id="298" r:id="rId49"/>
   </p:sldIdLst>
   <p:sldSz cy="5143500" cx="9144000"/>
   <p:notesSz cx="6858000" cy="9144000"/>
@@ -732,7 +733,7 @@
   <p:cSld>
     <p:spTree>
       <p:nvGrpSpPr>
-        <p:cNvPr id="32" name="Shape 32"/>
+        <p:cNvPr id="33" name="Shape 33"/>
         <p:cNvGrpSpPr/>
         <p:nvPr/>
       </p:nvGrpSpPr>
@@ -746,7 +747,7 @@
       </p:grpSpPr>
       <p:sp>
         <p:nvSpPr>
-          <p:cNvPr id="33" name="Google Shape;33;g10386efa337_0_7:notes"/>
+          <p:cNvPr id="34" name="Google Shape;34;g10386efa337_0_7:notes"/>
           <p:cNvSpPr/>
           <p:nvPr>
             <p:ph idx="2" type="sldImg"/>
@@ -781,7 +782,7 @@
       </p:sp>
       <p:sp>
         <p:nvSpPr>
-          <p:cNvPr id="34" name="Google Shape;34;g10386efa337_0_7:notes"/>
+          <p:cNvPr id="35" name="Google Shape;35;g10386efa337_0_7:notes"/>
           <p:cNvSpPr txBox="1"/>
           <p:nvPr>
             <p:ph idx="1" type="body"/>
@@ -831,7 +832,7 @@
   <p:cSld>
     <p:spTree>
       <p:nvGrpSpPr>
-        <p:cNvPr id="107" name="Shape 107"/>
+        <p:cNvPr id="108" name="Shape 108"/>
         <p:cNvGrpSpPr/>
         <p:nvPr/>
       </p:nvGrpSpPr>
@@ -845,7 +846,7 @@
       </p:grpSpPr>
       <p:sp>
         <p:nvSpPr>
-          <p:cNvPr id="108" name="Google Shape;108;g1261256e005_0_0:notes"/>
+          <p:cNvPr id="109" name="Google Shape;109;g1261256e005_0_0:notes"/>
           <p:cNvSpPr/>
           <p:nvPr>
             <p:ph idx="2" type="sldImg"/>
@@ -880,7 +881,7 @@
       </p:sp>
       <p:sp>
         <p:nvSpPr>
-          <p:cNvPr id="109" name="Google Shape;109;g1261256e005_0_0:notes"/>
+          <p:cNvPr id="110" name="Google Shape;110;g1261256e005_0_0:notes"/>
           <p:cNvSpPr txBox="1"/>
           <p:nvPr>
             <p:ph idx="1" type="body"/>
@@ -930,7 +931,7 @@
   <p:cSld>
     <p:spTree>
       <p:nvGrpSpPr>
-        <p:cNvPr id="114" name="Shape 114"/>
+        <p:cNvPr id="115" name="Shape 115"/>
         <p:cNvGrpSpPr/>
         <p:nvPr/>
       </p:nvGrpSpPr>
@@ -944,7 +945,7 @@
       </p:grpSpPr>
       <p:sp>
         <p:nvSpPr>
-          <p:cNvPr id="115" name="Google Shape;115;g124494c3ca9_0_15:notes"/>
+          <p:cNvPr id="116" name="Google Shape;116;g124494c3ca9_0_15:notes"/>
           <p:cNvSpPr/>
           <p:nvPr>
             <p:ph idx="2" type="sldImg"/>
@@ -979,7 +980,7 @@
       </p:sp>
       <p:sp>
         <p:nvSpPr>
-          <p:cNvPr id="116" name="Google Shape;116;g124494c3ca9_0_15:notes"/>
+          <p:cNvPr id="117" name="Google Shape;117;g124494c3ca9_0_15:notes"/>
           <p:cNvSpPr txBox="1"/>
           <p:nvPr>
             <p:ph idx="1" type="body"/>
@@ -1029,7 +1030,7 @@
   <p:cSld>
     <p:spTree>
       <p:nvGrpSpPr>
-        <p:cNvPr id="121" name="Shape 121"/>
+        <p:cNvPr id="122" name="Shape 122"/>
         <p:cNvGrpSpPr/>
         <p:nvPr/>
       </p:nvGrpSpPr>
@@ -1043,7 +1044,7 @@
       </p:grpSpPr>
       <p:sp>
         <p:nvSpPr>
-          <p:cNvPr id="122" name="Google Shape;122;g12472ea8995_0_0:notes"/>
+          <p:cNvPr id="123" name="Google Shape;123;g12472ea8995_0_0:notes"/>
           <p:cNvSpPr/>
           <p:nvPr>
             <p:ph idx="2" type="sldImg"/>
@@ -1078,7 +1079,7 @@
       </p:sp>
       <p:sp>
         <p:nvSpPr>
-          <p:cNvPr id="123" name="Google Shape;123;g12472ea8995_0_0:notes"/>
+          <p:cNvPr id="124" name="Google Shape;124;g12472ea8995_0_0:notes"/>
           <p:cNvSpPr txBox="1"/>
           <p:nvPr>
             <p:ph idx="1" type="body"/>
@@ -1128,7 +1129,7 @@
   <p:cSld>
     <p:spTree>
       <p:nvGrpSpPr>
-        <p:cNvPr id="128" name="Shape 128"/>
+        <p:cNvPr id="129" name="Shape 129"/>
         <p:cNvGrpSpPr/>
         <p:nvPr/>
       </p:nvGrpSpPr>
@@ -1142,7 +1143,7 @@
       </p:grpSpPr>
       <p:sp>
         <p:nvSpPr>
-          <p:cNvPr id="129" name="Google Shape;129;g1261256e005_0_16:notes"/>
+          <p:cNvPr id="130" name="Google Shape;130;g1261256e005_0_16:notes"/>
           <p:cNvSpPr/>
           <p:nvPr>
             <p:ph idx="2" type="sldImg"/>
@@ -1177,7 +1178,7 @@
       </p:sp>
       <p:sp>
         <p:nvSpPr>
-          <p:cNvPr id="130" name="Google Shape;130;g1261256e005_0_16:notes"/>
+          <p:cNvPr id="131" name="Google Shape;131;g1261256e005_0_16:notes"/>
           <p:cNvSpPr txBox="1"/>
           <p:nvPr>
             <p:ph idx="1" type="body"/>
@@ -1227,7 +1228,7 @@
   <p:cSld>
     <p:spTree>
       <p:nvGrpSpPr>
-        <p:cNvPr id="135" name="Shape 135"/>
+        <p:cNvPr id="136" name="Shape 136"/>
         <p:cNvGrpSpPr/>
         <p:nvPr/>
       </p:nvGrpSpPr>
@@ -1241,7 +1242,7 @@
       </p:grpSpPr>
       <p:sp>
         <p:nvSpPr>
-          <p:cNvPr id="136" name="Google Shape;136;g124494c3ca9_0_46:notes"/>
+          <p:cNvPr id="137" name="Google Shape;137;g124494c3ca9_0_46:notes"/>
           <p:cNvSpPr/>
           <p:nvPr>
             <p:ph idx="2" type="sldImg"/>
@@ -1276,7 +1277,7 @@
       </p:sp>
       <p:sp>
         <p:nvSpPr>
-          <p:cNvPr id="137" name="Google Shape;137;g124494c3ca9_0_46:notes"/>
+          <p:cNvPr id="138" name="Google Shape;138;g124494c3ca9_0_46:notes"/>
           <p:cNvSpPr txBox="1"/>
           <p:nvPr>
             <p:ph idx="1" type="body"/>
@@ -1326,7 +1327,7 @@
   <p:cSld>
     <p:spTree>
       <p:nvGrpSpPr>
-        <p:cNvPr id="142" name="Shape 142"/>
+        <p:cNvPr id="143" name="Shape 143"/>
         <p:cNvGrpSpPr/>
         <p:nvPr/>
       </p:nvGrpSpPr>
@@ -1340,7 +1341,7 @@
       </p:grpSpPr>
       <p:sp>
         <p:nvSpPr>
-          <p:cNvPr id="143" name="Google Shape;143;g124494c3ca9_0_52:notes"/>
+          <p:cNvPr id="144" name="Google Shape;144;g124494c3ca9_0_52:notes"/>
           <p:cNvSpPr/>
           <p:nvPr>
             <p:ph idx="2" type="sldImg"/>
@@ -1375,7 +1376,7 @@
       </p:sp>
       <p:sp>
         <p:nvSpPr>
-          <p:cNvPr id="144" name="Google Shape;144;g124494c3ca9_0_52:notes"/>
+          <p:cNvPr id="145" name="Google Shape;145;g124494c3ca9_0_52:notes"/>
           <p:cNvSpPr txBox="1"/>
           <p:nvPr>
             <p:ph idx="1" type="body"/>
@@ -1425,7 +1426,7 @@
   <p:cSld>
     <p:spTree>
       <p:nvGrpSpPr>
-        <p:cNvPr id="149" name="Shape 149"/>
+        <p:cNvPr id="150" name="Shape 150"/>
         <p:cNvGrpSpPr/>
         <p:nvPr/>
       </p:nvGrpSpPr>
@@ -1439,7 +1440,7 @@
       </p:grpSpPr>
       <p:sp>
         <p:nvSpPr>
-          <p:cNvPr id="150" name="Google Shape;150;g1261256e005_0_25:notes"/>
+          <p:cNvPr id="151" name="Google Shape;151;g1261256e005_0_25:notes"/>
           <p:cNvSpPr/>
           <p:nvPr>
             <p:ph idx="2" type="sldImg"/>
@@ -1474,7 +1475,7 @@
       </p:sp>
       <p:sp>
         <p:nvSpPr>
-          <p:cNvPr id="151" name="Google Shape;151;g1261256e005_0_25:notes"/>
+          <p:cNvPr id="152" name="Google Shape;152;g1261256e005_0_25:notes"/>
           <p:cNvSpPr txBox="1"/>
           <p:nvPr>
             <p:ph idx="1" type="body"/>
@@ -1524,7 +1525,7 @@
   <p:cSld>
     <p:spTree>
       <p:nvGrpSpPr>
-        <p:cNvPr id="164" name="Shape 164"/>
+        <p:cNvPr id="165" name="Shape 165"/>
         <p:cNvGrpSpPr/>
         <p:nvPr/>
       </p:nvGrpSpPr>
@@ -1538,7 +1539,7 @@
       </p:grpSpPr>
       <p:sp>
         <p:nvSpPr>
-          <p:cNvPr id="165" name="Google Shape;165;g124494c3ca9_0_58:notes"/>
+          <p:cNvPr id="166" name="Google Shape;166;g124494c3ca9_0_58:notes"/>
           <p:cNvSpPr/>
           <p:nvPr>
             <p:ph idx="2" type="sldImg"/>
@@ -1573,7 +1574,7 @@
       </p:sp>
       <p:sp>
         <p:nvSpPr>
-          <p:cNvPr id="166" name="Google Shape;166;g124494c3ca9_0_58:notes"/>
+          <p:cNvPr id="167" name="Google Shape;167;g124494c3ca9_0_58:notes"/>
           <p:cNvSpPr txBox="1"/>
           <p:nvPr>
             <p:ph idx="1" type="body"/>
@@ -1623,7 +1624,7 @@
   <p:cSld>
     <p:spTree>
       <p:nvGrpSpPr>
-        <p:cNvPr id="171" name="Shape 171"/>
+        <p:cNvPr id="172" name="Shape 172"/>
         <p:cNvGrpSpPr/>
         <p:nvPr/>
       </p:nvGrpSpPr>
@@ -1637,7 +1638,7 @@
       </p:grpSpPr>
       <p:sp>
         <p:nvSpPr>
-          <p:cNvPr id="172" name="Google Shape;172;g124494c3ca9_0_11:notes"/>
+          <p:cNvPr id="173" name="Google Shape;173;g124494c3ca9_0_11:notes"/>
           <p:cNvSpPr/>
           <p:nvPr>
             <p:ph idx="2" type="sldImg"/>
@@ -1672,7 +1673,7 @@
       </p:sp>
       <p:sp>
         <p:nvSpPr>
-          <p:cNvPr id="173" name="Google Shape;173;g124494c3ca9_0_11:notes"/>
+          <p:cNvPr id="174" name="Google Shape;174;g124494c3ca9_0_11:notes"/>
           <p:cNvSpPr txBox="1"/>
           <p:nvPr>
             <p:ph idx="1" type="body"/>
@@ -1722,7 +1723,7 @@
   <p:cSld>
     <p:spTree>
       <p:nvGrpSpPr>
-        <p:cNvPr id="176" name="Shape 176"/>
+        <p:cNvPr id="177" name="Shape 177"/>
         <p:cNvGrpSpPr/>
         <p:nvPr/>
       </p:nvGrpSpPr>
@@ -1736,7 +1737,7 @@
       </p:grpSpPr>
       <p:sp>
         <p:nvSpPr>
-          <p:cNvPr id="177" name="Google Shape;177;g1221acffd6f_0_0:notes"/>
+          <p:cNvPr id="178" name="Google Shape;178;g1221acffd6f_0_0:notes"/>
           <p:cNvSpPr/>
           <p:nvPr>
             <p:ph idx="2" type="sldImg"/>
@@ -1771,7 +1772,7 @@
       </p:sp>
       <p:sp>
         <p:nvSpPr>
-          <p:cNvPr id="178" name="Google Shape;178;g1221acffd6f_0_0:notes"/>
+          <p:cNvPr id="179" name="Google Shape;179;g1221acffd6f_0_0:notes"/>
           <p:cNvSpPr txBox="1"/>
           <p:nvPr>
             <p:ph idx="1" type="body"/>
@@ -1821,7 +1822,7 @@
   <p:cSld>
     <p:spTree>
       <p:nvGrpSpPr>
-        <p:cNvPr id="38" name="Shape 38"/>
+        <p:cNvPr id="39" name="Shape 39"/>
         <p:cNvGrpSpPr/>
         <p:nvPr/>
       </p:nvGrpSpPr>
@@ -1835,7 +1836,7 @@
       </p:grpSpPr>
       <p:sp>
         <p:nvSpPr>
-          <p:cNvPr id="39" name="Google Shape;39;g124494c3ca9_0_7:notes"/>
+          <p:cNvPr id="40" name="Google Shape;40;g124494c3ca9_0_7:notes"/>
           <p:cNvSpPr/>
           <p:nvPr>
             <p:ph idx="2" type="sldImg"/>
@@ -1870,7 +1871,7 @@
       </p:sp>
       <p:sp>
         <p:nvSpPr>
-          <p:cNvPr id="40" name="Google Shape;40;g124494c3ca9_0_7:notes"/>
+          <p:cNvPr id="41" name="Google Shape;41;g124494c3ca9_0_7:notes"/>
           <p:cNvSpPr txBox="1"/>
           <p:nvPr>
             <p:ph idx="1" type="body"/>
@@ -1920,7 +1921,7 @@
   <p:cSld>
     <p:spTree>
       <p:nvGrpSpPr>
-        <p:cNvPr id="183" name="Shape 183"/>
+        <p:cNvPr id="184" name="Shape 184"/>
         <p:cNvGrpSpPr/>
         <p:nvPr/>
       </p:nvGrpSpPr>
@@ -1934,7 +1935,7 @@
       </p:grpSpPr>
       <p:sp>
         <p:nvSpPr>
-          <p:cNvPr id="184" name="Google Shape;184;g124494c3ca9_0_34:notes"/>
+          <p:cNvPr id="185" name="Google Shape;185;g124494c3ca9_0_34:notes"/>
           <p:cNvSpPr/>
           <p:nvPr>
             <p:ph idx="2" type="sldImg"/>
@@ -1969,7 +1970,7 @@
       </p:sp>
       <p:sp>
         <p:nvSpPr>
-          <p:cNvPr id="185" name="Google Shape;185;g124494c3ca9_0_34:notes"/>
+          <p:cNvPr id="186" name="Google Shape;186;g124494c3ca9_0_34:notes"/>
           <p:cNvSpPr txBox="1"/>
           <p:nvPr>
             <p:ph idx="1" type="body"/>
@@ -2019,7 +2020,7 @@
   <p:cSld>
     <p:spTree>
       <p:nvGrpSpPr>
-        <p:cNvPr id="190" name="Shape 190"/>
+        <p:cNvPr id="191" name="Shape 191"/>
         <p:cNvGrpSpPr/>
         <p:nvPr/>
       </p:nvGrpSpPr>
@@ -2033,7 +2034,7 @@
       </p:grpSpPr>
       <p:sp>
         <p:nvSpPr>
-          <p:cNvPr id="191" name="Google Shape;191;g124494c3ca9_0_22:notes"/>
+          <p:cNvPr id="192" name="Google Shape;192;g124494c3ca9_0_22:notes"/>
           <p:cNvSpPr/>
           <p:nvPr>
             <p:ph idx="2" type="sldImg"/>
@@ -2068,7 +2069,7 @@
       </p:sp>
       <p:sp>
         <p:nvSpPr>
-          <p:cNvPr id="192" name="Google Shape;192;g124494c3ca9_0_22:notes"/>
+          <p:cNvPr id="193" name="Google Shape;193;g124494c3ca9_0_22:notes"/>
           <p:cNvSpPr txBox="1"/>
           <p:nvPr>
             <p:ph idx="1" type="body"/>
@@ -2118,7 +2119,7 @@
   <p:cSld>
     <p:spTree>
       <p:nvGrpSpPr>
-        <p:cNvPr id="197" name="Shape 197"/>
+        <p:cNvPr id="198" name="Shape 198"/>
         <p:cNvGrpSpPr/>
         <p:nvPr/>
       </p:nvGrpSpPr>
@@ -2132,7 +2133,7 @@
       </p:grpSpPr>
       <p:sp>
         <p:nvSpPr>
-          <p:cNvPr id="198" name="Google Shape;198;g124494c3ca9_0_64:notes"/>
+          <p:cNvPr id="199" name="Google Shape;199;g124494c3ca9_0_64:notes"/>
           <p:cNvSpPr/>
           <p:nvPr>
             <p:ph idx="2" type="sldImg"/>
@@ -2167,7 +2168,7 @@
       </p:sp>
       <p:sp>
         <p:nvSpPr>
-          <p:cNvPr id="199" name="Google Shape;199;g124494c3ca9_0_64:notes"/>
+          <p:cNvPr id="200" name="Google Shape;200;g124494c3ca9_0_64:notes"/>
           <p:cNvSpPr txBox="1"/>
           <p:nvPr>
             <p:ph idx="1" type="body"/>
@@ -2217,7 +2218,7 @@
   <p:cSld>
     <p:spTree>
       <p:nvGrpSpPr>
-        <p:cNvPr id="204" name="Shape 204"/>
+        <p:cNvPr id="205" name="Shape 205"/>
         <p:cNvGrpSpPr/>
         <p:nvPr/>
       </p:nvGrpSpPr>
@@ -2231,7 +2232,7 @@
       </p:grpSpPr>
       <p:sp>
         <p:nvSpPr>
-          <p:cNvPr id="205" name="Google Shape;205;g124494c3ca9_0_70:notes"/>
+          <p:cNvPr id="206" name="Google Shape;206;g124494c3ca9_0_70:notes"/>
           <p:cNvSpPr/>
           <p:nvPr>
             <p:ph idx="2" type="sldImg"/>
@@ -2266,7 +2267,7 @@
       </p:sp>
       <p:sp>
         <p:nvSpPr>
-          <p:cNvPr id="206" name="Google Shape;206;g124494c3ca9_0_70:notes"/>
+          <p:cNvPr id="207" name="Google Shape;207;g124494c3ca9_0_70:notes"/>
           <p:cNvSpPr txBox="1"/>
           <p:nvPr>
             <p:ph idx="1" type="body"/>
@@ -2316,7 +2317,7 @@
   <p:cSld>
     <p:spTree>
       <p:nvGrpSpPr>
-        <p:cNvPr id="211" name="Shape 211"/>
+        <p:cNvPr id="212" name="Shape 212"/>
         <p:cNvGrpSpPr/>
         <p:nvPr/>
       </p:nvGrpSpPr>
@@ -2330,7 +2331,7 @@
       </p:grpSpPr>
       <p:sp>
         <p:nvSpPr>
-          <p:cNvPr id="212" name="Google Shape;212;g124494c3ca9_0_40:notes"/>
+          <p:cNvPr id="213" name="Google Shape;213;g124494c3ca9_0_40:notes"/>
           <p:cNvSpPr/>
           <p:nvPr>
             <p:ph idx="2" type="sldImg"/>
@@ -2365,7 +2366,7 @@
       </p:sp>
       <p:sp>
         <p:nvSpPr>
-          <p:cNvPr id="213" name="Google Shape;213;g124494c3ca9_0_40:notes"/>
+          <p:cNvPr id="214" name="Google Shape;214;g124494c3ca9_0_40:notes"/>
           <p:cNvSpPr txBox="1"/>
           <p:nvPr>
             <p:ph idx="1" type="body"/>
@@ -2415,7 +2416,7 @@
   <p:cSld>
     <p:spTree>
       <p:nvGrpSpPr>
-        <p:cNvPr id="218" name="Shape 218"/>
+        <p:cNvPr id="219" name="Shape 219"/>
         <p:cNvGrpSpPr/>
         <p:nvPr/>
       </p:nvGrpSpPr>
@@ -2429,7 +2430,7 @@
       </p:grpSpPr>
       <p:sp>
         <p:nvSpPr>
-          <p:cNvPr id="219" name="Google Shape;219;g1261256e005_0_8:notes"/>
+          <p:cNvPr id="220" name="Google Shape;220;g1261256e005_0_8:notes"/>
           <p:cNvSpPr/>
           <p:nvPr>
             <p:ph idx="2" type="sldImg"/>
@@ -2464,7 +2465,7 @@
       </p:sp>
       <p:sp>
         <p:nvSpPr>
-          <p:cNvPr id="220" name="Google Shape;220;g1261256e005_0_8:notes"/>
+          <p:cNvPr id="221" name="Google Shape;221;g1261256e005_0_8:notes"/>
           <p:cNvSpPr txBox="1"/>
           <p:nvPr>
             <p:ph idx="1" type="body"/>
@@ -2514,7 +2515,7 @@
   <p:cSld>
     <p:spTree>
       <p:nvGrpSpPr>
-        <p:cNvPr id="225" name="Shape 225"/>
+        <p:cNvPr id="226" name="Shape 226"/>
         <p:cNvGrpSpPr/>
         <p:nvPr/>
       </p:nvGrpSpPr>
@@ -2528,7 +2529,7 @@
       </p:grpSpPr>
       <p:sp>
         <p:nvSpPr>
-          <p:cNvPr id="226" name="Google Shape;226;g124494c3ca9_0_28:notes"/>
+          <p:cNvPr id="227" name="Google Shape;227;g124494c3ca9_0_28:notes"/>
           <p:cNvSpPr/>
           <p:nvPr>
             <p:ph idx="2" type="sldImg"/>
@@ -2563,7 +2564,7 @@
       </p:sp>
       <p:sp>
         <p:nvSpPr>
-          <p:cNvPr id="227" name="Google Shape;227;g124494c3ca9_0_28:notes"/>
+          <p:cNvPr id="228" name="Google Shape;228;g124494c3ca9_0_28:notes"/>
           <p:cNvSpPr txBox="1"/>
           <p:nvPr>
             <p:ph idx="1" type="body"/>
@@ -2613,7 +2614,7 @@
   <p:cSld>
     <p:spTree>
       <p:nvGrpSpPr>
-        <p:cNvPr id="232" name="Shape 232"/>
+        <p:cNvPr id="233" name="Shape 233"/>
         <p:cNvGrpSpPr/>
         <p:nvPr/>
       </p:nvGrpSpPr>
@@ -2627,7 +2628,7 @@
       </p:grpSpPr>
       <p:sp>
         <p:nvSpPr>
-          <p:cNvPr id="233" name="Google Shape;233;g1223fb568dc_0_0:notes"/>
+          <p:cNvPr id="234" name="Google Shape;234;g1223fb568dc_0_0:notes"/>
           <p:cNvSpPr/>
           <p:nvPr>
             <p:ph idx="2" type="sldImg"/>
@@ -2662,7 +2663,7 @@
       </p:sp>
       <p:sp>
         <p:nvSpPr>
-          <p:cNvPr id="234" name="Google Shape;234;g1223fb568dc_0_0:notes"/>
+          <p:cNvPr id="235" name="Google Shape;235;g1223fb568dc_0_0:notes"/>
           <p:cNvSpPr txBox="1"/>
           <p:nvPr>
             <p:ph idx="1" type="body"/>
@@ -2712,7 +2713,7 @@
   <p:cSld>
     <p:spTree>
       <p:nvGrpSpPr>
-        <p:cNvPr id="237" name="Shape 237"/>
+        <p:cNvPr id="238" name="Shape 238"/>
         <p:cNvGrpSpPr/>
         <p:nvPr/>
       </p:nvGrpSpPr>
@@ -2726,7 +2727,7 @@
       </p:grpSpPr>
       <p:sp>
         <p:nvSpPr>
-          <p:cNvPr id="238" name="Google Shape;238;g1223fb568dc_0_4:notes"/>
+          <p:cNvPr id="239" name="Google Shape;239;g1223fb568dc_0_4:notes"/>
           <p:cNvSpPr/>
           <p:nvPr>
             <p:ph idx="2" type="sldImg"/>
@@ -2761,7 +2762,7 @@
       </p:sp>
       <p:sp>
         <p:nvSpPr>
-          <p:cNvPr id="239" name="Google Shape;239;g1223fb568dc_0_4:notes"/>
+          <p:cNvPr id="240" name="Google Shape;240;g1223fb568dc_0_4:notes"/>
           <p:cNvSpPr txBox="1"/>
           <p:nvPr>
             <p:ph idx="1" type="body"/>
@@ -2811,7 +2812,7 @@
   <p:cSld>
     <p:spTree>
       <p:nvGrpSpPr>
-        <p:cNvPr id="244" name="Shape 244"/>
+        <p:cNvPr id="245" name="Shape 245"/>
         <p:cNvGrpSpPr/>
         <p:nvPr/>
       </p:nvGrpSpPr>
@@ -2825,7 +2826,7 @@
       </p:grpSpPr>
       <p:sp>
         <p:nvSpPr>
-          <p:cNvPr id="245" name="Google Shape;245;g1245a116bc7_0_1:notes"/>
+          <p:cNvPr id="246" name="Google Shape;246;g1245a116bc7_0_1:notes"/>
           <p:cNvSpPr/>
           <p:nvPr>
             <p:ph idx="2" type="sldImg"/>
@@ -2860,7 +2861,7 @@
       </p:sp>
       <p:sp>
         <p:nvSpPr>
-          <p:cNvPr id="246" name="Google Shape;246;g1245a116bc7_0_1:notes"/>
+          <p:cNvPr id="247" name="Google Shape;247;g1245a116bc7_0_1:notes"/>
           <p:cNvSpPr txBox="1"/>
           <p:nvPr>
             <p:ph idx="1" type="body"/>
@@ -2910,7 +2911,7 @@
   <p:cSld>
     <p:spTree>
       <p:nvGrpSpPr>
-        <p:cNvPr id="43" name="Shape 43"/>
+        <p:cNvPr id="44" name="Shape 44"/>
         <p:cNvGrpSpPr/>
         <p:nvPr/>
       </p:nvGrpSpPr>
@@ -2924,7 +2925,7 @@
       </p:grpSpPr>
       <p:sp>
         <p:nvSpPr>
-          <p:cNvPr id="44" name="Google Shape;44;gdb5ccdfa64_0_0:notes"/>
+          <p:cNvPr id="45" name="Google Shape;45;gdb5ccdfa64_0_0:notes"/>
           <p:cNvSpPr/>
           <p:nvPr>
             <p:ph idx="2" type="sldImg"/>
@@ -2959,7 +2960,7 @@
       </p:sp>
       <p:sp>
         <p:nvSpPr>
-          <p:cNvPr id="45" name="Google Shape;45;gdb5ccdfa64_0_0:notes"/>
+          <p:cNvPr id="46" name="Google Shape;46;gdb5ccdfa64_0_0:notes"/>
           <p:cNvSpPr txBox="1"/>
           <p:nvPr>
             <p:ph idx="1" type="body"/>
@@ -3009,7 +3010,7 @@
   <p:cSld>
     <p:spTree>
       <p:nvGrpSpPr>
-        <p:cNvPr id="251" name="Shape 251"/>
+        <p:cNvPr id="252" name="Shape 252"/>
         <p:cNvGrpSpPr/>
         <p:nvPr/>
       </p:nvGrpSpPr>
@@ -3023,7 +3024,7 @@
       </p:grpSpPr>
       <p:sp>
         <p:nvSpPr>
-          <p:cNvPr id="252" name="Google Shape;252;g125c9e0f25e_0_0:notes"/>
+          <p:cNvPr id="253" name="Google Shape;253;g125c9e0f25e_0_0:notes"/>
           <p:cNvSpPr/>
           <p:nvPr>
             <p:ph idx="2" type="sldImg"/>
@@ -3058,7 +3059,7 @@
       </p:sp>
       <p:sp>
         <p:nvSpPr>
-          <p:cNvPr id="253" name="Google Shape;253;g125c9e0f25e_0_0:notes"/>
+          <p:cNvPr id="254" name="Google Shape;254;g125c9e0f25e_0_0:notes"/>
           <p:cNvSpPr txBox="1"/>
           <p:nvPr>
             <p:ph idx="1" type="body"/>
@@ -3108,7 +3109,7 @@
   <p:cSld>
     <p:spTree>
       <p:nvGrpSpPr>
-        <p:cNvPr id="258" name="Shape 258"/>
+        <p:cNvPr id="259" name="Shape 259"/>
         <p:cNvGrpSpPr/>
         <p:nvPr/>
       </p:nvGrpSpPr>
@@ -3122,7 +3123,7 @@
       </p:grpSpPr>
       <p:sp>
         <p:nvSpPr>
-          <p:cNvPr id="259" name="Google Shape;259;g125c9e0f25e_0_6:notes"/>
+          <p:cNvPr id="260" name="Google Shape;260;g2cfff6f79d1_0_0:notes"/>
           <p:cNvSpPr/>
           <p:nvPr>
             <p:ph idx="2" type="sldImg"/>
@@ -3157,7 +3158,7 @@
       </p:sp>
       <p:sp>
         <p:nvSpPr>
-          <p:cNvPr id="260" name="Google Shape;260;g125c9e0f25e_0_6:notes"/>
+          <p:cNvPr id="261" name="Google Shape;261;g2cfff6f79d1_0_0:notes"/>
           <p:cNvSpPr txBox="1"/>
           <p:nvPr>
             <p:ph idx="1" type="body"/>
@@ -3207,7 +3208,7 @@
   <p:cSld>
     <p:spTree>
       <p:nvGrpSpPr>
-        <p:cNvPr id="265" name="Shape 265"/>
+        <p:cNvPr id="266" name="Shape 266"/>
         <p:cNvGrpSpPr/>
         <p:nvPr/>
       </p:nvGrpSpPr>
@@ -3221,7 +3222,7 @@
       </p:grpSpPr>
       <p:sp>
         <p:nvSpPr>
-          <p:cNvPr id="266" name="Google Shape;266;g125c9e0f25e_0_13:notes"/>
+          <p:cNvPr id="267" name="Google Shape;267;g125c9e0f25e_0_6:notes"/>
           <p:cNvSpPr/>
           <p:nvPr>
             <p:ph idx="2" type="sldImg"/>
@@ -3256,7 +3257,7 @@
       </p:sp>
       <p:sp>
         <p:nvSpPr>
-          <p:cNvPr id="267" name="Google Shape;267;g125c9e0f25e_0_13:notes"/>
+          <p:cNvPr id="268" name="Google Shape;268;g125c9e0f25e_0_6:notes"/>
           <p:cNvSpPr txBox="1"/>
           <p:nvPr>
             <p:ph idx="1" type="body"/>
@@ -3306,7 +3307,7 @@
   <p:cSld>
     <p:spTree>
       <p:nvGrpSpPr>
-        <p:cNvPr id="272" name="Shape 272"/>
+        <p:cNvPr id="273" name="Shape 273"/>
         <p:cNvGrpSpPr/>
         <p:nvPr/>
       </p:nvGrpSpPr>
@@ -3320,7 +3321,7 @@
       </p:grpSpPr>
       <p:sp>
         <p:nvSpPr>
-          <p:cNvPr id="273" name="Google Shape;273;g125c9e0f25e_0_27:notes"/>
+          <p:cNvPr id="274" name="Google Shape;274;g125c9e0f25e_0_13:notes"/>
           <p:cNvSpPr/>
           <p:nvPr>
             <p:ph idx="2" type="sldImg"/>
@@ -3355,7 +3356,7 @@
       </p:sp>
       <p:sp>
         <p:nvSpPr>
-          <p:cNvPr id="274" name="Google Shape;274;g125c9e0f25e_0_27:notes"/>
+          <p:cNvPr id="275" name="Google Shape;275;g125c9e0f25e_0_13:notes"/>
           <p:cNvSpPr txBox="1"/>
           <p:nvPr>
             <p:ph idx="1" type="body"/>
@@ -3405,7 +3406,7 @@
   <p:cSld>
     <p:spTree>
       <p:nvGrpSpPr>
-        <p:cNvPr id="279" name="Shape 279"/>
+        <p:cNvPr id="280" name="Shape 280"/>
         <p:cNvGrpSpPr/>
         <p:nvPr/>
       </p:nvGrpSpPr>
@@ -3419,7 +3420,7 @@
       </p:grpSpPr>
       <p:sp>
         <p:nvSpPr>
-          <p:cNvPr id="280" name="Google Shape;280;g125c9e0f25e_0_35:notes"/>
+          <p:cNvPr id="281" name="Google Shape;281;g125c9e0f25e_0_27:notes"/>
           <p:cNvSpPr/>
           <p:nvPr>
             <p:ph idx="2" type="sldImg"/>
@@ -3454,7 +3455,7 @@
       </p:sp>
       <p:sp>
         <p:nvSpPr>
-          <p:cNvPr id="281" name="Google Shape;281;g125c9e0f25e_0_35:notes"/>
+          <p:cNvPr id="282" name="Google Shape;282;g125c9e0f25e_0_27:notes"/>
           <p:cNvSpPr txBox="1"/>
           <p:nvPr>
             <p:ph idx="1" type="body"/>
@@ -3504,7 +3505,7 @@
   <p:cSld>
     <p:spTree>
       <p:nvGrpSpPr>
-        <p:cNvPr id="286" name="Shape 286"/>
+        <p:cNvPr id="287" name="Shape 287"/>
         <p:cNvGrpSpPr/>
         <p:nvPr/>
       </p:nvGrpSpPr>
@@ -3518,7 +3519,7 @@
       </p:grpSpPr>
       <p:sp>
         <p:nvSpPr>
-          <p:cNvPr id="287" name="Google Shape;287;g125c9e0f25e_0_42:notes"/>
+          <p:cNvPr id="288" name="Google Shape;288;g125c9e0f25e_0_35:notes"/>
           <p:cNvSpPr/>
           <p:nvPr>
             <p:ph idx="2" type="sldImg"/>
@@ -3553,7 +3554,7 @@
       </p:sp>
       <p:sp>
         <p:nvSpPr>
-          <p:cNvPr id="288" name="Google Shape;288;g125c9e0f25e_0_42:notes"/>
+          <p:cNvPr id="289" name="Google Shape;289;g125c9e0f25e_0_35:notes"/>
           <p:cNvSpPr txBox="1"/>
           <p:nvPr>
             <p:ph idx="1" type="body"/>
@@ -3603,7 +3604,7 @@
   <p:cSld>
     <p:spTree>
       <p:nvGrpSpPr>
-        <p:cNvPr id="293" name="Shape 293"/>
+        <p:cNvPr id="294" name="Shape 294"/>
         <p:cNvGrpSpPr/>
         <p:nvPr/>
       </p:nvGrpSpPr>
@@ -3617,7 +3618,7 @@
       </p:grpSpPr>
       <p:sp>
         <p:nvSpPr>
-          <p:cNvPr id="294" name="Google Shape;294;g125c9e0f25e_0_51:notes"/>
+          <p:cNvPr id="295" name="Google Shape;295;g125c9e0f25e_0_42:notes"/>
           <p:cNvSpPr/>
           <p:nvPr>
             <p:ph idx="2" type="sldImg"/>
@@ -3652,7 +3653,7 @@
       </p:sp>
       <p:sp>
         <p:nvSpPr>
-          <p:cNvPr id="295" name="Google Shape;295;g125c9e0f25e_0_51:notes"/>
+          <p:cNvPr id="296" name="Google Shape;296;g125c9e0f25e_0_42:notes"/>
           <p:cNvSpPr txBox="1"/>
           <p:nvPr>
             <p:ph idx="1" type="body"/>
@@ -3702,7 +3703,7 @@
   <p:cSld>
     <p:spTree>
       <p:nvGrpSpPr>
-        <p:cNvPr id="300" name="Shape 300"/>
+        <p:cNvPr id="301" name="Shape 301"/>
         <p:cNvGrpSpPr/>
         <p:nvPr/>
       </p:nvGrpSpPr>
@@ -3716,7 +3717,7 @@
       </p:grpSpPr>
       <p:sp>
         <p:nvSpPr>
-          <p:cNvPr id="301" name="Google Shape;301;g125c9e0f25e_0_59:notes"/>
+          <p:cNvPr id="302" name="Google Shape;302;g125c9e0f25e_0_51:notes"/>
           <p:cNvSpPr/>
           <p:nvPr>
             <p:ph idx="2" type="sldImg"/>
@@ -3751,7 +3752,7 @@
       </p:sp>
       <p:sp>
         <p:nvSpPr>
-          <p:cNvPr id="302" name="Google Shape;302;g125c9e0f25e_0_59:notes"/>
+          <p:cNvPr id="303" name="Google Shape;303;g125c9e0f25e_0_51:notes"/>
           <p:cNvSpPr txBox="1"/>
           <p:nvPr>
             <p:ph idx="1" type="body"/>
@@ -3801,7 +3802,7 @@
   <p:cSld>
     <p:spTree>
       <p:nvGrpSpPr>
-        <p:cNvPr id="307" name="Shape 307"/>
+        <p:cNvPr id="308" name="Shape 308"/>
         <p:cNvGrpSpPr/>
         <p:nvPr/>
       </p:nvGrpSpPr>
@@ -3815,7 +3816,7 @@
       </p:grpSpPr>
       <p:sp>
         <p:nvSpPr>
-          <p:cNvPr id="308" name="Google Shape;308;g125c9e0f25e_0_67:notes"/>
+          <p:cNvPr id="309" name="Google Shape;309;g125c9e0f25e_0_59:notes"/>
           <p:cNvSpPr/>
           <p:nvPr>
             <p:ph idx="2" type="sldImg"/>
@@ -3850,7 +3851,7 @@
       </p:sp>
       <p:sp>
         <p:nvSpPr>
-          <p:cNvPr id="309" name="Google Shape;309;g125c9e0f25e_0_67:notes"/>
+          <p:cNvPr id="310" name="Google Shape;310;g125c9e0f25e_0_59:notes"/>
           <p:cNvSpPr txBox="1"/>
           <p:nvPr>
             <p:ph idx="1" type="body"/>
@@ -3900,7 +3901,7 @@
   <p:cSld>
     <p:spTree>
       <p:nvGrpSpPr>
-        <p:cNvPr id="314" name="Shape 314"/>
+        <p:cNvPr id="315" name="Shape 315"/>
         <p:cNvGrpSpPr/>
         <p:nvPr/>
       </p:nvGrpSpPr>
@@ -3914,7 +3915,7 @@
       </p:grpSpPr>
       <p:sp>
         <p:nvSpPr>
-          <p:cNvPr id="315" name="Google Shape;315;gf5a950148e_0_0:notes"/>
+          <p:cNvPr id="316" name="Google Shape;316;g125c9e0f25e_0_67:notes"/>
           <p:cNvSpPr/>
           <p:nvPr>
             <p:ph idx="2" type="sldImg"/>
@@ -3949,7 +3950,7 @@
       </p:sp>
       <p:sp>
         <p:nvSpPr>
-          <p:cNvPr id="316" name="Google Shape;316;gf5a950148e_0_0:notes"/>
+          <p:cNvPr id="317" name="Google Shape;317;g125c9e0f25e_0_67:notes"/>
           <p:cNvSpPr txBox="1"/>
           <p:nvPr>
             <p:ph idx="1" type="body"/>
@@ -3999,7 +4000,7 @@
   <p:cSld>
     <p:spTree>
       <p:nvGrpSpPr>
-        <p:cNvPr id="50" name="Shape 50"/>
+        <p:cNvPr id="51" name="Shape 51"/>
         <p:cNvGrpSpPr/>
         <p:nvPr/>
       </p:nvGrpSpPr>
@@ -4013,7 +4014,7 @@
       </p:grpSpPr>
       <p:sp>
         <p:nvSpPr>
-          <p:cNvPr id="51" name="Google Shape;51;g1235f0df3a4_0_1:notes"/>
+          <p:cNvPr id="52" name="Google Shape;52;g1235f0df3a4_0_1:notes"/>
           <p:cNvSpPr/>
           <p:nvPr>
             <p:ph idx="2" type="sldImg"/>
@@ -4048,7 +4049,7 @@
       </p:sp>
       <p:sp>
         <p:nvSpPr>
-          <p:cNvPr id="52" name="Google Shape;52;g1235f0df3a4_0_1:notes"/>
+          <p:cNvPr id="53" name="Google Shape;53;g1235f0df3a4_0_1:notes"/>
           <p:cNvSpPr txBox="1"/>
           <p:nvPr>
             <p:ph idx="1" type="body"/>
@@ -4098,7 +4099,7 @@
   <p:cSld>
     <p:spTree>
       <p:nvGrpSpPr>
-        <p:cNvPr id="320" name="Shape 320"/>
+        <p:cNvPr id="322" name="Shape 322"/>
         <p:cNvGrpSpPr/>
         <p:nvPr/>
       </p:nvGrpSpPr>
@@ -4112,7 +4113,7 @@
       </p:grpSpPr>
       <p:sp>
         <p:nvSpPr>
-          <p:cNvPr id="321" name="Google Shape;321;gf5a950148e_0_6:notes"/>
+          <p:cNvPr id="323" name="Google Shape;323;gf5a950148e_0_0:notes"/>
           <p:cNvSpPr/>
           <p:nvPr>
             <p:ph idx="2" type="sldImg"/>
@@ -4147,7 +4148,7 @@
       </p:sp>
       <p:sp>
         <p:nvSpPr>
-          <p:cNvPr id="322" name="Google Shape;322;gf5a950148e_0_6:notes"/>
+          <p:cNvPr id="324" name="Google Shape;324;gf5a950148e_0_0:notes"/>
           <p:cNvSpPr txBox="1"/>
           <p:nvPr>
             <p:ph idx="1" type="body"/>
@@ -4197,7 +4198,7 @@
   <p:cSld>
     <p:spTree>
       <p:nvGrpSpPr>
-        <p:cNvPr id="327" name="Shape 327"/>
+        <p:cNvPr id="328" name="Shape 328"/>
         <p:cNvGrpSpPr/>
         <p:nvPr/>
       </p:nvGrpSpPr>
@@ -4211,7 +4212,7 @@
       </p:grpSpPr>
       <p:sp>
         <p:nvSpPr>
-          <p:cNvPr id="328" name="Google Shape;328;g2446efe7429_0_0:notes"/>
+          <p:cNvPr id="329" name="Google Shape;329;gf5a950148e_0_6:notes"/>
           <p:cNvSpPr/>
           <p:nvPr>
             <p:ph idx="2" type="sldImg"/>
@@ -4246,7 +4247,7 @@
       </p:sp>
       <p:sp>
         <p:nvSpPr>
-          <p:cNvPr id="329" name="Google Shape;329;g2446efe7429_0_0:notes"/>
+          <p:cNvPr id="330" name="Google Shape;330;gf5a950148e_0_6:notes"/>
           <p:cNvSpPr txBox="1"/>
           <p:nvPr>
             <p:ph idx="1" type="body"/>
@@ -4296,7 +4297,7 @@
   <p:cSld>
     <p:spTree>
       <p:nvGrpSpPr>
-        <p:cNvPr id="334" name="Shape 334"/>
+        <p:cNvPr id="335" name="Shape 335"/>
         <p:cNvGrpSpPr/>
         <p:nvPr/>
       </p:nvGrpSpPr>
@@ -4310,7 +4311,7 @@
       </p:grpSpPr>
       <p:sp>
         <p:nvSpPr>
-          <p:cNvPr id="335" name="Google Shape;335;g2446efe7429_0_7:notes"/>
+          <p:cNvPr id="336" name="Google Shape;336;g2446efe7429_0_0:notes"/>
           <p:cNvSpPr/>
           <p:nvPr>
             <p:ph idx="2" type="sldImg"/>
@@ -4345,7 +4346,7 @@
       </p:sp>
       <p:sp>
         <p:nvSpPr>
-          <p:cNvPr id="336" name="Google Shape;336;g2446efe7429_0_7:notes"/>
+          <p:cNvPr id="337" name="Google Shape;337;g2446efe7429_0_0:notes"/>
           <p:cNvSpPr txBox="1"/>
           <p:nvPr>
             <p:ph idx="1" type="body"/>
@@ -4390,12 +4391,12 @@
 </p:notes>
 </file>
 
-<file path=ppt/notesSlides/notesSlide5.xml><?xml version="1.0" encoding="utf-8"?>
+<file path=ppt/notesSlides/notesSlide43.xml><?xml version="1.0" encoding="utf-8"?>
 <p:notes xmlns:a="http://schemas.openxmlformats.org/drawingml/2006/main" xmlns:r="http://schemas.openxmlformats.org/officeDocument/2006/relationships" xmlns:mc="http://schemas.openxmlformats.org/markup-compatibility/2006" xmlns:mv="urn:schemas-microsoft-com:mac:vml" xmlns:p="http://schemas.openxmlformats.org/presentationml/2006/main" xmlns:c="http://schemas.openxmlformats.org/drawingml/2006/chart" xmlns:dgm="http://schemas.openxmlformats.org/drawingml/2006/diagram" xmlns:o="urn:schemas-microsoft-com:office:office" xmlns:v="urn:schemas-microsoft-com:vml" xmlns:pvml="urn:schemas-microsoft-com:office:powerpoint" xmlns:com="http://schemas.openxmlformats.org/drawingml/2006/compatibility" xmlns:p14="http://schemas.microsoft.com/office/powerpoint/2010/main" xmlns:p15="http://schemas.microsoft.com/office/powerpoint/2012/main" xmlns:ahyp="http://schemas.microsoft.com/office/drawing/2018/hyperlinkcolor" showMasterPhAnim="0" showMasterSp="0">
   <p:cSld>
     <p:spTree>
       <p:nvGrpSpPr>
-        <p:cNvPr id="57" name="Shape 57"/>
+        <p:cNvPr id="342" name="Shape 342"/>
         <p:cNvGrpSpPr/>
         <p:nvPr/>
       </p:nvGrpSpPr>
@@ -4409,7 +4410,7 @@
       </p:grpSpPr>
       <p:sp>
         <p:nvSpPr>
-          <p:cNvPr id="58" name="Google Shape;58;g1235f0df3a4_0_7:notes"/>
+          <p:cNvPr id="343" name="Google Shape;343;g2446efe7429_0_7:notes"/>
           <p:cNvSpPr/>
           <p:nvPr>
             <p:ph idx="2" type="sldImg"/>
@@ -4444,7 +4445,7 @@
       </p:sp>
       <p:sp>
         <p:nvSpPr>
-          <p:cNvPr id="59" name="Google Shape;59;g1235f0df3a4_0_7:notes"/>
+          <p:cNvPr id="344" name="Google Shape;344;g2446efe7429_0_7:notes"/>
           <p:cNvSpPr txBox="1"/>
           <p:nvPr>
             <p:ph idx="1" type="body"/>
@@ -4489,12 +4490,12 @@
 </p:notes>
 </file>
 
-<file path=ppt/notesSlides/notesSlide6.xml><?xml version="1.0" encoding="utf-8"?>
+<file path=ppt/notesSlides/notesSlide5.xml><?xml version="1.0" encoding="utf-8"?>
 <p:notes xmlns:a="http://schemas.openxmlformats.org/drawingml/2006/main" xmlns:r="http://schemas.openxmlformats.org/officeDocument/2006/relationships" xmlns:mc="http://schemas.openxmlformats.org/markup-compatibility/2006" xmlns:mv="urn:schemas-microsoft-com:mac:vml" xmlns:p="http://schemas.openxmlformats.org/presentationml/2006/main" xmlns:c="http://schemas.openxmlformats.org/drawingml/2006/chart" xmlns:dgm="http://schemas.openxmlformats.org/drawingml/2006/diagram" xmlns:o="urn:schemas-microsoft-com:office:office" xmlns:v="urn:schemas-microsoft-com:vml" xmlns:pvml="urn:schemas-microsoft-com:office:powerpoint" xmlns:com="http://schemas.openxmlformats.org/drawingml/2006/compatibility" xmlns:p14="http://schemas.microsoft.com/office/powerpoint/2010/main" xmlns:p15="http://schemas.microsoft.com/office/powerpoint/2012/main" xmlns:ahyp="http://schemas.microsoft.com/office/drawing/2018/hyperlinkcolor" showMasterPhAnim="0" showMasterSp="0">
   <p:cSld>
     <p:spTree>
       <p:nvGrpSpPr>
-        <p:cNvPr id="64" name="Shape 64"/>
+        <p:cNvPr id="58" name="Shape 58"/>
         <p:cNvGrpSpPr/>
         <p:nvPr/>
       </p:nvGrpSpPr>
@@ -4508,7 +4509,7 @@
       </p:grpSpPr>
       <p:sp>
         <p:nvSpPr>
-          <p:cNvPr id="65" name="Google Shape;65;g1235f0df3a4_0_42:notes"/>
+          <p:cNvPr id="59" name="Google Shape;59;g1235f0df3a4_0_7:notes"/>
           <p:cNvSpPr/>
           <p:nvPr>
             <p:ph idx="2" type="sldImg"/>
@@ -4543,7 +4544,7 @@
       </p:sp>
       <p:sp>
         <p:nvSpPr>
-          <p:cNvPr id="66" name="Google Shape;66;g1235f0df3a4_0_42:notes"/>
+          <p:cNvPr id="60" name="Google Shape;60;g1235f0df3a4_0_7:notes"/>
           <p:cNvSpPr txBox="1"/>
           <p:nvPr>
             <p:ph idx="1" type="body"/>
@@ -4588,12 +4589,12 @@
 </p:notes>
 </file>
 
-<file path=ppt/notesSlides/notesSlide7.xml><?xml version="1.0" encoding="utf-8"?>
+<file path=ppt/notesSlides/notesSlide6.xml><?xml version="1.0" encoding="utf-8"?>
 <p:notes xmlns:a="http://schemas.openxmlformats.org/drawingml/2006/main" xmlns:r="http://schemas.openxmlformats.org/officeDocument/2006/relationships" xmlns:mc="http://schemas.openxmlformats.org/markup-compatibility/2006" xmlns:mv="urn:schemas-microsoft-com:mac:vml" xmlns:p="http://schemas.openxmlformats.org/presentationml/2006/main" xmlns:c="http://schemas.openxmlformats.org/drawingml/2006/chart" xmlns:dgm="http://schemas.openxmlformats.org/drawingml/2006/diagram" xmlns:o="urn:schemas-microsoft-com:office:office" xmlns:v="urn:schemas-microsoft-com:vml" xmlns:pvml="urn:schemas-microsoft-com:office:powerpoint" xmlns:com="http://schemas.openxmlformats.org/drawingml/2006/compatibility" xmlns:p14="http://schemas.microsoft.com/office/powerpoint/2010/main" xmlns:p15="http://schemas.microsoft.com/office/powerpoint/2012/main" xmlns:ahyp="http://schemas.microsoft.com/office/drawing/2018/hyperlinkcolor" showMasterPhAnim="0" showMasterSp="0">
   <p:cSld>
     <p:spTree>
       <p:nvGrpSpPr>
-        <p:cNvPr id="71" name="Shape 71"/>
+        <p:cNvPr id="65" name="Shape 65"/>
         <p:cNvGrpSpPr/>
         <p:nvPr/>
       </p:nvGrpSpPr>
@@ -4607,7 +4608,7 @@
       </p:grpSpPr>
       <p:sp>
         <p:nvSpPr>
-          <p:cNvPr id="72" name="Google Shape;72;g1235f0df3a4_0_13:notes"/>
+          <p:cNvPr id="66" name="Google Shape;66;g1235f0df3a4_0_42:notes"/>
           <p:cNvSpPr/>
           <p:nvPr>
             <p:ph idx="2" type="sldImg"/>
@@ -4642,7 +4643,7 @@
       </p:sp>
       <p:sp>
         <p:nvSpPr>
-          <p:cNvPr id="73" name="Google Shape;73;g1235f0df3a4_0_13:notes"/>
+          <p:cNvPr id="67" name="Google Shape;67;g1235f0df3a4_0_42:notes"/>
           <p:cNvSpPr txBox="1"/>
           <p:nvPr>
             <p:ph idx="1" type="body"/>
@@ -4687,12 +4688,12 @@
 </p:notes>
 </file>
 
-<file path=ppt/notesSlides/notesSlide8.xml><?xml version="1.0" encoding="utf-8"?>
+<file path=ppt/notesSlides/notesSlide7.xml><?xml version="1.0" encoding="utf-8"?>
 <p:notes xmlns:a="http://schemas.openxmlformats.org/drawingml/2006/main" xmlns:r="http://schemas.openxmlformats.org/officeDocument/2006/relationships" xmlns:mc="http://schemas.openxmlformats.org/markup-compatibility/2006" xmlns:mv="urn:schemas-microsoft-com:mac:vml" xmlns:p="http://schemas.openxmlformats.org/presentationml/2006/main" xmlns:c="http://schemas.openxmlformats.org/drawingml/2006/chart" xmlns:dgm="http://schemas.openxmlformats.org/drawingml/2006/diagram" xmlns:o="urn:schemas-microsoft-com:office:office" xmlns:v="urn:schemas-microsoft-com:vml" xmlns:pvml="urn:schemas-microsoft-com:office:powerpoint" xmlns:com="http://schemas.openxmlformats.org/drawingml/2006/compatibility" xmlns:p14="http://schemas.microsoft.com/office/powerpoint/2010/main" xmlns:p15="http://schemas.microsoft.com/office/powerpoint/2012/main" xmlns:ahyp="http://schemas.microsoft.com/office/drawing/2018/hyperlinkcolor" showMasterPhAnim="0" showMasterSp="0">
   <p:cSld>
     <p:spTree>
       <p:nvGrpSpPr>
-        <p:cNvPr id="95" name="Shape 95"/>
+        <p:cNvPr id="72" name="Shape 72"/>
         <p:cNvGrpSpPr/>
         <p:nvPr/>
       </p:nvGrpSpPr>
@@ -4706,7 +4707,7 @@
       </p:grpSpPr>
       <p:sp>
         <p:nvSpPr>
-          <p:cNvPr id="96" name="Google Shape;96;g124494c3ca9_0_0:notes"/>
+          <p:cNvPr id="73" name="Google Shape;73;g1235f0df3a4_0_13:notes"/>
           <p:cNvSpPr/>
           <p:nvPr>
             <p:ph idx="2" type="sldImg"/>
@@ -4741,7 +4742,7 @@
       </p:sp>
       <p:sp>
         <p:nvSpPr>
-          <p:cNvPr id="97" name="Google Shape;97;g124494c3ca9_0_0:notes"/>
+          <p:cNvPr id="74" name="Google Shape;74;g1235f0df3a4_0_13:notes"/>
           <p:cNvSpPr txBox="1"/>
           <p:nvPr>
             <p:ph idx="1" type="body"/>
@@ -4786,12 +4787,12 @@
 </p:notes>
 </file>
 
-<file path=ppt/notesSlides/notesSlide9.xml><?xml version="1.0" encoding="utf-8"?>
+<file path=ppt/notesSlides/notesSlide8.xml><?xml version="1.0" encoding="utf-8"?>
 <p:notes xmlns:a="http://schemas.openxmlformats.org/drawingml/2006/main" xmlns:r="http://schemas.openxmlformats.org/officeDocument/2006/relationships" xmlns:mc="http://schemas.openxmlformats.org/markup-compatibility/2006" xmlns:mv="urn:schemas-microsoft-com:mac:vml" xmlns:p="http://schemas.openxmlformats.org/presentationml/2006/main" xmlns:c="http://schemas.openxmlformats.org/drawingml/2006/chart" xmlns:dgm="http://schemas.openxmlformats.org/drawingml/2006/diagram" xmlns:o="urn:schemas-microsoft-com:office:office" xmlns:v="urn:schemas-microsoft-com:vml" xmlns:pvml="urn:schemas-microsoft-com:office:powerpoint" xmlns:com="http://schemas.openxmlformats.org/drawingml/2006/compatibility" xmlns:p14="http://schemas.microsoft.com/office/powerpoint/2010/main" xmlns:p15="http://schemas.microsoft.com/office/powerpoint/2012/main" xmlns:ahyp="http://schemas.microsoft.com/office/drawing/2018/hyperlinkcolor" showMasterPhAnim="0" showMasterSp="0">
   <p:cSld>
     <p:spTree>
       <p:nvGrpSpPr>
-        <p:cNvPr id="102" name="Shape 102"/>
+        <p:cNvPr id="96" name="Shape 96"/>
         <p:cNvGrpSpPr/>
         <p:nvPr/>
       </p:nvGrpSpPr>
@@ -4805,7 +4806,7 @@
       </p:grpSpPr>
       <p:sp>
         <p:nvSpPr>
-          <p:cNvPr id="103" name="Google Shape;103;gf9bad1e87a_0_0:notes"/>
+          <p:cNvPr id="97" name="Google Shape;97;g124494c3ca9_0_0:notes"/>
           <p:cNvSpPr/>
           <p:nvPr>
             <p:ph idx="2" type="sldImg"/>
@@ -4840,7 +4841,106 @@
       </p:sp>
       <p:sp>
         <p:nvSpPr>
+          <p:cNvPr id="98" name="Google Shape;98;g124494c3ca9_0_0:notes"/>
+          <p:cNvSpPr txBox="1"/>
+          <p:nvPr>
+            <p:ph idx="1" type="body"/>
+          </p:nvPr>
+        </p:nvSpPr>
+        <p:spPr>
+          <a:xfrm>
+            <a:off x="685800" y="4343400"/>
+            <a:ext cx="5486400" cy="4114800"/>
+          </a:xfrm>
+          <a:prstGeom prst="rect">
+            <a:avLst/>
+          </a:prstGeom>
+        </p:spPr>
+        <p:txBody>
+          <a:bodyPr anchorCtr="0" anchor="t" bIns="91425" lIns="91425" spcFirstLastPara="1" rIns="91425" wrap="square" tIns="91425">
+            <a:noAutofit/>
+          </a:bodyPr>
+          <a:lstStyle/>
+          <a:p>
+            <a:pPr indent="0" lvl="0" marL="0" rtl="0" algn="l">
+              <a:spcBef>
+                <a:spcPts val="0"/>
+              </a:spcBef>
+              <a:spcAft>
+                <a:spcPts val="0"/>
+              </a:spcAft>
+              <a:buNone/>
+            </a:pPr>
+            <a:r>
+              <a:t/>
+            </a:r>
+            <a:endParaRPr/>
+          </a:p>
+        </p:txBody>
+      </p:sp>
+    </p:spTree>
+  </p:cSld>
+  <p:clrMapOvr>
+    <a:masterClrMapping/>
+  </p:clrMapOvr>
+</p:notes>
+</file>
+
+<file path=ppt/notesSlides/notesSlide9.xml><?xml version="1.0" encoding="utf-8"?>
+<p:notes xmlns:a="http://schemas.openxmlformats.org/drawingml/2006/main" xmlns:r="http://schemas.openxmlformats.org/officeDocument/2006/relationships" xmlns:mc="http://schemas.openxmlformats.org/markup-compatibility/2006" xmlns:mv="urn:schemas-microsoft-com:mac:vml" xmlns:p="http://schemas.openxmlformats.org/presentationml/2006/main" xmlns:c="http://schemas.openxmlformats.org/drawingml/2006/chart" xmlns:dgm="http://schemas.openxmlformats.org/drawingml/2006/diagram" xmlns:o="urn:schemas-microsoft-com:office:office" xmlns:v="urn:schemas-microsoft-com:vml" xmlns:pvml="urn:schemas-microsoft-com:office:powerpoint" xmlns:com="http://schemas.openxmlformats.org/drawingml/2006/compatibility" xmlns:p14="http://schemas.microsoft.com/office/powerpoint/2010/main" xmlns:p15="http://schemas.microsoft.com/office/powerpoint/2012/main" xmlns:ahyp="http://schemas.microsoft.com/office/drawing/2018/hyperlinkcolor" showMasterPhAnim="0" showMasterSp="0">
+  <p:cSld>
+    <p:spTree>
+      <p:nvGrpSpPr>
+        <p:cNvPr id="103" name="Shape 103"/>
+        <p:cNvGrpSpPr/>
+        <p:nvPr/>
+      </p:nvGrpSpPr>
+      <p:grpSpPr>
+        <a:xfrm>
+          <a:off x="0" y="0"/>
+          <a:ext cx="0" cy="0"/>
+          <a:chOff x="0" y="0"/>
+          <a:chExt cx="0" cy="0"/>
+        </a:xfrm>
+      </p:grpSpPr>
+      <p:sp>
+        <p:nvSpPr>
           <p:cNvPr id="104" name="Google Shape;104;gf9bad1e87a_0_0:notes"/>
+          <p:cNvSpPr/>
+          <p:nvPr>
+            <p:ph idx="2" type="sldImg"/>
+          </p:nvPr>
+        </p:nvSpPr>
+        <p:spPr>
+          <a:xfrm>
+            <a:off x="381300" y="685800"/>
+            <a:ext cx="6096000" cy="3429000"/>
+          </a:xfrm>
+          <a:custGeom>
+            <a:rect b="b" l="l" r="r" t="t"/>
+            <a:pathLst>
+              <a:path extrusionOk="0" h="120000" w="120000">
+                <a:moveTo>
+                  <a:pt x="0" y="0"/>
+                </a:moveTo>
+                <a:lnTo>
+                  <a:pt x="120000" y="0"/>
+                </a:lnTo>
+                <a:lnTo>
+                  <a:pt x="120000" y="120000"/>
+                </a:lnTo>
+                <a:lnTo>
+                  <a:pt x="0" y="120000"/>
+                </a:lnTo>
+                <a:close/>
+              </a:path>
+            </a:pathLst>
+          </a:custGeom>
+        </p:spPr>
+      </p:sp>
+      <p:sp>
+        <p:nvSpPr>
+          <p:cNvPr id="105" name="Google Shape;105;gf9bad1e87a_0_0:notes"/>
           <p:cNvSpPr txBox="1"/>
           <p:nvPr>
             <p:ph idx="1" type="body"/>
@@ -5423,6 +5523,144 @@
           </a:p>
         </p:txBody>
       </p:sp>
+      <p:sp>
+        <p:nvSpPr>
+          <p:cNvPr id="16" name="Google Shape;16;p3"/>
+          <p:cNvSpPr txBox="1"/>
+          <p:nvPr>
+            <p:ph idx="12" type="sldNum"/>
+          </p:nvPr>
+        </p:nvSpPr>
+        <p:spPr>
+          <a:xfrm>
+            <a:off x="7315209" y="4229101"/>
+            <a:ext cx="1828800" cy="914400"/>
+          </a:xfrm>
+          <a:prstGeom prst="rect">
+            <a:avLst/>
+          </a:prstGeom>
+        </p:spPr>
+        <p:txBody>
+          <a:bodyPr anchorCtr="0" anchor="b" bIns="91425" lIns="91425" spcFirstLastPara="1" rIns="91425" wrap="square" tIns="91425">
+            <a:noAutofit/>
+          </a:bodyPr>
+          <a:lstStyle>
+            <a:lvl1pPr lvl="0" rtl="0" algn="r">
+              <a:buNone/>
+              <a:defRPr b="1" sz="2400">
+                <a:solidFill>
+                  <a:schemeClr val="dk1"/>
+                </a:solidFill>
+              </a:defRPr>
+            </a:lvl1pPr>
+            <a:lvl2pPr lvl="1" rtl="0" algn="r">
+              <a:buNone/>
+              <a:defRPr b="1" sz="2400">
+                <a:solidFill>
+                  <a:schemeClr val="dk1"/>
+                </a:solidFill>
+              </a:defRPr>
+            </a:lvl2pPr>
+            <a:lvl3pPr lvl="2" rtl="0" algn="r">
+              <a:buNone/>
+              <a:defRPr b="1" sz="2400">
+                <a:solidFill>
+                  <a:schemeClr val="dk1"/>
+                </a:solidFill>
+              </a:defRPr>
+            </a:lvl3pPr>
+            <a:lvl4pPr lvl="3" rtl="0" algn="r">
+              <a:buNone/>
+              <a:defRPr b="1" sz="2400">
+                <a:solidFill>
+                  <a:schemeClr val="dk1"/>
+                </a:solidFill>
+              </a:defRPr>
+            </a:lvl4pPr>
+            <a:lvl5pPr lvl="4" rtl="0" algn="r">
+              <a:buNone/>
+              <a:defRPr b="1" sz="2400">
+                <a:solidFill>
+                  <a:schemeClr val="dk1"/>
+                </a:solidFill>
+              </a:defRPr>
+            </a:lvl5pPr>
+            <a:lvl6pPr lvl="5" rtl="0" algn="r">
+              <a:buNone/>
+              <a:defRPr b="1" sz="2400">
+                <a:solidFill>
+                  <a:schemeClr val="dk1"/>
+                </a:solidFill>
+              </a:defRPr>
+            </a:lvl6pPr>
+            <a:lvl7pPr lvl="6" rtl="0" algn="r">
+              <a:buNone/>
+              <a:defRPr b="1" sz="2400">
+                <a:solidFill>
+                  <a:schemeClr val="dk1"/>
+                </a:solidFill>
+              </a:defRPr>
+            </a:lvl7pPr>
+            <a:lvl8pPr lvl="7" rtl="0" algn="r">
+              <a:buNone/>
+              <a:defRPr b="1" sz="2400">
+                <a:solidFill>
+                  <a:schemeClr val="dk1"/>
+                </a:solidFill>
+              </a:defRPr>
+            </a:lvl8pPr>
+            <a:lvl9pPr lvl="8" rtl="0" algn="r">
+              <a:buNone/>
+              <a:defRPr b="1" sz="2400">
+                <a:solidFill>
+                  <a:schemeClr val="dk1"/>
+                </a:solidFill>
+              </a:defRPr>
+            </a:lvl9pPr>
+          </a:lstStyle>
+          <a:p>
+            <a:pPr indent="0" lvl="0" marL="0" rtl="0" algn="r">
+              <a:spcBef>
+                <a:spcPts val="0"/>
+              </a:spcBef>
+              <a:spcAft>
+                <a:spcPts val="0"/>
+              </a:spcAft>
+              <a:buNone/>
+            </a:pPr>
+            <a:fld id="{00000000-1234-1234-1234-123412341234}" type="slidenum">
+              <a:rPr lang="en"/>
+              <a:t>‹#›</a:t>
+            </a:fld>
+            <a:endParaRPr/>
+          </a:p>
+          <a:p>
+            <a:pPr indent="0" lvl="0" marL="0" rtl="0" algn="r">
+              <a:spcBef>
+                <a:spcPts val="0"/>
+              </a:spcBef>
+              <a:spcAft>
+                <a:spcPts val="0"/>
+              </a:spcAft>
+              <a:buNone/>
+            </a:pPr>
+            <a:r>
+              <a:rPr b="0" lang="en" sz="1000" u="sng">
+                <a:solidFill>
+                  <a:schemeClr val="hlink"/>
+                </a:solidFill>
+                <a:hlinkClick r:id="rId2"/>
+              </a:rPr>
+              <a:t>uni1.de/nyt</a:t>
+            </a:r>
+            <a:r>
+              <a:rPr b="0" lang="en" sz="1000"/>
+              <a:t> </a:t>
+            </a:r>
+            <a:endParaRPr b="0" sz="1000"/>
+          </a:p>
+        </p:txBody>
+      </p:sp>
     </p:spTree>
   </p:cSld>
   <p:clrMapOvr>
@@ -5436,7 +5674,7 @@
   <p:cSld name="TITLE_AND_BODY">
     <p:spTree>
       <p:nvGrpSpPr>
-        <p:cNvPr id="16" name="Shape 16"/>
+        <p:cNvPr id="17" name="Shape 17"/>
         <p:cNvGrpSpPr/>
         <p:nvPr/>
       </p:nvGrpSpPr>
@@ -5450,7 +5688,7 @@
       </p:grpSpPr>
       <p:sp>
         <p:nvSpPr>
-          <p:cNvPr id="17" name="Google Shape;17;p4"/>
+          <p:cNvPr id="18" name="Google Shape;18;p4"/>
           <p:cNvSpPr txBox="1"/>
           <p:nvPr>
             <p:ph type="title"/>
@@ -5575,7 +5813,7 @@
       </p:sp>
       <p:sp>
         <p:nvSpPr>
-          <p:cNvPr id="18" name="Google Shape;18;p4"/>
+          <p:cNvPr id="19" name="Google Shape;19;p4"/>
           <p:cNvSpPr txBox="1"/>
           <p:nvPr>
             <p:ph idx="1" type="body"/>
@@ -5696,152 +5934,6 @@
             </a:lvl9pPr>
           </a:lstStyle>
           <a:p/>
-        </p:txBody>
-      </p:sp>
-      <p:sp>
-        <p:nvSpPr>
-          <p:cNvPr id="19" name="Google Shape;19;p4"/>
-          <p:cNvSpPr txBox="1"/>
-          <p:nvPr>
-            <p:ph idx="12" type="sldNum"/>
-          </p:nvPr>
-        </p:nvSpPr>
-        <p:spPr>
-          <a:xfrm>
-            <a:off x="7315202" y="4416550"/>
-            <a:ext cx="1828800" cy="731400"/>
-          </a:xfrm>
-          <a:prstGeom prst="rect">
-            <a:avLst/>
-          </a:prstGeom>
-        </p:spPr>
-        <p:txBody>
-          <a:bodyPr anchorCtr="0" anchor="b" bIns="91425" lIns="91425" spcFirstLastPara="1" rIns="91425" wrap="square" tIns="91425">
-            <a:noAutofit/>
-          </a:bodyPr>
-          <a:lstStyle>
-            <a:lvl1pPr lvl="0" rtl="0">
-              <a:buNone/>
-              <a:defRPr>
-                <a:solidFill>
-                  <a:schemeClr val="dk1"/>
-                </a:solidFill>
-              </a:defRPr>
-            </a:lvl1pPr>
-            <a:lvl2pPr lvl="1" rtl="0">
-              <a:buNone/>
-              <a:defRPr>
-                <a:solidFill>
-                  <a:schemeClr val="dk1"/>
-                </a:solidFill>
-              </a:defRPr>
-            </a:lvl2pPr>
-            <a:lvl3pPr lvl="2" rtl="0">
-              <a:buNone/>
-              <a:defRPr>
-                <a:solidFill>
-                  <a:schemeClr val="dk1"/>
-                </a:solidFill>
-              </a:defRPr>
-            </a:lvl3pPr>
-            <a:lvl4pPr lvl="3" rtl="0">
-              <a:buNone/>
-              <a:defRPr>
-                <a:solidFill>
-                  <a:schemeClr val="dk1"/>
-                </a:solidFill>
-              </a:defRPr>
-            </a:lvl4pPr>
-            <a:lvl5pPr lvl="4" rtl="0">
-              <a:buNone/>
-              <a:defRPr>
-                <a:solidFill>
-                  <a:schemeClr val="dk1"/>
-                </a:solidFill>
-              </a:defRPr>
-            </a:lvl5pPr>
-            <a:lvl6pPr lvl="5" rtl="0">
-              <a:buNone/>
-              <a:defRPr>
-                <a:solidFill>
-                  <a:schemeClr val="dk1"/>
-                </a:solidFill>
-              </a:defRPr>
-            </a:lvl6pPr>
-            <a:lvl7pPr lvl="6" rtl="0">
-              <a:buNone/>
-              <a:defRPr>
-                <a:solidFill>
-                  <a:schemeClr val="dk1"/>
-                </a:solidFill>
-              </a:defRPr>
-            </a:lvl7pPr>
-            <a:lvl8pPr lvl="7" rtl="0">
-              <a:buNone/>
-              <a:defRPr>
-                <a:solidFill>
-                  <a:schemeClr val="dk1"/>
-                </a:solidFill>
-              </a:defRPr>
-            </a:lvl8pPr>
-            <a:lvl9pPr lvl="8" rtl="0">
-              <a:buNone/>
-              <a:defRPr>
-                <a:solidFill>
-                  <a:schemeClr val="dk1"/>
-                </a:solidFill>
-              </a:defRPr>
-            </a:lvl9pPr>
-          </a:lstStyle>
-          <a:p>
-            <a:pPr indent="0" lvl="0" marL="0" rtl="0" algn="r">
-              <a:spcBef>
-                <a:spcPts val="0"/>
-              </a:spcBef>
-              <a:spcAft>
-                <a:spcPts val="0"/>
-              </a:spcAft>
-              <a:buNone/>
-            </a:pPr>
-            <a:fld id="{00000000-1234-1234-1234-123412341234}" type="slidenum">
-              <a:rPr lang="en"/>
-              <a:t>‹#›</a:t>
-            </a:fld>
-            <a:endParaRPr/>
-          </a:p>
-          <a:p>
-            <a:pPr indent="0" lvl="0" marL="0" rtl="0" algn="r">
-              <a:spcBef>
-                <a:spcPts val="0"/>
-              </a:spcBef>
-              <a:spcAft>
-                <a:spcPts val="0"/>
-              </a:spcAft>
-              <a:buNone/>
-            </a:pPr>
-            <a:r>
-              <a:rPr b="0" lang="en" sz="900" u="sng">
-                <a:solidFill>
-                  <a:schemeClr val="hlink"/>
-                </a:solidFill>
-                <a:hlinkClick r:id="rId2"/>
-              </a:rPr>
-              <a:t>https://profriehle.com</a:t>
-            </a:r>
-            <a:r>
-              <a:rPr b="0" lang="en" sz="900">
-                <a:solidFill>
-                  <a:schemeClr val="dk2"/>
-                </a:solidFill>
-              </a:rPr>
-              <a:t> </a:t>
-            </a:r>
-            <a:endParaRPr b="0" sz="900">
-              <a:solidFill>
-                <a:schemeClr val="dk2"/>
-              </a:solidFill>
-            </a:endParaRPr>
-          </a:p>
         </p:txBody>
       </p:sp>
       <p:sp>
@@ -5884,6 +5976,144 @@
               <a:t/>
             </a:r>
             <a:endParaRPr/>
+          </a:p>
+        </p:txBody>
+      </p:sp>
+      <p:sp>
+        <p:nvSpPr>
+          <p:cNvPr id="21" name="Google Shape;21;p4"/>
+          <p:cNvSpPr txBox="1"/>
+          <p:nvPr>
+            <p:ph idx="12" type="sldNum"/>
+          </p:nvPr>
+        </p:nvSpPr>
+        <p:spPr>
+          <a:xfrm>
+            <a:off x="7315209" y="4229101"/>
+            <a:ext cx="1828800" cy="914400"/>
+          </a:xfrm>
+          <a:prstGeom prst="rect">
+            <a:avLst/>
+          </a:prstGeom>
+        </p:spPr>
+        <p:txBody>
+          <a:bodyPr anchorCtr="0" anchor="b" bIns="91425" lIns="91425" spcFirstLastPara="1" rIns="91425" wrap="square" tIns="91425">
+            <a:noAutofit/>
+          </a:bodyPr>
+          <a:lstStyle>
+            <a:lvl1pPr lvl="0" rtl="0" algn="r">
+              <a:buNone/>
+              <a:defRPr b="1" sz="2400">
+                <a:solidFill>
+                  <a:schemeClr val="dk1"/>
+                </a:solidFill>
+              </a:defRPr>
+            </a:lvl1pPr>
+            <a:lvl2pPr lvl="1" rtl="0" algn="r">
+              <a:buNone/>
+              <a:defRPr b="1" sz="2400">
+                <a:solidFill>
+                  <a:schemeClr val="dk1"/>
+                </a:solidFill>
+              </a:defRPr>
+            </a:lvl2pPr>
+            <a:lvl3pPr lvl="2" rtl="0" algn="r">
+              <a:buNone/>
+              <a:defRPr b="1" sz="2400">
+                <a:solidFill>
+                  <a:schemeClr val="dk1"/>
+                </a:solidFill>
+              </a:defRPr>
+            </a:lvl3pPr>
+            <a:lvl4pPr lvl="3" rtl="0" algn="r">
+              <a:buNone/>
+              <a:defRPr b="1" sz="2400">
+                <a:solidFill>
+                  <a:schemeClr val="dk1"/>
+                </a:solidFill>
+              </a:defRPr>
+            </a:lvl4pPr>
+            <a:lvl5pPr lvl="4" rtl="0" algn="r">
+              <a:buNone/>
+              <a:defRPr b="1" sz="2400">
+                <a:solidFill>
+                  <a:schemeClr val="dk1"/>
+                </a:solidFill>
+              </a:defRPr>
+            </a:lvl5pPr>
+            <a:lvl6pPr lvl="5" rtl="0" algn="r">
+              <a:buNone/>
+              <a:defRPr b="1" sz="2400">
+                <a:solidFill>
+                  <a:schemeClr val="dk1"/>
+                </a:solidFill>
+              </a:defRPr>
+            </a:lvl6pPr>
+            <a:lvl7pPr lvl="6" rtl="0" algn="r">
+              <a:buNone/>
+              <a:defRPr b="1" sz="2400">
+                <a:solidFill>
+                  <a:schemeClr val="dk1"/>
+                </a:solidFill>
+              </a:defRPr>
+            </a:lvl7pPr>
+            <a:lvl8pPr lvl="7" rtl="0" algn="r">
+              <a:buNone/>
+              <a:defRPr b="1" sz="2400">
+                <a:solidFill>
+                  <a:schemeClr val="dk1"/>
+                </a:solidFill>
+              </a:defRPr>
+            </a:lvl8pPr>
+            <a:lvl9pPr lvl="8" rtl="0" algn="r">
+              <a:buNone/>
+              <a:defRPr b="1" sz="2400">
+                <a:solidFill>
+                  <a:schemeClr val="dk1"/>
+                </a:solidFill>
+              </a:defRPr>
+            </a:lvl9pPr>
+          </a:lstStyle>
+          <a:p>
+            <a:pPr indent="0" lvl="0" marL="0" rtl="0" algn="r">
+              <a:spcBef>
+                <a:spcPts val="0"/>
+              </a:spcBef>
+              <a:spcAft>
+                <a:spcPts val="0"/>
+              </a:spcAft>
+              <a:buNone/>
+            </a:pPr>
+            <a:fld id="{00000000-1234-1234-1234-123412341234}" type="slidenum">
+              <a:rPr lang="en"/>
+              <a:t>‹#›</a:t>
+            </a:fld>
+            <a:endParaRPr/>
+          </a:p>
+          <a:p>
+            <a:pPr indent="0" lvl="0" marL="0" rtl="0" algn="r">
+              <a:spcBef>
+                <a:spcPts val="0"/>
+              </a:spcBef>
+              <a:spcAft>
+                <a:spcPts val="0"/>
+              </a:spcAft>
+              <a:buNone/>
+            </a:pPr>
+            <a:r>
+              <a:rPr b="0" lang="en" sz="1000" u="sng">
+                <a:solidFill>
+                  <a:schemeClr val="hlink"/>
+                </a:solidFill>
+                <a:hlinkClick r:id="rId2"/>
+              </a:rPr>
+              <a:t>uni1.de/nyt</a:t>
+            </a:r>
+            <a:r>
+              <a:rPr b="0" lang="en" sz="1000"/>
+              <a:t> </a:t>
+            </a:r>
+            <a:endParaRPr b="0" sz="1000"/>
           </a:p>
         </p:txBody>
       </p:sp>
@@ -5900,7 +6130,7 @@
   <p:cSld name="TITLE_AND_TWO_COLUMNS">
     <p:spTree>
       <p:nvGrpSpPr>
-        <p:cNvPr id="21" name="Shape 21"/>
+        <p:cNvPr id="22" name="Shape 22"/>
         <p:cNvGrpSpPr/>
         <p:nvPr/>
       </p:nvGrpSpPr>
@@ -5914,7 +6144,7 @@
       </p:grpSpPr>
       <p:sp>
         <p:nvSpPr>
-          <p:cNvPr id="22" name="Google Shape;22;p5"/>
+          <p:cNvPr id="23" name="Google Shape;23;p5"/>
           <p:cNvSpPr txBox="1"/>
           <p:nvPr>
             <p:ph type="title"/>
@@ -6042,7 +6272,7 @@
       </p:sp>
       <p:sp>
         <p:nvSpPr>
-          <p:cNvPr id="23" name="Google Shape;23;p5"/>
+          <p:cNvPr id="24" name="Google Shape;24;p5"/>
           <p:cNvSpPr txBox="1"/>
           <p:nvPr>
             <p:ph idx="1" type="body"/>
@@ -6167,7 +6397,7 @@
       </p:sp>
       <p:sp>
         <p:nvSpPr>
-          <p:cNvPr id="24" name="Google Shape;24;p5"/>
+          <p:cNvPr id="25" name="Google Shape;25;p5"/>
           <p:cNvSpPr txBox="1"/>
           <p:nvPr>
             <p:ph idx="2" type="body"/>
@@ -6288,152 +6518,6 @@
             </a:lvl9pPr>
           </a:lstStyle>
           <a:p/>
-        </p:txBody>
-      </p:sp>
-      <p:sp>
-        <p:nvSpPr>
-          <p:cNvPr id="25" name="Google Shape;25;p5"/>
-          <p:cNvSpPr txBox="1"/>
-          <p:nvPr>
-            <p:ph idx="12" type="sldNum"/>
-          </p:nvPr>
-        </p:nvSpPr>
-        <p:spPr>
-          <a:xfrm>
-            <a:off x="7315202" y="4416550"/>
-            <a:ext cx="1828800" cy="731400"/>
-          </a:xfrm>
-          <a:prstGeom prst="rect">
-            <a:avLst/>
-          </a:prstGeom>
-        </p:spPr>
-        <p:txBody>
-          <a:bodyPr anchorCtr="0" anchor="b" bIns="91425" lIns="91425" spcFirstLastPara="1" rIns="91425" wrap="square" tIns="91425">
-            <a:noAutofit/>
-          </a:bodyPr>
-          <a:lstStyle>
-            <a:lvl1pPr lvl="0">
-              <a:buNone/>
-              <a:defRPr>
-                <a:solidFill>
-                  <a:schemeClr val="dk1"/>
-                </a:solidFill>
-              </a:defRPr>
-            </a:lvl1pPr>
-            <a:lvl2pPr lvl="1">
-              <a:buNone/>
-              <a:defRPr>
-                <a:solidFill>
-                  <a:schemeClr val="dk1"/>
-                </a:solidFill>
-              </a:defRPr>
-            </a:lvl2pPr>
-            <a:lvl3pPr lvl="2">
-              <a:buNone/>
-              <a:defRPr>
-                <a:solidFill>
-                  <a:schemeClr val="dk1"/>
-                </a:solidFill>
-              </a:defRPr>
-            </a:lvl3pPr>
-            <a:lvl4pPr lvl="3">
-              <a:buNone/>
-              <a:defRPr>
-                <a:solidFill>
-                  <a:schemeClr val="dk1"/>
-                </a:solidFill>
-              </a:defRPr>
-            </a:lvl4pPr>
-            <a:lvl5pPr lvl="4">
-              <a:buNone/>
-              <a:defRPr>
-                <a:solidFill>
-                  <a:schemeClr val="dk1"/>
-                </a:solidFill>
-              </a:defRPr>
-            </a:lvl5pPr>
-            <a:lvl6pPr lvl="5">
-              <a:buNone/>
-              <a:defRPr>
-                <a:solidFill>
-                  <a:schemeClr val="dk1"/>
-                </a:solidFill>
-              </a:defRPr>
-            </a:lvl6pPr>
-            <a:lvl7pPr lvl="6">
-              <a:buNone/>
-              <a:defRPr>
-                <a:solidFill>
-                  <a:schemeClr val="dk1"/>
-                </a:solidFill>
-              </a:defRPr>
-            </a:lvl7pPr>
-            <a:lvl8pPr lvl="7">
-              <a:buNone/>
-              <a:defRPr>
-                <a:solidFill>
-                  <a:schemeClr val="dk1"/>
-                </a:solidFill>
-              </a:defRPr>
-            </a:lvl8pPr>
-            <a:lvl9pPr lvl="8">
-              <a:buNone/>
-              <a:defRPr>
-                <a:solidFill>
-                  <a:schemeClr val="dk1"/>
-                </a:solidFill>
-              </a:defRPr>
-            </a:lvl9pPr>
-          </a:lstStyle>
-          <a:p>
-            <a:pPr indent="0" lvl="0" marL="0" rtl="0" algn="r">
-              <a:spcBef>
-                <a:spcPts val="0"/>
-              </a:spcBef>
-              <a:spcAft>
-                <a:spcPts val="0"/>
-              </a:spcAft>
-              <a:buNone/>
-            </a:pPr>
-            <a:fld id="{00000000-1234-1234-1234-123412341234}" type="slidenum">
-              <a:rPr lang="en"/>
-              <a:t>‹#›</a:t>
-            </a:fld>
-            <a:endParaRPr/>
-          </a:p>
-          <a:p>
-            <a:pPr indent="0" lvl="0" marL="0" rtl="0" algn="r">
-              <a:spcBef>
-                <a:spcPts val="0"/>
-              </a:spcBef>
-              <a:spcAft>
-                <a:spcPts val="0"/>
-              </a:spcAft>
-              <a:buNone/>
-            </a:pPr>
-            <a:r>
-              <a:rPr b="0" lang="en" sz="900" u="sng">
-                <a:solidFill>
-                  <a:schemeClr val="hlink"/>
-                </a:solidFill>
-                <a:hlinkClick r:id="rId2"/>
-              </a:rPr>
-              <a:t>https://profriehle.com</a:t>
-            </a:r>
-            <a:r>
-              <a:rPr b="0" lang="en" sz="900">
-                <a:solidFill>
-                  <a:schemeClr val="dk2"/>
-                </a:solidFill>
-              </a:rPr>
-              <a:t> </a:t>
-            </a:r>
-            <a:endParaRPr>
-              <a:solidFill>
-                <a:schemeClr val="dk2"/>
-              </a:solidFill>
-            </a:endParaRPr>
-          </a:p>
         </p:txBody>
       </p:sp>
       <p:sp>
@@ -6476,6 +6560,144 @@
               <a:t/>
             </a:r>
             <a:endParaRPr/>
+          </a:p>
+        </p:txBody>
+      </p:sp>
+      <p:sp>
+        <p:nvSpPr>
+          <p:cNvPr id="27" name="Google Shape;27;p5"/>
+          <p:cNvSpPr txBox="1"/>
+          <p:nvPr>
+            <p:ph idx="12" type="sldNum"/>
+          </p:nvPr>
+        </p:nvSpPr>
+        <p:spPr>
+          <a:xfrm>
+            <a:off x="7315209" y="4229101"/>
+            <a:ext cx="1828800" cy="914400"/>
+          </a:xfrm>
+          <a:prstGeom prst="rect">
+            <a:avLst/>
+          </a:prstGeom>
+        </p:spPr>
+        <p:txBody>
+          <a:bodyPr anchorCtr="0" anchor="b" bIns="91425" lIns="91425" spcFirstLastPara="1" rIns="91425" wrap="square" tIns="91425">
+            <a:noAutofit/>
+          </a:bodyPr>
+          <a:lstStyle>
+            <a:lvl1pPr lvl="0" rtl="0" algn="r">
+              <a:buNone/>
+              <a:defRPr b="1" sz="2400">
+                <a:solidFill>
+                  <a:schemeClr val="dk1"/>
+                </a:solidFill>
+              </a:defRPr>
+            </a:lvl1pPr>
+            <a:lvl2pPr lvl="1" rtl="0" algn="r">
+              <a:buNone/>
+              <a:defRPr b="1" sz="2400">
+                <a:solidFill>
+                  <a:schemeClr val="dk1"/>
+                </a:solidFill>
+              </a:defRPr>
+            </a:lvl2pPr>
+            <a:lvl3pPr lvl="2" rtl="0" algn="r">
+              <a:buNone/>
+              <a:defRPr b="1" sz="2400">
+                <a:solidFill>
+                  <a:schemeClr val="dk1"/>
+                </a:solidFill>
+              </a:defRPr>
+            </a:lvl3pPr>
+            <a:lvl4pPr lvl="3" rtl="0" algn="r">
+              <a:buNone/>
+              <a:defRPr b="1" sz="2400">
+                <a:solidFill>
+                  <a:schemeClr val="dk1"/>
+                </a:solidFill>
+              </a:defRPr>
+            </a:lvl4pPr>
+            <a:lvl5pPr lvl="4" rtl="0" algn="r">
+              <a:buNone/>
+              <a:defRPr b="1" sz="2400">
+                <a:solidFill>
+                  <a:schemeClr val="dk1"/>
+                </a:solidFill>
+              </a:defRPr>
+            </a:lvl5pPr>
+            <a:lvl6pPr lvl="5" rtl="0" algn="r">
+              <a:buNone/>
+              <a:defRPr b="1" sz="2400">
+                <a:solidFill>
+                  <a:schemeClr val="dk1"/>
+                </a:solidFill>
+              </a:defRPr>
+            </a:lvl6pPr>
+            <a:lvl7pPr lvl="6" rtl="0" algn="r">
+              <a:buNone/>
+              <a:defRPr b="1" sz="2400">
+                <a:solidFill>
+                  <a:schemeClr val="dk1"/>
+                </a:solidFill>
+              </a:defRPr>
+            </a:lvl7pPr>
+            <a:lvl8pPr lvl="7" rtl="0" algn="r">
+              <a:buNone/>
+              <a:defRPr b="1" sz="2400">
+                <a:solidFill>
+                  <a:schemeClr val="dk1"/>
+                </a:solidFill>
+              </a:defRPr>
+            </a:lvl8pPr>
+            <a:lvl9pPr lvl="8" rtl="0" algn="r">
+              <a:buNone/>
+              <a:defRPr b="1" sz="2400">
+                <a:solidFill>
+                  <a:schemeClr val="dk1"/>
+                </a:solidFill>
+              </a:defRPr>
+            </a:lvl9pPr>
+          </a:lstStyle>
+          <a:p>
+            <a:pPr indent="0" lvl="0" marL="0" rtl="0" algn="r">
+              <a:spcBef>
+                <a:spcPts val="0"/>
+              </a:spcBef>
+              <a:spcAft>
+                <a:spcPts val="0"/>
+              </a:spcAft>
+              <a:buNone/>
+            </a:pPr>
+            <a:fld id="{00000000-1234-1234-1234-123412341234}" type="slidenum">
+              <a:rPr lang="en"/>
+              <a:t>‹#›</a:t>
+            </a:fld>
+            <a:endParaRPr/>
+          </a:p>
+          <a:p>
+            <a:pPr indent="0" lvl="0" marL="0" rtl="0" algn="r">
+              <a:spcBef>
+                <a:spcPts val="0"/>
+              </a:spcBef>
+              <a:spcAft>
+                <a:spcPts val="0"/>
+              </a:spcAft>
+              <a:buNone/>
+            </a:pPr>
+            <a:r>
+              <a:rPr b="0" lang="en" sz="1000" u="sng">
+                <a:solidFill>
+                  <a:schemeClr val="hlink"/>
+                </a:solidFill>
+                <a:hlinkClick r:id="rId2"/>
+              </a:rPr>
+              <a:t>uni1.de/nyt</a:t>
+            </a:r>
+            <a:r>
+              <a:rPr b="0" lang="en" sz="1000"/>
+              <a:t> </a:t>
+            </a:r>
+            <a:endParaRPr b="0" sz="1000"/>
           </a:p>
         </p:txBody>
       </p:sp>
@@ -6492,7 +6714,7 @@
   <p:cSld name="TITLE_ONLY">
     <p:spTree>
       <p:nvGrpSpPr>
-        <p:cNvPr id="27" name="Shape 27"/>
+        <p:cNvPr id="28" name="Shape 28"/>
         <p:cNvGrpSpPr/>
         <p:nvPr/>
       </p:nvGrpSpPr>
@@ -6506,7 +6728,7 @@
       </p:grpSpPr>
       <p:sp>
         <p:nvSpPr>
-          <p:cNvPr id="28" name="Google Shape;28;p6"/>
+          <p:cNvPr id="29" name="Google Shape;29;p6"/>
           <p:cNvSpPr txBox="1"/>
           <p:nvPr>
             <p:ph type="title"/>
@@ -6627,152 +6849,6 @@
             </a:lvl9pPr>
           </a:lstStyle>
           <a:p/>
-        </p:txBody>
-      </p:sp>
-      <p:sp>
-        <p:nvSpPr>
-          <p:cNvPr id="29" name="Google Shape;29;p6"/>
-          <p:cNvSpPr txBox="1"/>
-          <p:nvPr>
-            <p:ph idx="12" type="sldNum"/>
-          </p:nvPr>
-        </p:nvSpPr>
-        <p:spPr>
-          <a:xfrm>
-            <a:off x="7315202" y="4416550"/>
-            <a:ext cx="1828800" cy="731400"/>
-          </a:xfrm>
-          <a:prstGeom prst="rect">
-            <a:avLst/>
-          </a:prstGeom>
-        </p:spPr>
-        <p:txBody>
-          <a:bodyPr anchorCtr="0" anchor="b" bIns="91425" lIns="91425" spcFirstLastPara="1" rIns="91425" wrap="square" tIns="91425">
-            <a:noAutofit/>
-          </a:bodyPr>
-          <a:lstStyle>
-            <a:lvl1pPr lvl="0">
-              <a:buNone/>
-              <a:defRPr>
-                <a:solidFill>
-                  <a:schemeClr val="dk1"/>
-                </a:solidFill>
-              </a:defRPr>
-            </a:lvl1pPr>
-            <a:lvl2pPr lvl="1">
-              <a:buNone/>
-              <a:defRPr>
-                <a:solidFill>
-                  <a:schemeClr val="dk1"/>
-                </a:solidFill>
-              </a:defRPr>
-            </a:lvl2pPr>
-            <a:lvl3pPr lvl="2">
-              <a:buNone/>
-              <a:defRPr>
-                <a:solidFill>
-                  <a:schemeClr val="dk1"/>
-                </a:solidFill>
-              </a:defRPr>
-            </a:lvl3pPr>
-            <a:lvl4pPr lvl="3">
-              <a:buNone/>
-              <a:defRPr>
-                <a:solidFill>
-                  <a:schemeClr val="dk1"/>
-                </a:solidFill>
-              </a:defRPr>
-            </a:lvl4pPr>
-            <a:lvl5pPr lvl="4">
-              <a:buNone/>
-              <a:defRPr>
-                <a:solidFill>
-                  <a:schemeClr val="dk1"/>
-                </a:solidFill>
-              </a:defRPr>
-            </a:lvl5pPr>
-            <a:lvl6pPr lvl="5">
-              <a:buNone/>
-              <a:defRPr>
-                <a:solidFill>
-                  <a:schemeClr val="dk1"/>
-                </a:solidFill>
-              </a:defRPr>
-            </a:lvl6pPr>
-            <a:lvl7pPr lvl="6">
-              <a:buNone/>
-              <a:defRPr>
-                <a:solidFill>
-                  <a:schemeClr val="dk1"/>
-                </a:solidFill>
-              </a:defRPr>
-            </a:lvl7pPr>
-            <a:lvl8pPr lvl="7">
-              <a:buNone/>
-              <a:defRPr>
-                <a:solidFill>
-                  <a:schemeClr val="dk1"/>
-                </a:solidFill>
-              </a:defRPr>
-            </a:lvl8pPr>
-            <a:lvl9pPr lvl="8">
-              <a:buNone/>
-              <a:defRPr>
-                <a:solidFill>
-                  <a:schemeClr val="dk1"/>
-                </a:solidFill>
-              </a:defRPr>
-            </a:lvl9pPr>
-          </a:lstStyle>
-          <a:p>
-            <a:pPr indent="0" lvl="0" marL="0" rtl="0" algn="r">
-              <a:spcBef>
-                <a:spcPts val="0"/>
-              </a:spcBef>
-              <a:spcAft>
-                <a:spcPts val="0"/>
-              </a:spcAft>
-              <a:buNone/>
-            </a:pPr>
-            <a:fld id="{00000000-1234-1234-1234-123412341234}" type="slidenum">
-              <a:rPr lang="en"/>
-              <a:t>‹#›</a:t>
-            </a:fld>
-            <a:endParaRPr/>
-          </a:p>
-          <a:p>
-            <a:pPr indent="0" lvl="0" marL="0" rtl="0" algn="r">
-              <a:spcBef>
-                <a:spcPts val="0"/>
-              </a:spcBef>
-              <a:spcAft>
-                <a:spcPts val="0"/>
-              </a:spcAft>
-              <a:buNone/>
-            </a:pPr>
-            <a:r>
-              <a:rPr b="0" lang="en" sz="900" u="sng">
-                <a:solidFill>
-                  <a:schemeClr val="hlink"/>
-                </a:solidFill>
-                <a:hlinkClick r:id="rId2"/>
-              </a:rPr>
-              <a:t>https://profriehle.com</a:t>
-            </a:r>
-            <a:r>
-              <a:rPr b="0" lang="en" sz="900">
-                <a:solidFill>
-                  <a:schemeClr val="dk2"/>
-                </a:solidFill>
-              </a:rPr>
-              <a:t> </a:t>
-            </a:r>
-            <a:endParaRPr>
-              <a:solidFill>
-                <a:schemeClr val="dk2"/>
-              </a:solidFill>
-            </a:endParaRPr>
-          </a:p>
         </p:txBody>
       </p:sp>
       <p:sp>
@@ -6815,6 +6891,144 @@
               <a:t/>
             </a:r>
             <a:endParaRPr/>
+          </a:p>
+        </p:txBody>
+      </p:sp>
+      <p:sp>
+        <p:nvSpPr>
+          <p:cNvPr id="31" name="Google Shape;31;p6"/>
+          <p:cNvSpPr txBox="1"/>
+          <p:nvPr>
+            <p:ph idx="12" type="sldNum"/>
+          </p:nvPr>
+        </p:nvSpPr>
+        <p:spPr>
+          <a:xfrm>
+            <a:off x="7315209" y="4229101"/>
+            <a:ext cx="1828800" cy="914400"/>
+          </a:xfrm>
+          <a:prstGeom prst="rect">
+            <a:avLst/>
+          </a:prstGeom>
+        </p:spPr>
+        <p:txBody>
+          <a:bodyPr anchorCtr="0" anchor="b" bIns="91425" lIns="91425" spcFirstLastPara="1" rIns="91425" wrap="square" tIns="91425">
+            <a:noAutofit/>
+          </a:bodyPr>
+          <a:lstStyle>
+            <a:lvl1pPr lvl="0" rtl="0" algn="r">
+              <a:buNone/>
+              <a:defRPr b="1" sz="2400">
+                <a:solidFill>
+                  <a:schemeClr val="dk1"/>
+                </a:solidFill>
+              </a:defRPr>
+            </a:lvl1pPr>
+            <a:lvl2pPr lvl="1" rtl="0" algn="r">
+              <a:buNone/>
+              <a:defRPr b="1" sz="2400">
+                <a:solidFill>
+                  <a:schemeClr val="dk1"/>
+                </a:solidFill>
+              </a:defRPr>
+            </a:lvl2pPr>
+            <a:lvl3pPr lvl="2" rtl="0" algn="r">
+              <a:buNone/>
+              <a:defRPr b="1" sz="2400">
+                <a:solidFill>
+                  <a:schemeClr val="dk1"/>
+                </a:solidFill>
+              </a:defRPr>
+            </a:lvl3pPr>
+            <a:lvl4pPr lvl="3" rtl="0" algn="r">
+              <a:buNone/>
+              <a:defRPr b="1" sz="2400">
+                <a:solidFill>
+                  <a:schemeClr val="dk1"/>
+                </a:solidFill>
+              </a:defRPr>
+            </a:lvl4pPr>
+            <a:lvl5pPr lvl="4" rtl="0" algn="r">
+              <a:buNone/>
+              <a:defRPr b="1" sz="2400">
+                <a:solidFill>
+                  <a:schemeClr val="dk1"/>
+                </a:solidFill>
+              </a:defRPr>
+            </a:lvl5pPr>
+            <a:lvl6pPr lvl="5" rtl="0" algn="r">
+              <a:buNone/>
+              <a:defRPr b="1" sz="2400">
+                <a:solidFill>
+                  <a:schemeClr val="dk1"/>
+                </a:solidFill>
+              </a:defRPr>
+            </a:lvl6pPr>
+            <a:lvl7pPr lvl="6" rtl="0" algn="r">
+              <a:buNone/>
+              <a:defRPr b="1" sz="2400">
+                <a:solidFill>
+                  <a:schemeClr val="dk1"/>
+                </a:solidFill>
+              </a:defRPr>
+            </a:lvl7pPr>
+            <a:lvl8pPr lvl="7" rtl="0" algn="r">
+              <a:buNone/>
+              <a:defRPr b="1" sz="2400">
+                <a:solidFill>
+                  <a:schemeClr val="dk1"/>
+                </a:solidFill>
+              </a:defRPr>
+            </a:lvl8pPr>
+            <a:lvl9pPr lvl="8" rtl="0" algn="r">
+              <a:buNone/>
+              <a:defRPr b="1" sz="2400">
+                <a:solidFill>
+                  <a:schemeClr val="dk1"/>
+                </a:solidFill>
+              </a:defRPr>
+            </a:lvl9pPr>
+          </a:lstStyle>
+          <a:p>
+            <a:pPr indent="0" lvl="0" marL="0" rtl="0" algn="r">
+              <a:spcBef>
+                <a:spcPts val="0"/>
+              </a:spcBef>
+              <a:spcAft>
+                <a:spcPts val="0"/>
+              </a:spcAft>
+              <a:buNone/>
+            </a:pPr>
+            <a:fld id="{00000000-1234-1234-1234-123412341234}" type="slidenum">
+              <a:rPr lang="en"/>
+              <a:t>‹#›</a:t>
+            </a:fld>
+            <a:endParaRPr/>
+          </a:p>
+          <a:p>
+            <a:pPr indent="0" lvl="0" marL="0" rtl="0" algn="r">
+              <a:spcBef>
+                <a:spcPts val="0"/>
+              </a:spcBef>
+              <a:spcAft>
+                <a:spcPts val="0"/>
+              </a:spcAft>
+              <a:buNone/>
+            </a:pPr>
+            <a:r>
+              <a:rPr b="0" lang="en" sz="1000" u="sng">
+                <a:solidFill>
+                  <a:schemeClr val="hlink"/>
+                </a:solidFill>
+                <a:hlinkClick r:id="rId2"/>
+              </a:rPr>
+              <a:t>uni1.de/nyt</a:t>
+            </a:r>
+            <a:r>
+              <a:rPr b="0" lang="en" sz="1000"/>
+              <a:t> </a:t>
+            </a:r>
+            <a:endParaRPr b="0" sz="1000"/>
           </a:p>
         </p:txBody>
       </p:sp>
@@ -6831,7 +7045,7 @@
   <p:cSld name="BLANK">
     <p:spTree>
       <p:nvGrpSpPr>
-        <p:cNvPr id="31" name="Shape 31"/>
+        <p:cNvPr id="32" name="Shape 32"/>
         <p:cNvGrpSpPr/>
         <p:nvPr/>
       </p:nvGrpSpPr>
@@ -7296,8 +7510,8 @@
         </p:nvSpPr>
         <p:spPr>
           <a:xfrm>
-            <a:off x="7315202" y="4416550"/>
-            <a:ext cx="1828800" cy="731400"/>
+            <a:off x="7315209" y="4229101"/>
+            <a:ext cx="1828800" cy="914400"/>
           </a:xfrm>
           <a:prstGeom prst="rect">
             <a:avLst/>
@@ -7316,7 +7530,7 @@
               <a:buNone/>
               <a:defRPr b="1" sz="2400">
                 <a:solidFill>
-                  <a:schemeClr val="dk2"/>
+                  <a:schemeClr val="dk1"/>
                 </a:solidFill>
               </a:defRPr>
             </a:lvl1pPr>
@@ -7324,7 +7538,7 @@
               <a:buNone/>
               <a:defRPr b="1" sz="2400">
                 <a:solidFill>
-                  <a:schemeClr val="dk2"/>
+                  <a:schemeClr val="dk1"/>
                 </a:solidFill>
               </a:defRPr>
             </a:lvl2pPr>
@@ -7332,7 +7546,7 @@
               <a:buNone/>
               <a:defRPr b="1" sz="2400">
                 <a:solidFill>
-                  <a:schemeClr val="dk2"/>
+                  <a:schemeClr val="dk1"/>
                 </a:solidFill>
               </a:defRPr>
             </a:lvl3pPr>
@@ -7340,7 +7554,7 @@
               <a:buNone/>
               <a:defRPr b="1" sz="2400">
                 <a:solidFill>
-                  <a:schemeClr val="dk2"/>
+                  <a:schemeClr val="dk1"/>
                 </a:solidFill>
               </a:defRPr>
             </a:lvl4pPr>
@@ -7348,7 +7562,7 @@
               <a:buNone/>
               <a:defRPr b="1" sz="2400">
                 <a:solidFill>
-                  <a:schemeClr val="dk2"/>
+                  <a:schemeClr val="dk1"/>
                 </a:solidFill>
               </a:defRPr>
             </a:lvl5pPr>
@@ -7356,7 +7570,7 @@
               <a:buNone/>
               <a:defRPr b="1" sz="2400">
                 <a:solidFill>
-                  <a:schemeClr val="dk2"/>
+                  <a:schemeClr val="dk1"/>
                 </a:solidFill>
               </a:defRPr>
             </a:lvl6pPr>
@@ -7364,7 +7578,7 @@
               <a:buNone/>
               <a:defRPr b="1" sz="2400">
                 <a:solidFill>
-                  <a:schemeClr val="dk2"/>
+                  <a:schemeClr val="dk1"/>
                 </a:solidFill>
               </a:defRPr>
             </a:lvl7pPr>
@@ -7372,7 +7586,7 @@
               <a:buNone/>
               <a:defRPr b="1" sz="2400">
                 <a:solidFill>
-                  <a:schemeClr val="dk2"/>
+                  <a:schemeClr val="dk1"/>
                 </a:solidFill>
               </a:defRPr>
             </a:lvl8pPr>
@@ -7380,7 +7594,7 @@
               <a:buNone/>
               <a:defRPr b="1" sz="2400">
                 <a:solidFill>
-                  <a:schemeClr val="dk2"/>
+                  <a:schemeClr val="dk1"/>
                 </a:solidFill>
               </a:defRPr>
             </a:lvl9pPr>
@@ -7412,19 +7626,19 @@
               <a:buNone/>
             </a:pPr>
             <a:r>
-              <a:rPr b="0" lang="en" sz="900" u="sng">
+              <a:rPr b="0" lang="en" sz="1000" u="sng">
                 <a:solidFill>
                   <a:schemeClr val="hlink"/>
                 </a:solidFill>
                 <a:hlinkClick r:id="rId1"/>
               </a:rPr>
-              <a:t>https://profriehle.com</a:t>
-            </a:r>
-            <a:r>
-              <a:rPr b="0" lang="en" sz="900"/>
+              <a:t>uni1.de/nyt</a:t>
+            </a:r>
+            <a:r>
+              <a:rPr b="0" lang="en" sz="1000"/>
               <a:t> </a:t>
             </a:r>
-            <a:endParaRPr b="0" sz="900"/>
+            <a:endParaRPr b="0" sz="1000"/>
           </a:p>
         </p:txBody>
       </p:sp>
@@ -8137,7 +8351,7 @@
   <p:cSld>
     <p:spTree>
       <p:nvGrpSpPr>
-        <p:cNvPr id="35" name="Shape 35"/>
+        <p:cNvPr id="36" name="Shape 36"/>
         <p:cNvGrpSpPr/>
         <p:nvPr/>
       </p:nvGrpSpPr>
@@ -8151,7 +8365,7 @@
       </p:grpSpPr>
       <p:sp>
         <p:nvSpPr>
-          <p:cNvPr id="36" name="Google Shape;36;p8"/>
+          <p:cNvPr id="37" name="Google Shape;37;p8"/>
           <p:cNvSpPr txBox="1"/>
           <p:nvPr>
             <p:ph type="ctrTitle"/>
@@ -8199,7 +8413,7 @@
       </p:sp>
       <p:sp>
         <p:nvSpPr>
-          <p:cNvPr id="37" name="Google Shape;37;p8"/>
+          <p:cNvPr id="38" name="Google Shape;38;p8"/>
           <p:cNvSpPr txBox="1"/>
           <p:nvPr>
             <p:ph idx="1" type="subTitle"/>
@@ -8325,7 +8539,7 @@
   <p:cSld>
     <p:spTree>
       <p:nvGrpSpPr>
-        <p:cNvPr id="110" name="Shape 110"/>
+        <p:cNvPr id="111" name="Shape 111"/>
         <p:cNvGrpSpPr/>
         <p:nvPr/>
       </p:nvGrpSpPr>
@@ -8339,7 +8553,7 @@
       </p:grpSpPr>
       <p:sp>
         <p:nvSpPr>
-          <p:cNvPr id="111" name="Google Shape;111;p17"/>
+          <p:cNvPr id="112" name="Google Shape;112;p17"/>
           <p:cNvSpPr txBox="1"/>
           <p:nvPr>
             <p:ph type="title"/>
@@ -8379,7 +8593,7 @@
       </p:sp>
       <p:sp>
         <p:nvSpPr>
-          <p:cNvPr id="112" name="Google Shape;112;p17"/>
+          <p:cNvPr id="113" name="Google Shape;113;p17"/>
           <p:cNvSpPr txBox="1"/>
           <p:nvPr>
             <p:ph idx="1" type="body"/>
@@ -8488,7 +8702,7 @@
       </p:sp>
       <p:sp>
         <p:nvSpPr>
-          <p:cNvPr id="113" name="Google Shape;113;p17"/>
+          <p:cNvPr id="114" name="Google Shape;114;p17"/>
           <p:cNvSpPr txBox="1"/>
           <p:nvPr>
             <p:ph idx="12" type="sldNum"/>
@@ -8496,8 +8710,8 @@
         </p:nvSpPr>
         <p:spPr>
           <a:xfrm>
-            <a:off x="7315202" y="4416550"/>
-            <a:ext cx="1828800" cy="731400"/>
+            <a:off x="7315209" y="4229101"/>
+            <a:ext cx="1828800" cy="914400"/>
           </a:xfrm>
           <a:prstGeom prst="rect">
             <a:avLst/>
@@ -8535,27 +8749,19 @@
               <a:buNone/>
             </a:pPr>
             <a:r>
-              <a:rPr b="0" lang="en" sz="900" u="sng">
+              <a:rPr b="0" lang="en" sz="1000" u="sng">
                 <a:solidFill>
                   <a:schemeClr val="hlink"/>
                 </a:solidFill>
                 <a:hlinkClick r:id="rId3"/>
               </a:rPr>
-              <a:t>https://profriehle.com</a:t>
-            </a:r>
-            <a:r>
-              <a:rPr b="0" lang="en" sz="900">
-                <a:solidFill>
-                  <a:schemeClr val="dk2"/>
-                </a:solidFill>
-              </a:rPr>
+              <a:t>uni1.de/nyt</a:t>
+            </a:r>
+            <a:r>
+              <a:rPr b="0" lang="en" sz="1000"/>
               <a:t> </a:t>
             </a:r>
-            <a:endParaRPr b="0" sz="900">
-              <a:solidFill>
-                <a:schemeClr val="dk2"/>
-              </a:solidFill>
-            </a:endParaRPr>
+            <a:endParaRPr b="0" sz="1000"/>
           </a:p>
         </p:txBody>
       </p:sp>
@@ -8572,7 +8778,7 @@
   <p:cSld>
     <p:spTree>
       <p:nvGrpSpPr>
-        <p:cNvPr id="117" name="Shape 117"/>
+        <p:cNvPr id="118" name="Shape 118"/>
         <p:cNvGrpSpPr/>
         <p:nvPr/>
       </p:nvGrpSpPr>
@@ -8586,7 +8792,7 @@
       </p:grpSpPr>
       <p:sp>
         <p:nvSpPr>
-          <p:cNvPr id="118" name="Google Shape;118;p18"/>
+          <p:cNvPr id="119" name="Google Shape;119;p18"/>
           <p:cNvSpPr txBox="1"/>
           <p:nvPr>
             <p:ph type="title"/>
@@ -8626,7 +8832,7 @@
       </p:sp>
       <p:sp>
         <p:nvSpPr>
-          <p:cNvPr id="119" name="Google Shape;119;p18"/>
+          <p:cNvPr id="120" name="Google Shape;120;p18"/>
           <p:cNvSpPr txBox="1"/>
           <p:nvPr>
             <p:ph idx="12" type="sldNum"/>
@@ -8634,8 +8840,8 @@
         </p:nvSpPr>
         <p:spPr>
           <a:xfrm>
-            <a:off x="7315202" y="4416550"/>
-            <a:ext cx="1828800" cy="731400"/>
+            <a:off x="7315209" y="4229101"/>
+            <a:ext cx="1828800" cy="914400"/>
           </a:xfrm>
           <a:prstGeom prst="rect">
             <a:avLst/>
@@ -8673,33 +8879,25 @@
               <a:buNone/>
             </a:pPr>
             <a:r>
-              <a:rPr b="0" lang="en" sz="900" u="sng">
+              <a:rPr b="0" lang="en" sz="1000" u="sng">
                 <a:solidFill>
                   <a:schemeClr val="hlink"/>
                 </a:solidFill>
                 <a:hlinkClick r:id="rId3"/>
               </a:rPr>
-              <a:t>https://profriehle.com</a:t>
-            </a:r>
-            <a:r>
-              <a:rPr b="0" lang="en" sz="900">
-                <a:solidFill>
-                  <a:schemeClr val="dk2"/>
-                </a:solidFill>
-              </a:rPr>
+              <a:t>uni1.de/nyt</a:t>
+            </a:r>
+            <a:r>
+              <a:rPr b="0" lang="en" sz="1000"/>
               <a:t> </a:t>
             </a:r>
-            <a:endParaRPr b="0" sz="900">
-              <a:solidFill>
-                <a:schemeClr val="dk2"/>
-              </a:solidFill>
-            </a:endParaRPr>
+            <a:endParaRPr b="0" sz="1000"/>
           </a:p>
         </p:txBody>
       </p:sp>
       <p:pic>
         <p:nvPicPr>
-          <p:cNvPr id="120" name="Google Shape;120;p18"/>
+          <p:cNvPr id="121" name="Google Shape;121;p18"/>
           <p:cNvPicPr preferRelativeResize="0"/>
           <p:nvPr/>
         </p:nvPicPr>
@@ -8738,7 +8936,7 @@
   <p:cSld>
     <p:spTree>
       <p:nvGrpSpPr>
-        <p:cNvPr id="124" name="Shape 124"/>
+        <p:cNvPr id="125" name="Shape 125"/>
         <p:cNvGrpSpPr/>
         <p:nvPr/>
       </p:nvGrpSpPr>
@@ -8752,7 +8950,7 @@
       </p:grpSpPr>
       <p:sp>
         <p:nvSpPr>
-          <p:cNvPr id="125" name="Google Shape;125;p19"/>
+          <p:cNvPr id="126" name="Google Shape;126;p19"/>
           <p:cNvSpPr txBox="1"/>
           <p:nvPr>
             <p:ph type="title"/>
@@ -8792,7 +8990,7 @@
       </p:sp>
       <p:sp>
         <p:nvSpPr>
-          <p:cNvPr id="126" name="Google Shape;126;p19"/>
+          <p:cNvPr id="127" name="Google Shape;127;p19"/>
           <p:cNvSpPr txBox="1"/>
           <p:nvPr>
             <p:ph idx="12" type="sldNum"/>
@@ -8800,8 +8998,8 @@
         </p:nvSpPr>
         <p:spPr>
           <a:xfrm>
-            <a:off x="7315202" y="4416550"/>
-            <a:ext cx="1828800" cy="731400"/>
+            <a:off x="7315209" y="4229101"/>
+            <a:ext cx="1828800" cy="914400"/>
           </a:xfrm>
           <a:prstGeom prst="rect">
             <a:avLst/>
@@ -8839,33 +9037,25 @@
               <a:buNone/>
             </a:pPr>
             <a:r>
-              <a:rPr b="0" lang="en" sz="900" u="sng">
+              <a:rPr b="0" lang="en" sz="1000" u="sng">
                 <a:solidFill>
                   <a:schemeClr val="hlink"/>
                 </a:solidFill>
                 <a:hlinkClick r:id="rId3"/>
               </a:rPr>
-              <a:t>https://profriehle.com</a:t>
-            </a:r>
-            <a:r>
-              <a:rPr b="0" lang="en" sz="900">
-                <a:solidFill>
-                  <a:schemeClr val="dk2"/>
-                </a:solidFill>
-              </a:rPr>
+              <a:t>uni1.de/nyt</a:t>
+            </a:r>
+            <a:r>
+              <a:rPr b="0" lang="en" sz="1000"/>
               <a:t> </a:t>
             </a:r>
-            <a:endParaRPr b="0" sz="900">
-              <a:solidFill>
-                <a:schemeClr val="dk2"/>
-              </a:solidFill>
-            </a:endParaRPr>
+            <a:endParaRPr b="0" sz="1000"/>
           </a:p>
         </p:txBody>
       </p:sp>
       <p:pic>
         <p:nvPicPr>
-          <p:cNvPr id="127" name="Google Shape;127;p19"/>
+          <p:cNvPr id="128" name="Google Shape;128;p19"/>
           <p:cNvPicPr preferRelativeResize="0"/>
           <p:nvPr/>
         </p:nvPicPr>
@@ -8904,7 +9094,7 @@
   <p:cSld>
     <p:spTree>
       <p:nvGrpSpPr>
-        <p:cNvPr id="131" name="Shape 131"/>
+        <p:cNvPr id="132" name="Shape 132"/>
         <p:cNvGrpSpPr/>
         <p:nvPr/>
       </p:nvGrpSpPr>
@@ -8918,7 +9108,7 @@
       </p:grpSpPr>
       <p:sp>
         <p:nvSpPr>
-          <p:cNvPr id="132" name="Google Shape;132;p20"/>
+          <p:cNvPr id="133" name="Google Shape;133;p20"/>
           <p:cNvSpPr txBox="1"/>
           <p:nvPr>
             <p:ph type="title"/>
@@ -8958,7 +9148,7 @@
       </p:sp>
       <p:sp>
         <p:nvSpPr>
-          <p:cNvPr id="133" name="Google Shape;133;p20"/>
+          <p:cNvPr id="134" name="Google Shape;134;p20"/>
           <p:cNvSpPr txBox="1"/>
           <p:nvPr>
             <p:ph idx="1" type="body"/>
@@ -9067,7 +9257,7 @@
       </p:sp>
       <p:sp>
         <p:nvSpPr>
-          <p:cNvPr id="134" name="Google Shape;134;p20"/>
+          <p:cNvPr id="135" name="Google Shape;135;p20"/>
           <p:cNvSpPr txBox="1"/>
           <p:nvPr>
             <p:ph idx="12" type="sldNum"/>
@@ -9075,8 +9265,8 @@
         </p:nvSpPr>
         <p:spPr>
           <a:xfrm>
-            <a:off x="7315202" y="4416550"/>
-            <a:ext cx="1828800" cy="731400"/>
+            <a:off x="7315209" y="4229101"/>
+            <a:ext cx="1828800" cy="914400"/>
           </a:xfrm>
           <a:prstGeom prst="rect">
             <a:avLst/>
@@ -9114,27 +9304,19 @@
               <a:buNone/>
             </a:pPr>
             <a:r>
-              <a:rPr b="0" lang="en" sz="900" u="sng">
+              <a:rPr b="0" lang="en" sz="1000" u="sng">
                 <a:solidFill>
                   <a:schemeClr val="hlink"/>
                 </a:solidFill>
                 <a:hlinkClick r:id="rId3"/>
               </a:rPr>
-              <a:t>https://profriehle.com</a:t>
-            </a:r>
-            <a:r>
-              <a:rPr b="0" lang="en" sz="900">
-                <a:solidFill>
-                  <a:schemeClr val="dk2"/>
-                </a:solidFill>
-              </a:rPr>
+              <a:t>uni1.de/nyt</a:t>
+            </a:r>
+            <a:r>
+              <a:rPr b="0" lang="en" sz="1000"/>
               <a:t> </a:t>
             </a:r>
-            <a:endParaRPr b="0" sz="900">
-              <a:solidFill>
-                <a:schemeClr val="dk2"/>
-              </a:solidFill>
-            </a:endParaRPr>
+            <a:endParaRPr b="0" sz="1000"/>
           </a:p>
         </p:txBody>
       </p:sp>
@@ -9151,7 +9333,7 @@
   <p:cSld>
     <p:spTree>
       <p:nvGrpSpPr>
-        <p:cNvPr id="138" name="Shape 138"/>
+        <p:cNvPr id="139" name="Shape 139"/>
         <p:cNvGrpSpPr/>
         <p:nvPr/>
       </p:nvGrpSpPr>
@@ -9165,7 +9347,7 @@
       </p:grpSpPr>
       <p:sp>
         <p:nvSpPr>
-          <p:cNvPr id="139" name="Google Shape;139;p21"/>
+          <p:cNvPr id="140" name="Google Shape;140;p21"/>
           <p:cNvSpPr txBox="1"/>
           <p:nvPr>
             <p:ph type="title"/>
@@ -9205,7 +9387,7 @@
       </p:sp>
       <p:sp>
         <p:nvSpPr>
-          <p:cNvPr id="140" name="Google Shape;140;p21"/>
+          <p:cNvPr id="141" name="Google Shape;141;p21"/>
           <p:cNvSpPr txBox="1"/>
           <p:nvPr>
             <p:ph idx="1" type="body"/>
@@ -9457,7 +9639,7 @@
       </p:sp>
       <p:sp>
         <p:nvSpPr>
-          <p:cNvPr id="141" name="Google Shape;141;p21"/>
+          <p:cNvPr id="142" name="Google Shape;142;p21"/>
           <p:cNvSpPr txBox="1"/>
           <p:nvPr>
             <p:ph idx="12" type="sldNum"/>
@@ -9465,8 +9647,8 @@
         </p:nvSpPr>
         <p:spPr>
           <a:xfrm>
-            <a:off x="7315202" y="4416550"/>
-            <a:ext cx="1828800" cy="731400"/>
+            <a:off x="7315209" y="4229101"/>
+            <a:ext cx="1828800" cy="914400"/>
           </a:xfrm>
           <a:prstGeom prst="rect">
             <a:avLst/>
@@ -9504,27 +9686,19 @@
               <a:buNone/>
             </a:pPr>
             <a:r>
-              <a:rPr b="0" lang="en" sz="900" u="sng">
+              <a:rPr b="0" lang="en" sz="1000" u="sng">
                 <a:solidFill>
                   <a:schemeClr val="hlink"/>
                 </a:solidFill>
                 <a:hlinkClick r:id="rId3"/>
               </a:rPr>
-              <a:t>https://profriehle.com</a:t>
-            </a:r>
-            <a:r>
-              <a:rPr b="0" lang="en" sz="900">
-                <a:solidFill>
-                  <a:schemeClr val="dk2"/>
-                </a:solidFill>
-              </a:rPr>
+              <a:t>uni1.de/nyt</a:t>
+            </a:r>
+            <a:r>
+              <a:rPr b="0" lang="en" sz="1000"/>
               <a:t> </a:t>
             </a:r>
-            <a:endParaRPr b="0" sz="900">
-              <a:solidFill>
-                <a:schemeClr val="dk2"/>
-              </a:solidFill>
-            </a:endParaRPr>
+            <a:endParaRPr b="0" sz="1000"/>
           </a:p>
         </p:txBody>
       </p:sp>
@@ -9541,7 +9715,7 @@
   <p:cSld>
     <p:spTree>
       <p:nvGrpSpPr>
-        <p:cNvPr id="145" name="Shape 145"/>
+        <p:cNvPr id="146" name="Shape 146"/>
         <p:cNvGrpSpPr/>
         <p:nvPr/>
       </p:nvGrpSpPr>
@@ -9555,7 +9729,7 @@
       </p:grpSpPr>
       <p:sp>
         <p:nvSpPr>
-          <p:cNvPr id="146" name="Google Shape;146;p22"/>
+          <p:cNvPr id="147" name="Google Shape;147;p22"/>
           <p:cNvSpPr txBox="1"/>
           <p:nvPr>
             <p:ph type="title"/>
@@ -9595,7 +9769,7 @@
       </p:sp>
       <p:sp>
         <p:nvSpPr>
-          <p:cNvPr id="147" name="Google Shape;147;p22"/>
+          <p:cNvPr id="148" name="Google Shape;148;p22"/>
           <p:cNvSpPr txBox="1"/>
           <p:nvPr>
             <p:ph idx="1" type="body"/>
@@ -9771,7 +9945,7 @@
       </p:sp>
       <p:sp>
         <p:nvSpPr>
-          <p:cNvPr id="148" name="Google Shape;148;p22"/>
+          <p:cNvPr id="149" name="Google Shape;149;p22"/>
           <p:cNvSpPr txBox="1"/>
           <p:nvPr>
             <p:ph idx="12" type="sldNum"/>
@@ -9779,8 +9953,8 @@
         </p:nvSpPr>
         <p:spPr>
           <a:xfrm>
-            <a:off x="7315202" y="4416550"/>
-            <a:ext cx="1828800" cy="731400"/>
+            <a:off x="7315209" y="4229101"/>
+            <a:ext cx="1828800" cy="914400"/>
           </a:xfrm>
           <a:prstGeom prst="rect">
             <a:avLst/>
@@ -9818,27 +9992,19 @@
               <a:buNone/>
             </a:pPr>
             <a:r>
-              <a:rPr b="0" lang="en" sz="900" u="sng">
+              <a:rPr b="0" lang="en" sz="1000" u="sng">
                 <a:solidFill>
                   <a:schemeClr val="hlink"/>
                 </a:solidFill>
                 <a:hlinkClick r:id="rId3"/>
               </a:rPr>
-              <a:t>https://profriehle.com</a:t>
-            </a:r>
-            <a:r>
-              <a:rPr b="0" lang="en" sz="900">
-                <a:solidFill>
-                  <a:schemeClr val="dk2"/>
-                </a:solidFill>
-              </a:rPr>
+              <a:t>uni1.de/nyt</a:t>
+            </a:r>
+            <a:r>
+              <a:rPr b="0" lang="en" sz="1000"/>
               <a:t> </a:t>
             </a:r>
-            <a:endParaRPr b="0" sz="900">
-              <a:solidFill>
-                <a:schemeClr val="dk2"/>
-              </a:solidFill>
-            </a:endParaRPr>
+            <a:endParaRPr b="0" sz="1000"/>
           </a:p>
         </p:txBody>
       </p:sp>
@@ -9855,7 +10021,7 @@
   <p:cSld>
     <p:spTree>
       <p:nvGrpSpPr>
-        <p:cNvPr id="152" name="Shape 152"/>
+        <p:cNvPr id="153" name="Shape 153"/>
         <p:cNvGrpSpPr/>
         <p:nvPr/>
       </p:nvGrpSpPr>
@@ -9869,7 +10035,7 @@
       </p:grpSpPr>
       <p:sp>
         <p:nvSpPr>
-          <p:cNvPr id="153" name="Google Shape;153;p23"/>
+          <p:cNvPr id="154" name="Google Shape;154;p23"/>
           <p:cNvSpPr txBox="1"/>
           <p:nvPr>
             <p:ph type="title"/>
@@ -9909,7 +10075,7 @@
       </p:sp>
       <p:sp>
         <p:nvSpPr>
-          <p:cNvPr id="154" name="Google Shape;154;p23"/>
+          <p:cNvPr id="155" name="Google Shape;155;p23"/>
           <p:cNvSpPr txBox="1"/>
           <p:nvPr>
             <p:ph idx="12" type="sldNum"/>
@@ -9917,8 +10083,8 @@
         </p:nvSpPr>
         <p:spPr>
           <a:xfrm>
-            <a:off x="7315202" y="4416550"/>
-            <a:ext cx="1828800" cy="731400"/>
+            <a:off x="7315209" y="4229101"/>
+            <a:ext cx="1828800" cy="914400"/>
           </a:xfrm>
           <a:prstGeom prst="rect">
             <a:avLst/>
@@ -9956,33 +10122,25 @@
               <a:buNone/>
             </a:pPr>
             <a:r>
-              <a:rPr b="0" lang="en" sz="900" u="sng">
+              <a:rPr b="0" lang="en" sz="1000" u="sng">
                 <a:solidFill>
                   <a:schemeClr val="hlink"/>
                 </a:solidFill>
                 <a:hlinkClick r:id="rId3"/>
               </a:rPr>
-              <a:t>https://profriehle.com</a:t>
-            </a:r>
-            <a:r>
-              <a:rPr b="0" lang="en" sz="900">
-                <a:solidFill>
-                  <a:schemeClr val="dk2"/>
-                </a:solidFill>
-              </a:rPr>
+              <a:t>uni1.de/nyt</a:t>
+            </a:r>
+            <a:r>
+              <a:rPr b="0" lang="en" sz="1000"/>
               <a:t> </a:t>
             </a:r>
-            <a:endParaRPr b="0" sz="900">
-              <a:solidFill>
-                <a:schemeClr val="dk2"/>
-              </a:solidFill>
-            </a:endParaRPr>
+            <a:endParaRPr b="0" sz="1000"/>
           </a:p>
         </p:txBody>
       </p:sp>
       <p:sp>
         <p:nvSpPr>
-          <p:cNvPr id="155" name="Google Shape;155;p23"/>
+          <p:cNvPr id="156" name="Google Shape;156;p23"/>
           <p:cNvSpPr/>
           <p:nvPr/>
         </p:nvSpPr>
@@ -10104,7 +10262,7 @@
       </p:sp>
       <p:sp>
         <p:nvSpPr>
-          <p:cNvPr id="156" name="Google Shape;156;p23"/>
+          <p:cNvPr id="157" name="Google Shape;157;p23"/>
           <p:cNvSpPr/>
           <p:nvPr/>
         </p:nvSpPr>
@@ -10226,7 +10384,7 @@
       </p:sp>
       <p:sp>
         <p:nvSpPr>
-          <p:cNvPr id="157" name="Google Shape;157;p23"/>
+          <p:cNvPr id="158" name="Google Shape;158;p23"/>
           <p:cNvSpPr/>
           <p:nvPr/>
         </p:nvSpPr>
@@ -10292,7 +10450,7 @@
       </p:sp>
       <p:sp>
         <p:nvSpPr>
-          <p:cNvPr id="158" name="Google Shape;158;p23"/>
+          <p:cNvPr id="159" name="Google Shape;159;p23"/>
           <p:cNvSpPr/>
           <p:nvPr/>
         </p:nvSpPr>
@@ -10410,7 +10568,7 @@
       </p:sp>
       <p:sp>
         <p:nvSpPr>
-          <p:cNvPr id="159" name="Google Shape;159;p23"/>
+          <p:cNvPr id="160" name="Google Shape;160;p23"/>
           <p:cNvSpPr/>
           <p:nvPr/>
         </p:nvSpPr>
@@ -10528,10 +10686,10 @@
       </p:sp>
       <p:cxnSp>
         <p:nvCxnSpPr>
-          <p:cNvPr id="160" name="Google Shape;160;p23"/>
+          <p:cNvPr id="161" name="Google Shape;161;p23"/>
           <p:cNvCxnSpPr>
-            <a:stCxn id="156" idx="3"/>
-            <a:endCxn id="157" idx="1"/>
+            <a:stCxn id="157" idx="3"/>
+            <a:endCxn id="158" idx="1"/>
           </p:cNvCxnSpPr>
           <p:nvPr/>
         </p:nvCxnSpPr>
@@ -10557,10 +10715,10 @@
       </p:cxnSp>
       <p:cxnSp>
         <p:nvCxnSpPr>
-          <p:cNvPr id="161" name="Google Shape;161;p23"/>
+          <p:cNvPr id="162" name="Google Shape;162;p23"/>
           <p:cNvCxnSpPr>
-            <a:stCxn id="157" idx="3"/>
-            <a:endCxn id="158" idx="1"/>
+            <a:stCxn id="158" idx="3"/>
+            <a:endCxn id="159" idx="1"/>
           </p:cNvCxnSpPr>
           <p:nvPr/>
         </p:nvCxnSpPr>
@@ -10586,10 +10744,10 @@
       </p:cxnSp>
       <p:cxnSp>
         <p:nvCxnSpPr>
-          <p:cNvPr id="162" name="Google Shape;162;p23"/>
+          <p:cNvPr id="163" name="Google Shape;163;p23"/>
           <p:cNvCxnSpPr>
-            <a:stCxn id="155" idx="2"/>
-            <a:endCxn id="157" idx="0"/>
+            <a:stCxn id="156" idx="2"/>
+            <a:endCxn id="158" idx="0"/>
           </p:cNvCxnSpPr>
           <p:nvPr/>
         </p:nvCxnSpPr>
@@ -10615,10 +10773,10 @@
       </p:cxnSp>
       <p:cxnSp>
         <p:nvCxnSpPr>
-          <p:cNvPr id="163" name="Google Shape;163;p23"/>
+          <p:cNvPr id="164" name="Google Shape;164;p23"/>
           <p:cNvCxnSpPr>
-            <a:stCxn id="159" idx="0"/>
-            <a:endCxn id="157" idx="2"/>
+            <a:stCxn id="160" idx="0"/>
+            <a:endCxn id="158" idx="2"/>
           </p:cNvCxnSpPr>
           <p:nvPr/>
         </p:nvCxnSpPr>
@@ -10655,7 +10813,7 @@
   <p:cSld>
     <p:spTree>
       <p:nvGrpSpPr>
-        <p:cNvPr id="167" name="Shape 167"/>
+        <p:cNvPr id="168" name="Shape 168"/>
         <p:cNvGrpSpPr/>
         <p:nvPr/>
       </p:nvGrpSpPr>
@@ -10669,7 +10827,7 @@
       </p:grpSpPr>
       <p:sp>
         <p:nvSpPr>
-          <p:cNvPr id="168" name="Google Shape;168;p24"/>
+          <p:cNvPr id="169" name="Google Shape;169;p24"/>
           <p:cNvSpPr txBox="1"/>
           <p:nvPr>
             <p:ph type="title"/>
@@ -10709,7 +10867,7 @@
       </p:sp>
       <p:sp>
         <p:nvSpPr>
-          <p:cNvPr id="169" name="Google Shape;169;p24"/>
+          <p:cNvPr id="170" name="Google Shape;170;p24"/>
           <p:cNvSpPr txBox="1"/>
           <p:nvPr>
             <p:ph idx="1" type="body"/>
@@ -10835,7 +10993,7 @@
       </p:sp>
       <p:sp>
         <p:nvSpPr>
-          <p:cNvPr id="170" name="Google Shape;170;p24"/>
+          <p:cNvPr id="171" name="Google Shape;171;p24"/>
           <p:cNvSpPr txBox="1"/>
           <p:nvPr>
             <p:ph idx="12" type="sldNum"/>
@@ -10843,8 +11001,8 @@
         </p:nvSpPr>
         <p:spPr>
           <a:xfrm>
-            <a:off x="7315202" y="4416550"/>
-            <a:ext cx="1828800" cy="731400"/>
+            <a:off x="7315209" y="4229101"/>
+            <a:ext cx="1828800" cy="914400"/>
           </a:xfrm>
           <a:prstGeom prst="rect">
             <a:avLst/>
@@ -10882,27 +11040,19 @@
               <a:buNone/>
             </a:pPr>
             <a:r>
-              <a:rPr b="0" lang="en" sz="900" u="sng">
+              <a:rPr b="0" lang="en" sz="1000" u="sng">
                 <a:solidFill>
                   <a:schemeClr val="hlink"/>
                 </a:solidFill>
                 <a:hlinkClick r:id="rId3"/>
               </a:rPr>
-              <a:t>https://profriehle.com</a:t>
-            </a:r>
-            <a:r>
-              <a:rPr b="0" lang="en" sz="900">
-                <a:solidFill>
-                  <a:schemeClr val="dk2"/>
-                </a:solidFill>
-              </a:rPr>
+              <a:t>uni1.de/nyt</a:t>
+            </a:r>
+            <a:r>
+              <a:rPr b="0" lang="en" sz="1000"/>
               <a:t> </a:t>
             </a:r>
-            <a:endParaRPr b="0" sz="900">
-              <a:solidFill>
-                <a:schemeClr val="dk2"/>
-              </a:solidFill>
-            </a:endParaRPr>
+            <a:endParaRPr b="0" sz="1000"/>
           </a:p>
         </p:txBody>
       </p:sp>
@@ -10919,7 +11069,7 @@
   <p:cSld>
     <p:spTree>
       <p:nvGrpSpPr>
-        <p:cNvPr id="174" name="Shape 174"/>
+        <p:cNvPr id="175" name="Shape 175"/>
         <p:cNvGrpSpPr/>
         <p:nvPr/>
       </p:nvGrpSpPr>
@@ -10933,7 +11083,7 @@
       </p:grpSpPr>
       <p:sp>
         <p:nvSpPr>
-          <p:cNvPr id="175" name="Google Shape;175;p25"/>
+          <p:cNvPr id="176" name="Google Shape;176;p25"/>
           <p:cNvSpPr txBox="1"/>
           <p:nvPr>
             <p:ph type="title"/>
@@ -10984,7 +11134,7 @@
   <p:cSld>
     <p:spTree>
       <p:nvGrpSpPr>
-        <p:cNvPr id="179" name="Shape 179"/>
+        <p:cNvPr id="180" name="Shape 180"/>
         <p:cNvGrpSpPr/>
         <p:nvPr/>
       </p:nvGrpSpPr>
@@ -10998,7 +11148,7 @@
       </p:grpSpPr>
       <p:sp>
         <p:nvSpPr>
-          <p:cNvPr id="180" name="Google Shape;180;p26"/>
+          <p:cNvPr id="181" name="Google Shape;181;p26"/>
           <p:cNvSpPr txBox="1"/>
           <p:nvPr>
             <p:ph type="title"/>
@@ -11038,7 +11188,7 @@
       </p:sp>
       <p:sp>
         <p:nvSpPr>
-          <p:cNvPr id="181" name="Google Shape;181;p26"/>
+          <p:cNvPr id="182" name="Google Shape;182;p26"/>
           <p:cNvSpPr txBox="1"/>
           <p:nvPr>
             <p:ph idx="1" type="body"/>
@@ -11179,7 +11329,7 @@
       </p:sp>
       <p:sp>
         <p:nvSpPr>
-          <p:cNvPr id="182" name="Google Shape;182;p26"/>
+          <p:cNvPr id="183" name="Google Shape;183;p26"/>
           <p:cNvSpPr txBox="1"/>
           <p:nvPr>
             <p:ph idx="12" type="sldNum"/>
@@ -11187,8 +11337,8 @@
         </p:nvSpPr>
         <p:spPr>
           <a:xfrm>
-            <a:off x="7315202" y="4416550"/>
-            <a:ext cx="1828800" cy="731400"/>
+            <a:off x="7315209" y="4229101"/>
+            <a:ext cx="1828800" cy="914400"/>
           </a:xfrm>
           <a:prstGeom prst="rect">
             <a:avLst/>
@@ -11226,27 +11376,19 @@
               <a:buNone/>
             </a:pPr>
             <a:r>
-              <a:rPr b="0" lang="en" sz="900" u="sng">
+              <a:rPr b="0" lang="en" sz="1000" u="sng">
                 <a:solidFill>
                   <a:schemeClr val="hlink"/>
                 </a:solidFill>
                 <a:hlinkClick r:id="rId3"/>
               </a:rPr>
-              <a:t>https://profriehle.com</a:t>
-            </a:r>
-            <a:r>
-              <a:rPr b="0" lang="en" sz="900">
-                <a:solidFill>
-                  <a:schemeClr val="dk2"/>
-                </a:solidFill>
-              </a:rPr>
+              <a:t>uni1.de/nyt</a:t>
+            </a:r>
+            <a:r>
+              <a:rPr b="0" lang="en" sz="1000"/>
               <a:t> </a:t>
             </a:r>
-            <a:endParaRPr b="0" sz="900">
-              <a:solidFill>
-                <a:schemeClr val="dk2"/>
-              </a:solidFill>
-            </a:endParaRPr>
+            <a:endParaRPr b="0" sz="1000"/>
           </a:p>
         </p:txBody>
       </p:sp>
@@ -11263,7 +11405,7 @@
   <p:cSld>
     <p:spTree>
       <p:nvGrpSpPr>
-        <p:cNvPr id="41" name="Shape 41"/>
+        <p:cNvPr id="42" name="Shape 42"/>
         <p:cNvGrpSpPr/>
         <p:nvPr/>
       </p:nvGrpSpPr>
@@ -11277,7 +11419,7 @@
       </p:grpSpPr>
       <p:sp>
         <p:nvSpPr>
-          <p:cNvPr id="42" name="Google Shape;42;p9"/>
+          <p:cNvPr id="43" name="Google Shape;43;p9"/>
           <p:cNvSpPr txBox="1"/>
           <p:nvPr>
             <p:ph type="title"/>
@@ -11328,7 +11470,7 @@
   <p:cSld>
     <p:spTree>
       <p:nvGrpSpPr>
-        <p:cNvPr id="186" name="Shape 186"/>
+        <p:cNvPr id="187" name="Shape 187"/>
         <p:cNvGrpSpPr/>
         <p:nvPr/>
       </p:nvGrpSpPr>
@@ -11342,7 +11484,7 @@
       </p:grpSpPr>
       <p:sp>
         <p:nvSpPr>
-          <p:cNvPr id="187" name="Google Shape;187;p27"/>
+          <p:cNvPr id="188" name="Google Shape;188;p27"/>
           <p:cNvSpPr txBox="1"/>
           <p:nvPr>
             <p:ph type="title"/>
@@ -11382,7 +11524,7 @@
       </p:sp>
       <p:sp>
         <p:nvSpPr>
-          <p:cNvPr id="188" name="Google Shape;188;p27"/>
+          <p:cNvPr id="189" name="Google Shape;189;p27"/>
           <p:cNvSpPr txBox="1"/>
           <p:nvPr>
             <p:ph idx="1" type="body"/>
@@ -11472,7 +11614,7 @@
       </p:sp>
       <p:sp>
         <p:nvSpPr>
-          <p:cNvPr id="189" name="Google Shape;189;p27"/>
+          <p:cNvPr id="190" name="Google Shape;190;p27"/>
           <p:cNvSpPr txBox="1"/>
           <p:nvPr>
             <p:ph idx="12" type="sldNum"/>
@@ -11480,8 +11622,8 @@
         </p:nvSpPr>
         <p:spPr>
           <a:xfrm>
-            <a:off x="7315202" y="4416550"/>
-            <a:ext cx="1828800" cy="731400"/>
+            <a:off x="7315209" y="4229101"/>
+            <a:ext cx="1828800" cy="914400"/>
           </a:xfrm>
           <a:prstGeom prst="rect">
             <a:avLst/>
@@ -11519,27 +11661,19 @@
               <a:buNone/>
             </a:pPr>
             <a:r>
-              <a:rPr b="0" lang="en" sz="900" u="sng">
+              <a:rPr b="0" lang="en" sz="1000" u="sng">
                 <a:solidFill>
                   <a:schemeClr val="hlink"/>
                 </a:solidFill>
                 <a:hlinkClick r:id="rId3"/>
               </a:rPr>
-              <a:t>https://profriehle.com</a:t>
-            </a:r>
-            <a:r>
-              <a:rPr b="0" lang="en" sz="900">
-                <a:solidFill>
-                  <a:schemeClr val="dk2"/>
-                </a:solidFill>
-              </a:rPr>
+              <a:t>uni1.de/nyt</a:t>
+            </a:r>
+            <a:r>
+              <a:rPr b="0" lang="en" sz="1000"/>
               <a:t> </a:t>
             </a:r>
-            <a:endParaRPr b="0" sz="900">
-              <a:solidFill>
-                <a:schemeClr val="dk2"/>
-              </a:solidFill>
-            </a:endParaRPr>
+            <a:endParaRPr b="0" sz="1000"/>
           </a:p>
         </p:txBody>
       </p:sp>
@@ -11556,7 +11690,7 @@
   <p:cSld>
     <p:spTree>
       <p:nvGrpSpPr>
-        <p:cNvPr id="193" name="Shape 193"/>
+        <p:cNvPr id="194" name="Shape 194"/>
         <p:cNvGrpSpPr/>
         <p:nvPr/>
       </p:nvGrpSpPr>
@@ -11570,7 +11704,7 @@
       </p:grpSpPr>
       <p:sp>
         <p:nvSpPr>
-          <p:cNvPr id="194" name="Google Shape;194;p28"/>
+          <p:cNvPr id="195" name="Google Shape;195;p28"/>
           <p:cNvSpPr txBox="1"/>
           <p:nvPr>
             <p:ph type="title"/>
@@ -11610,7 +11744,7 @@
       </p:sp>
       <p:sp>
         <p:nvSpPr>
-          <p:cNvPr id="195" name="Google Shape;195;p28"/>
+          <p:cNvPr id="196" name="Google Shape;196;p28"/>
           <p:cNvSpPr txBox="1"/>
           <p:nvPr>
             <p:ph idx="1" type="body"/>
@@ -11793,7 +11927,7 @@
       </p:sp>
       <p:sp>
         <p:nvSpPr>
-          <p:cNvPr id="196" name="Google Shape;196;p28"/>
+          <p:cNvPr id="197" name="Google Shape;197;p28"/>
           <p:cNvSpPr txBox="1"/>
           <p:nvPr>
             <p:ph idx="12" type="sldNum"/>
@@ -11801,8 +11935,8 @@
         </p:nvSpPr>
         <p:spPr>
           <a:xfrm>
-            <a:off x="7315202" y="4416550"/>
-            <a:ext cx="1828800" cy="731400"/>
+            <a:off x="7315209" y="4229101"/>
+            <a:ext cx="1828800" cy="914400"/>
           </a:xfrm>
           <a:prstGeom prst="rect">
             <a:avLst/>
@@ -11840,27 +11974,19 @@
               <a:buNone/>
             </a:pPr>
             <a:r>
-              <a:rPr b="0" lang="en" sz="900" u="sng">
+              <a:rPr b="0" lang="en" sz="1000" u="sng">
                 <a:solidFill>
                   <a:schemeClr val="hlink"/>
                 </a:solidFill>
                 <a:hlinkClick r:id="rId3"/>
               </a:rPr>
-              <a:t>https://profriehle.com</a:t>
-            </a:r>
-            <a:r>
-              <a:rPr b="0" lang="en" sz="900">
-                <a:solidFill>
-                  <a:schemeClr val="dk2"/>
-                </a:solidFill>
-              </a:rPr>
+              <a:t>uni1.de/nyt</a:t>
+            </a:r>
+            <a:r>
+              <a:rPr b="0" lang="en" sz="1000"/>
               <a:t> </a:t>
             </a:r>
-            <a:endParaRPr b="0" sz="900">
-              <a:solidFill>
-                <a:schemeClr val="dk2"/>
-              </a:solidFill>
-            </a:endParaRPr>
+            <a:endParaRPr b="0" sz="1000"/>
           </a:p>
         </p:txBody>
       </p:sp>
@@ -11877,7 +12003,7 @@
   <p:cSld>
     <p:spTree>
       <p:nvGrpSpPr>
-        <p:cNvPr id="200" name="Shape 200"/>
+        <p:cNvPr id="201" name="Shape 201"/>
         <p:cNvGrpSpPr/>
         <p:nvPr/>
       </p:nvGrpSpPr>
@@ -11891,7 +12017,7 @@
       </p:grpSpPr>
       <p:sp>
         <p:nvSpPr>
-          <p:cNvPr id="201" name="Google Shape;201;p29"/>
+          <p:cNvPr id="202" name="Google Shape;202;p29"/>
           <p:cNvSpPr txBox="1"/>
           <p:nvPr>
             <p:ph type="title"/>
@@ -11931,7 +12057,7 @@
       </p:sp>
       <p:sp>
         <p:nvSpPr>
-          <p:cNvPr id="202" name="Google Shape;202;p29"/>
+          <p:cNvPr id="203" name="Google Shape;203;p29"/>
           <p:cNvSpPr txBox="1"/>
           <p:nvPr>
             <p:ph idx="1" type="body"/>
@@ -12083,7 +12209,7 @@
       </p:sp>
       <p:sp>
         <p:nvSpPr>
-          <p:cNvPr id="203" name="Google Shape;203;p29"/>
+          <p:cNvPr id="204" name="Google Shape;204;p29"/>
           <p:cNvSpPr txBox="1"/>
           <p:nvPr>
             <p:ph idx="12" type="sldNum"/>
@@ -12091,8 +12217,8 @@
         </p:nvSpPr>
         <p:spPr>
           <a:xfrm>
-            <a:off x="7315202" y="4416550"/>
-            <a:ext cx="1828800" cy="731400"/>
+            <a:off x="7315209" y="4229101"/>
+            <a:ext cx="1828800" cy="914400"/>
           </a:xfrm>
           <a:prstGeom prst="rect">
             <a:avLst/>
@@ -12130,27 +12256,19 @@
               <a:buNone/>
             </a:pPr>
             <a:r>
-              <a:rPr b="0" lang="en" sz="900" u="sng">
+              <a:rPr b="0" lang="en" sz="1000" u="sng">
                 <a:solidFill>
                   <a:schemeClr val="hlink"/>
                 </a:solidFill>
                 <a:hlinkClick r:id="rId3"/>
               </a:rPr>
-              <a:t>https://profriehle.com</a:t>
-            </a:r>
-            <a:r>
-              <a:rPr b="0" lang="en" sz="900">
-                <a:solidFill>
-                  <a:schemeClr val="dk2"/>
-                </a:solidFill>
-              </a:rPr>
+              <a:t>uni1.de/nyt</a:t>
+            </a:r>
+            <a:r>
+              <a:rPr b="0" lang="en" sz="1000"/>
               <a:t> </a:t>
             </a:r>
-            <a:endParaRPr b="0" sz="900">
-              <a:solidFill>
-                <a:schemeClr val="dk2"/>
-              </a:solidFill>
-            </a:endParaRPr>
+            <a:endParaRPr b="0" sz="1000"/>
           </a:p>
         </p:txBody>
       </p:sp>
@@ -12167,7 +12285,7 @@
   <p:cSld>
     <p:spTree>
       <p:nvGrpSpPr>
-        <p:cNvPr id="207" name="Shape 207"/>
+        <p:cNvPr id="208" name="Shape 208"/>
         <p:cNvGrpSpPr/>
         <p:nvPr/>
       </p:nvGrpSpPr>
@@ -12181,7 +12299,7 @@
       </p:grpSpPr>
       <p:sp>
         <p:nvSpPr>
-          <p:cNvPr id="208" name="Google Shape;208;p30"/>
+          <p:cNvPr id="209" name="Google Shape;209;p30"/>
           <p:cNvSpPr txBox="1"/>
           <p:nvPr>
             <p:ph type="title"/>
@@ -12221,7 +12339,7 @@
       </p:sp>
       <p:sp>
         <p:nvSpPr>
-          <p:cNvPr id="209" name="Google Shape;209;p30"/>
+          <p:cNvPr id="210" name="Google Shape;210;p30"/>
           <p:cNvSpPr txBox="1"/>
           <p:nvPr>
             <p:ph idx="1" type="body"/>
@@ -12347,7 +12465,7 @@
       </p:sp>
       <p:sp>
         <p:nvSpPr>
-          <p:cNvPr id="210" name="Google Shape;210;p30"/>
+          <p:cNvPr id="211" name="Google Shape;211;p30"/>
           <p:cNvSpPr txBox="1"/>
           <p:nvPr>
             <p:ph idx="12" type="sldNum"/>
@@ -12355,8 +12473,8 @@
         </p:nvSpPr>
         <p:spPr>
           <a:xfrm>
-            <a:off x="7315202" y="4416550"/>
-            <a:ext cx="1828800" cy="731400"/>
+            <a:off x="7315209" y="4229101"/>
+            <a:ext cx="1828800" cy="914400"/>
           </a:xfrm>
           <a:prstGeom prst="rect">
             <a:avLst/>
@@ -12394,27 +12512,19 @@
               <a:buNone/>
             </a:pPr>
             <a:r>
-              <a:rPr b="0" lang="en" sz="900" u="sng">
+              <a:rPr b="0" lang="en" sz="1000" u="sng">
                 <a:solidFill>
                   <a:schemeClr val="hlink"/>
                 </a:solidFill>
                 <a:hlinkClick r:id="rId3"/>
               </a:rPr>
-              <a:t>https://profriehle.com</a:t>
-            </a:r>
-            <a:r>
-              <a:rPr b="0" lang="en" sz="900">
-                <a:solidFill>
-                  <a:schemeClr val="dk2"/>
-                </a:solidFill>
-              </a:rPr>
+              <a:t>uni1.de/nyt</a:t>
+            </a:r>
+            <a:r>
+              <a:rPr b="0" lang="en" sz="1000"/>
               <a:t> </a:t>
             </a:r>
-            <a:endParaRPr b="0" sz="900">
-              <a:solidFill>
-                <a:schemeClr val="dk2"/>
-              </a:solidFill>
-            </a:endParaRPr>
+            <a:endParaRPr b="0" sz="1000"/>
           </a:p>
         </p:txBody>
       </p:sp>
@@ -12431,7 +12541,7 @@
   <p:cSld>
     <p:spTree>
       <p:nvGrpSpPr>
-        <p:cNvPr id="214" name="Shape 214"/>
+        <p:cNvPr id="215" name="Shape 215"/>
         <p:cNvGrpSpPr/>
         <p:nvPr/>
       </p:nvGrpSpPr>
@@ -12445,7 +12555,7 @@
       </p:grpSpPr>
       <p:sp>
         <p:nvSpPr>
-          <p:cNvPr id="215" name="Google Shape;215;p31"/>
+          <p:cNvPr id="216" name="Google Shape;216;p31"/>
           <p:cNvSpPr txBox="1"/>
           <p:nvPr>
             <p:ph type="title"/>
@@ -12485,7 +12595,7 @@
       </p:sp>
       <p:sp>
         <p:nvSpPr>
-          <p:cNvPr id="216" name="Google Shape;216;p31"/>
+          <p:cNvPr id="217" name="Google Shape;217;p31"/>
           <p:cNvSpPr txBox="1"/>
           <p:nvPr>
             <p:ph idx="1" type="body"/>
@@ -12611,7 +12721,7 @@
       </p:sp>
       <p:sp>
         <p:nvSpPr>
-          <p:cNvPr id="217" name="Google Shape;217;p31"/>
+          <p:cNvPr id="218" name="Google Shape;218;p31"/>
           <p:cNvSpPr txBox="1"/>
           <p:nvPr>
             <p:ph idx="12" type="sldNum"/>
@@ -12619,8 +12729,8 @@
         </p:nvSpPr>
         <p:spPr>
           <a:xfrm>
-            <a:off x="7315202" y="4416550"/>
-            <a:ext cx="1828800" cy="731400"/>
+            <a:off x="7315209" y="4229101"/>
+            <a:ext cx="1828800" cy="914400"/>
           </a:xfrm>
           <a:prstGeom prst="rect">
             <a:avLst/>
@@ -12658,27 +12768,19 @@
               <a:buNone/>
             </a:pPr>
             <a:r>
-              <a:rPr b="0" lang="en" sz="900" u="sng">
+              <a:rPr b="0" lang="en" sz="1000" u="sng">
                 <a:solidFill>
                   <a:schemeClr val="hlink"/>
                 </a:solidFill>
                 <a:hlinkClick r:id="rId3"/>
               </a:rPr>
-              <a:t>https://profriehle.com</a:t>
-            </a:r>
-            <a:r>
-              <a:rPr b="0" lang="en" sz="900">
-                <a:solidFill>
-                  <a:schemeClr val="dk2"/>
-                </a:solidFill>
-              </a:rPr>
+              <a:t>uni1.de/nyt</a:t>
+            </a:r>
+            <a:r>
+              <a:rPr b="0" lang="en" sz="1000"/>
               <a:t> </a:t>
             </a:r>
-            <a:endParaRPr b="0" sz="900">
-              <a:solidFill>
-                <a:schemeClr val="dk2"/>
-              </a:solidFill>
-            </a:endParaRPr>
+            <a:endParaRPr b="0" sz="1000"/>
           </a:p>
         </p:txBody>
       </p:sp>
@@ -12695,7 +12797,7 @@
   <p:cSld>
     <p:spTree>
       <p:nvGrpSpPr>
-        <p:cNvPr id="221" name="Shape 221"/>
+        <p:cNvPr id="222" name="Shape 222"/>
         <p:cNvGrpSpPr/>
         <p:nvPr/>
       </p:nvGrpSpPr>
@@ -12709,7 +12811,7 @@
       </p:grpSpPr>
       <p:sp>
         <p:nvSpPr>
-          <p:cNvPr id="222" name="Google Shape;222;p32"/>
+          <p:cNvPr id="223" name="Google Shape;223;p32"/>
           <p:cNvSpPr txBox="1"/>
           <p:nvPr>
             <p:ph type="title"/>
@@ -12749,7 +12851,7 @@
       </p:sp>
       <p:sp>
         <p:nvSpPr>
-          <p:cNvPr id="223" name="Google Shape;223;p32"/>
+          <p:cNvPr id="224" name="Google Shape;224;p32"/>
           <p:cNvSpPr txBox="1"/>
           <p:nvPr>
             <p:ph idx="1" type="body"/>
@@ -12875,7 +12977,7 @@
       </p:sp>
       <p:sp>
         <p:nvSpPr>
-          <p:cNvPr id="224" name="Google Shape;224;p32"/>
+          <p:cNvPr id="225" name="Google Shape;225;p32"/>
           <p:cNvSpPr txBox="1"/>
           <p:nvPr>
             <p:ph idx="12" type="sldNum"/>
@@ -12883,8 +12985,8 @@
         </p:nvSpPr>
         <p:spPr>
           <a:xfrm>
-            <a:off x="7315202" y="4416550"/>
-            <a:ext cx="1828800" cy="731400"/>
+            <a:off x="7315209" y="4229101"/>
+            <a:ext cx="1828800" cy="914400"/>
           </a:xfrm>
           <a:prstGeom prst="rect">
             <a:avLst/>
@@ -12922,27 +13024,19 @@
               <a:buNone/>
             </a:pPr>
             <a:r>
-              <a:rPr b="0" lang="en" sz="900" u="sng">
+              <a:rPr b="0" lang="en" sz="1000" u="sng">
                 <a:solidFill>
                   <a:schemeClr val="hlink"/>
                 </a:solidFill>
                 <a:hlinkClick r:id="rId3"/>
               </a:rPr>
-              <a:t>https://profriehle.com</a:t>
-            </a:r>
-            <a:r>
-              <a:rPr b="0" lang="en" sz="900">
-                <a:solidFill>
-                  <a:schemeClr val="dk2"/>
-                </a:solidFill>
-              </a:rPr>
+              <a:t>uni1.de/nyt</a:t>
+            </a:r>
+            <a:r>
+              <a:rPr b="0" lang="en" sz="1000"/>
               <a:t> </a:t>
             </a:r>
-            <a:endParaRPr b="0" sz="900">
-              <a:solidFill>
-                <a:schemeClr val="dk2"/>
-              </a:solidFill>
-            </a:endParaRPr>
+            <a:endParaRPr b="0" sz="1000"/>
           </a:p>
         </p:txBody>
       </p:sp>
@@ -12959,7 +13053,7 @@
   <p:cSld>
     <p:spTree>
       <p:nvGrpSpPr>
-        <p:cNvPr id="228" name="Shape 228"/>
+        <p:cNvPr id="229" name="Shape 229"/>
         <p:cNvGrpSpPr/>
         <p:nvPr/>
       </p:nvGrpSpPr>
@@ -12973,7 +13067,7 @@
       </p:grpSpPr>
       <p:sp>
         <p:nvSpPr>
-          <p:cNvPr id="229" name="Google Shape;229;p33"/>
+          <p:cNvPr id="230" name="Google Shape;230;p33"/>
           <p:cNvSpPr txBox="1"/>
           <p:nvPr>
             <p:ph type="title"/>
@@ -13013,7 +13107,7 @@
       </p:sp>
       <p:sp>
         <p:nvSpPr>
-          <p:cNvPr id="230" name="Google Shape;230;p33"/>
+          <p:cNvPr id="231" name="Google Shape;231;p33"/>
           <p:cNvSpPr txBox="1"/>
           <p:nvPr>
             <p:ph idx="1" type="body"/>
@@ -13298,7 +13392,7 @@
       </p:sp>
       <p:sp>
         <p:nvSpPr>
-          <p:cNvPr id="231" name="Google Shape;231;p33"/>
+          <p:cNvPr id="232" name="Google Shape;232;p33"/>
           <p:cNvSpPr txBox="1"/>
           <p:nvPr>
             <p:ph idx="12" type="sldNum"/>
@@ -13306,8 +13400,8 @@
         </p:nvSpPr>
         <p:spPr>
           <a:xfrm>
-            <a:off x="7315202" y="4416550"/>
-            <a:ext cx="1828800" cy="731400"/>
+            <a:off x="7315209" y="4229101"/>
+            <a:ext cx="1828800" cy="914400"/>
           </a:xfrm>
           <a:prstGeom prst="rect">
             <a:avLst/>
@@ -13345,27 +13439,19 @@
               <a:buNone/>
             </a:pPr>
             <a:r>
-              <a:rPr b="0" lang="en" sz="900" u="sng">
+              <a:rPr b="0" lang="en" sz="1000" u="sng">
                 <a:solidFill>
                   <a:schemeClr val="hlink"/>
                 </a:solidFill>
                 <a:hlinkClick r:id="rId3"/>
               </a:rPr>
-              <a:t>https://profriehle.com</a:t>
-            </a:r>
-            <a:r>
-              <a:rPr b="0" lang="en" sz="900">
-                <a:solidFill>
-                  <a:schemeClr val="dk2"/>
-                </a:solidFill>
-              </a:rPr>
+              <a:t>uni1.de/nyt</a:t>
+            </a:r>
+            <a:r>
+              <a:rPr b="0" lang="en" sz="1000"/>
               <a:t> </a:t>
             </a:r>
-            <a:endParaRPr b="0" sz="900">
-              <a:solidFill>
-                <a:schemeClr val="dk2"/>
-              </a:solidFill>
-            </a:endParaRPr>
+            <a:endParaRPr b="0" sz="1000"/>
           </a:p>
         </p:txBody>
       </p:sp>
@@ -13382,7 +13468,7 @@
   <p:cSld>
     <p:spTree>
       <p:nvGrpSpPr>
-        <p:cNvPr id="235" name="Shape 235"/>
+        <p:cNvPr id="236" name="Shape 236"/>
         <p:cNvGrpSpPr/>
         <p:nvPr/>
       </p:nvGrpSpPr>
@@ -13396,7 +13482,7 @@
       </p:grpSpPr>
       <p:sp>
         <p:nvSpPr>
-          <p:cNvPr id="236" name="Google Shape;236;p34"/>
+          <p:cNvPr id="237" name="Google Shape;237;p34"/>
           <p:cNvSpPr txBox="1"/>
           <p:nvPr>
             <p:ph type="title"/>
@@ -13447,7 +13533,7 @@
   <p:cSld>
     <p:spTree>
       <p:nvGrpSpPr>
-        <p:cNvPr id="240" name="Shape 240"/>
+        <p:cNvPr id="241" name="Shape 241"/>
         <p:cNvGrpSpPr/>
         <p:nvPr/>
       </p:nvGrpSpPr>
@@ -13461,7 +13547,7 @@
       </p:grpSpPr>
       <p:sp>
         <p:nvSpPr>
-          <p:cNvPr id="241" name="Google Shape;241;p35"/>
+          <p:cNvPr id="242" name="Google Shape;242;p35"/>
           <p:cNvSpPr txBox="1"/>
           <p:nvPr>
             <p:ph type="title"/>
@@ -13501,7 +13587,7 @@
       </p:sp>
       <p:sp>
         <p:nvSpPr>
-          <p:cNvPr id="242" name="Google Shape;242;p35"/>
+          <p:cNvPr id="243" name="Google Shape;243;p35"/>
           <p:cNvSpPr txBox="1"/>
           <p:nvPr>
             <p:ph idx="1" type="body"/>
@@ -13619,7 +13705,7 @@
             </a:pPr>
             <a:r>
               <a:rPr lang="en"/>
-              <a:t>QDA Exercise 1 – code documents “Interview_Frank” and “Interview_Bauer”</a:t>
+              <a:t>QDA Exercise 1 – code documents “Rick” and “Morty”</a:t>
             </a:r>
             <a:endParaRPr/>
           </a:p>
@@ -13636,7 +13722,7 @@
             </a:pPr>
             <a:r>
               <a:rPr lang="en"/>
-              <a:t>QDA Exercise 2 – code documents “Interview_Juan” and “Interview_Matthias”</a:t>
+              <a:t>QDA Exercise 2 – code documents “Margery” and “Homer”</a:t>
             </a:r>
             <a:endParaRPr/>
           </a:p>
@@ -13653,7 +13739,7 @@
             </a:pPr>
             <a:r>
               <a:rPr lang="en"/>
-              <a:t>QDA Exercise 3 – code documents “Interview_May” and “Interview_Otto”</a:t>
+              <a:t>QDA Exercise 3 – code documents “Kyle” and “Stan”</a:t>
             </a:r>
             <a:endParaRPr/>
           </a:p>
@@ -13687,7 +13773,7 @@
             </a:pPr>
             <a:r>
               <a:rPr lang="en"/>
-              <a:t>QDA Exercise 1-3 are performed on QDAcity. No need for explicit submission</a:t>
+              <a:t>QDA Exercise 1-3 are performed on QDAcity. Submit your work on the “Exercise Dashboard”</a:t>
             </a:r>
             <a:endParaRPr/>
           </a:p>
@@ -13738,7 +13824,7 @@
       </p:sp>
       <p:sp>
         <p:nvSpPr>
-          <p:cNvPr id="243" name="Google Shape;243;p35"/>
+          <p:cNvPr id="244" name="Google Shape;244;p35"/>
           <p:cNvSpPr txBox="1"/>
           <p:nvPr>
             <p:ph idx="12" type="sldNum"/>
@@ -13746,8 +13832,8 @@
         </p:nvSpPr>
         <p:spPr>
           <a:xfrm>
-            <a:off x="7315202" y="4416550"/>
-            <a:ext cx="1828800" cy="731400"/>
+            <a:off x="7315209" y="4229101"/>
+            <a:ext cx="1828800" cy="914400"/>
           </a:xfrm>
           <a:prstGeom prst="rect">
             <a:avLst/>
@@ -13785,27 +13871,19 @@
               <a:buNone/>
             </a:pPr>
             <a:r>
-              <a:rPr b="0" lang="en" sz="900" u="sng">
+              <a:rPr b="0" lang="en" sz="1000" u="sng">
                 <a:solidFill>
                   <a:schemeClr val="hlink"/>
                 </a:solidFill>
                 <a:hlinkClick r:id="rId4"/>
               </a:rPr>
-              <a:t>https://profriehle.com</a:t>
-            </a:r>
-            <a:r>
-              <a:rPr b="0" lang="en" sz="900">
-                <a:solidFill>
-                  <a:schemeClr val="dk2"/>
-                </a:solidFill>
-              </a:rPr>
+              <a:t>uni1.de/nyt</a:t>
+            </a:r>
+            <a:r>
+              <a:rPr b="0" lang="en" sz="1000"/>
               <a:t> </a:t>
             </a:r>
-            <a:endParaRPr b="0" sz="900">
-              <a:solidFill>
-                <a:schemeClr val="dk2"/>
-              </a:solidFill>
-            </a:endParaRPr>
+            <a:endParaRPr b="0" sz="1000"/>
           </a:p>
         </p:txBody>
       </p:sp>
@@ -13822,7 +13900,7 @@
   <p:cSld>
     <p:spTree>
       <p:nvGrpSpPr>
-        <p:cNvPr id="247" name="Shape 247"/>
+        <p:cNvPr id="248" name="Shape 248"/>
         <p:cNvGrpSpPr/>
         <p:nvPr/>
       </p:nvGrpSpPr>
@@ -13836,7 +13914,7 @@
       </p:grpSpPr>
       <p:sp>
         <p:nvSpPr>
-          <p:cNvPr id="248" name="Google Shape;248;p36"/>
+          <p:cNvPr id="249" name="Google Shape;249;p36"/>
           <p:cNvSpPr txBox="1"/>
           <p:nvPr>
             <p:ph type="title"/>
@@ -13876,7 +13954,7 @@
       </p:sp>
       <p:sp>
         <p:nvSpPr>
-          <p:cNvPr id="249" name="Google Shape;249;p36"/>
+          <p:cNvPr id="250" name="Google Shape;250;p36"/>
           <p:cNvSpPr txBox="1"/>
           <p:nvPr>
             <p:ph idx="1" type="body"/>
@@ -14002,7 +14080,7 @@
       </p:sp>
       <p:sp>
         <p:nvSpPr>
-          <p:cNvPr id="250" name="Google Shape;250;p36"/>
+          <p:cNvPr id="251" name="Google Shape;251;p36"/>
           <p:cNvSpPr txBox="1"/>
           <p:nvPr>
             <p:ph idx="12" type="sldNum"/>
@@ -14010,8 +14088,8 @@
         </p:nvSpPr>
         <p:spPr>
           <a:xfrm>
-            <a:off x="7315202" y="4416550"/>
-            <a:ext cx="1828800" cy="731400"/>
+            <a:off x="7315209" y="4229101"/>
+            <a:ext cx="1828800" cy="914400"/>
           </a:xfrm>
           <a:prstGeom prst="rect">
             <a:avLst/>
@@ -14049,27 +14127,19 @@
               <a:buNone/>
             </a:pPr>
             <a:r>
-              <a:rPr b="0" lang="en" sz="900" u="sng">
+              <a:rPr b="0" lang="en" sz="1000" u="sng">
                 <a:solidFill>
                   <a:schemeClr val="hlink"/>
                 </a:solidFill>
                 <a:hlinkClick r:id="rId3"/>
               </a:rPr>
-              <a:t>https://profriehle.com</a:t>
-            </a:r>
-            <a:r>
-              <a:rPr b="0" lang="en" sz="900">
-                <a:solidFill>
-                  <a:schemeClr val="dk2"/>
-                </a:solidFill>
-              </a:rPr>
+              <a:t>uni1.de/nyt</a:t>
+            </a:r>
+            <a:r>
+              <a:rPr b="0" lang="en" sz="1000"/>
               <a:t> </a:t>
             </a:r>
-            <a:endParaRPr b="0" sz="900">
-              <a:solidFill>
-                <a:schemeClr val="dk2"/>
-              </a:solidFill>
-            </a:endParaRPr>
+            <a:endParaRPr b="0" sz="1000"/>
           </a:p>
         </p:txBody>
       </p:sp>
@@ -14086,7 +14156,7 @@
   <p:cSld>
     <p:spTree>
       <p:nvGrpSpPr>
-        <p:cNvPr id="46" name="Shape 46"/>
+        <p:cNvPr id="47" name="Shape 47"/>
         <p:cNvGrpSpPr/>
         <p:nvPr/>
       </p:nvGrpSpPr>
@@ -14100,7 +14170,7 @@
       </p:grpSpPr>
       <p:sp>
         <p:nvSpPr>
-          <p:cNvPr id="47" name="Google Shape;47;p10"/>
+          <p:cNvPr id="48" name="Google Shape;48;p10"/>
           <p:cNvSpPr txBox="1"/>
           <p:nvPr>
             <p:ph type="title"/>
@@ -14140,7 +14210,7 @@
       </p:sp>
       <p:sp>
         <p:nvSpPr>
-          <p:cNvPr id="48" name="Google Shape;48;p10"/>
+          <p:cNvPr id="49" name="Google Shape;49;p10"/>
           <p:cNvSpPr txBox="1"/>
           <p:nvPr>
             <p:ph idx="1" type="body"/>
@@ -14332,7 +14402,7 @@
       </p:sp>
       <p:sp>
         <p:nvSpPr>
-          <p:cNvPr id="49" name="Google Shape;49;p10"/>
+          <p:cNvPr id="50" name="Google Shape;50;p10"/>
           <p:cNvSpPr txBox="1"/>
           <p:nvPr>
             <p:ph idx="12" type="sldNum"/>
@@ -14340,8 +14410,8 @@
         </p:nvSpPr>
         <p:spPr>
           <a:xfrm>
-            <a:off x="7315202" y="4416550"/>
-            <a:ext cx="1828800" cy="731400"/>
+            <a:off x="7315209" y="4229101"/>
+            <a:ext cx="1828800" cy="914400"/>
           </a:xfrm>
           <a:prstGeom prst="rect">
             <a:avLst/>
@@ -14379,27 +14449,19 @@
               <a:buNone/>
             </a:pPr>
             <a:r>
-              <a:rPr b="0" lang="en" sz="900" u="sng">
+              <a:rPr b="0" lang="en" sz="1000" u="sng">
                 <a:solidFill>
                   <a:schemeClr val="hlink"/>
                 </a:solidFill>
                 <a:hlinkClick r:id="rId3"/>
               </a:rPr>
-              <a:t>https://profriehle.com</a:t>
-            </a:r>
-            <a:r>
-              <a:rPr b="0" lang="en" sz="900">
-                <a:solidFill>
-                  <a:schemeClr val="dk2"/>
-                </a:solidFill>
-              </a:rPr>
+              <a:t>uni1.de/nyt</a:t>
+            </a:r>
+            <a:r>
+              <a:rPr b="0" lang="en" sz="1000"/>
               <a:t> </a:t>
             </a:r>
-            <a:endParaRPr b="0" sz="900">
-              <a:solidFill>
-                <a:schemeClr val="dk2"/>
-              </a:solidFill>
-            </a:endParaRPr>
+            <a:endParaRPr b="0" sz="1000"/>
           </a:p>
         </p:txBody>
       </p:sp>
@@ -14416,7 +14478,7 @@
   <p:cSld>
     <p:spTree>
       <p:nvGrpSpPr>
-        <p:cNvPr id="254" name="Shape 254"/>
+        <p:cNvPr id="255" name="Shape 255"/>
         <p:cNvGrpSpPr/>
         <p:nvPr/>
       </p:nvGrpSpPr>
@@ -14430,7 +14492,7 @@
       </p:grpSpPr>
       <p:sp>
         <p:nvSpPr>
-          <p:cNvPr id="255" name="Google Shape;255;p37"/>
+          <p:cNvPr id="256" name="Google Shape;256;p37"/>
           <p:cNvSpPr txBox="1"/>
           <p:nvPr>
             <p:ph type="title"/>
@@ -14470,7 +14532,7 @@
       </p:sp>
       <p:sp>
         <p:nvSpPr>
-          <p:cNvPr id="256" name="Google Shape;256;p37"/>
+          <p:cNvPr id="257" name="Google Shape;257;p37"/>
           <p:cNvSpPr txBox="1"/>
           <p:nvPr>
             <p:ph idx="1" type="body"/>
@@ -14520,7 +14582,7 @@
             </a:pPr>
             <a:r>
               <a:rPr lang="en"/>
-              <a:t>However, the deadlines for the specific documents to be coded in Exercise 1 and 2 are still relevant</a:t>
+              <a:t>However, the deadlines for the specific documents to be coded in Exercise 1, 2 and 3 are still relevant</a:t>
             </a:r>
             <a:endParaRPr/>
           </a:p>
@@ -14562,7 +14624,7 @@
       </p:sp>
       <p:sp>
         <p:nvSpPr>
-          <p:cNvPr id="257" name="Google Shape;257;p37"/>
+          <p:cNvPr id="258" name="Google Shape;258;p37"/>
           <p:cNvSpPr txBox="1"/>
           <p:nvPr>
             <p:ph idx="12" type="sldNum"/>
@@ -14570,8 +14632,8 @@
         </p:nvSpPr>
         <p:spPr>
           <a:xfrm>
-            <a:off x="7315202" y="4416550"/>
-            <a:ext cx="1828800" cy="731400"/>
+            <a:off x="7315209" y="4229101"/>
+            <a:ext cx="1828800" cy="914400"/>
           </a:xfrm>
           <a:prstGeom prst="rect">
             <a:avLst/>
@@ -14609,27 +14671,19 @@
               <a:buNone/>
             </a:pPr>
             <a:r>
-              <a:rPr b="0" lang="en" sz="900" u="sng">
+              <a:rPr b="0" lang="en" sz="1000" u="sng">
                 <a:solidFill>
                   <a:schemeClr val="hlink"/>
                 </a:solidFill>
                 <a:hlinkClick r:id="rId3"/>
               </a:rPr>
-              <a:t>https://profriehle.com</a:t>
-            </a:r>
-            <a:r>
-              <a:rPr b="0" lang="en" sz="900">
-                <a:solidFill>
-                  <a:schemeClr val="dk2"/>
-                </a:solidFill>
-              </a:rPr>
+              <a:t>uni1.de/nyt</a:t>
+            </a:r>
+            <a:r>
+              <a:rPr b="0" lang="en" sz="1000"/>
               <a:t> </a:t>
             </a:r>
-            <a:endParaRPr b="0" sz="900">
-              <a:solidFill>
-                <a:schemeClr val="dk2"/>
-              </a:solidFill>
-            </a:endParaRPr>
+            <a:endParaRPr b="0" sz="1000"/>
           </a:p>
         </p:txBody>
       </p:sp>
@@ -14646,7 +14700,7 @@
   <p:cSld>
     <p:spTree>
       <p:nvGrpSpPr>
-        <p:cNvPr id="261" name="Shape 261"/>
+        <p:cNvPr id="262" name="Shape 262"/>
         <p:cNvGrpSpPr/>
         <p:nvPr/>
       </p:nvGrpSpPr>
@@ -14660,7 +14714,7 @@
       </p:grpSpPr>
       <p:sp>
         <p:nvSpPr>
-          <p:cNvPr id="262" name="Google Shape;262;p38"/>
+          <p:cNvPr id="263" name="Google Shape;263;p38"/>
           <p:cNvSpPr txBox="1"/>
           <p:nvPr>
             <p:ph type="title"/>
@@ -14692,7 +14746,11 @@
             </a:pPr>
             <a:r>
               <a:rPr lang="en"/>
-              <a:t>Final Artifact</a:t>
+              <a:t>Peer Feedback on</a:t>
+            </a:r>
+            <a:r>
+              <a:rPr lang="en"/>
+              <a:t> QDAcity</a:t>
             </a:r>
             <a:endParaRPr/>
           </a:p>
@@ -14700,7 +14758,7 @@
       </p:sp>
       <p:sp>
         <p:nvSpPr>
-          <p:cNvPr id="263" name="Google Shape;263;p38"/>
+          <p:cNvPr id="264" name="Google Shape;264;p38"/>
           <p:cNvSpPr txBox="1"/>
           <p:nvPr>
             <p:ph idx="1" type="body"/>
@@ -14733,7 +14791,49 @@
             </a:pPr>
             <a:r>
               <a:rPr lang="en"/>
-              <a:t>Due CW 10, submit your 1-2 page conclusion to StudOn</a:t>
+              <a:t>After the report is generated you have the </a:t>
+            </a:r>
+            <a:r>
+              <a:rPr b="1" lang="en"/>
+              <a:t>option</a:t>
+            </a:r>
+            <a:r>
+              <a:rPr lang="en"/>
+              <a:t> of giving other course participants feedback on their coding</a:t>
+            </a:r>
+            <a:endParaRPr/>
+          </a:p>
+          <a:p>
+            <a:pPr indent="-342900" lvl="0" marL="457200" rtl="0" algn="l">
+              <a:spcBef>
+                <a:spcPts val="0"/>
+              </a:spcBef>
+              <a:spcAft>
+                <a:spcPts val="0"/>
+              </a:spcAft>
+              <a:buSzPts val="1800"/>
+              <a:buChar char="●"/>
+            </a:pPr>
+            <a:r>
+              <a:rPr lang="en"/>
+              <a:t>For you this might have the benefit of seeing how other people work and potentially be inspired or see things that you overlooked and might do differently.</a:t>
+            </a:r>
+            <a:endParaRPr/>
+          </a:p>
+          <a:p>
+            <a:pPr indent="-342900" lvl="0" marL="457200" rtl="0" algn="l">
+              <a:spcBef>
+                <a:spcPts val="0"/>
+              </a:spcBef>
+              <a:spcAft>
+                <a:spcPts val="0"/>
+              </a:spcAft>
+              <a:buSzPts val="1800"/>
+              <a:buChar char="●"/>
+            </a:pPr>
+            <a:r>
+              <a:rPr lang="en"/>
+              <a:t>If you do request other participants’ submission for peer feedback, do make an effort to give constructive feedback</a:t>
             </a:r>
             <a:endParaRPr/>
           </a:p>
@@ -14750,41 +14850,7 @@
             </a:pPr>
             <a:r>
               <a:rPr lang="en"/>
-              <a:t>Submit as a PDF file</a:t>
-            </a:r>
-            <a:endParaRPr/>
-          </a:p>
-          <a:p>
-            <a:pPr indent="-317500" lvl="1" marL="914400" rtl="0" algn="l">
-              <a:spcBef>
-                <a:spcPts val="0"/>
-              </a:spcBef>
-              <a:spcAft>
-                <a:spcPts val="0"/>
-              </a:spcAft>
-              <a:buSzPts val="1400"/>
-              <a:buChar char="○"/>
-            </a:pPr>
-            <a:r>
-              <a:rPr lang="en"/>
-              <a:t>State which research question you are answering</a:t>
-            </a:r>
-            <a:endParaRPr/>
-          </a:p>
-          <a:p>
-            <a:pPr indent="-317500" lvl="1" marL="914400" rtl="0" algn="l">
-              <a:spcBef>
-                <a:spcPts val="0"/>
-              </a:spcBef>
-              <a:spcAft>
-                <a:spcPts val="0"/>
-              </a:spcAft>
-              <a:buSzPts val="1400"/>
-              <a:buChar char="○"/>
-            </a:pPr>
-            <a:r>
-              <a:rPr lang="en"/>
-              <a:t>Maximum of 2 pages</a:t>
+              <a:t>Giving feedback is not required, but if you do do it, do it so it helps out your fellow students</a:t>
             </a:r>
             <a:endParaRPr/>
           </a:p>
@@ -14792,7 +14858,7 @@
       </p:sp>
       <p:sp>
         <p:nvSpPr>
-          <p:cNvPr id="264" name="Google Shape;264;p38"/>
+          <p:cNvPr id="265" name="Google Shape;265;p38"/>
           <p:cNvSpPr txBox="1"/>
           <p:nvPr>
             <p:ph idx="12" type="sldNum"/>
@@ -14800,8 +14866,8 @@
         </p:nvSpPr>
         <p:spPr>
           <a:xfrm>
-            <a:off x="7315202" y="4416550"/>
-            <a:ext cx="1828800" cy="731400"/>
+            <a:off x="7315209" y="4229101"/>
+            <a:ext cx="1828800" cy="914400"/>
           </a:xfrm>
           <a:prstGeom prst="rect">
             <a:avLst/>
@@ -14839,27 +14905,19 @@
               <a:buNone/>
             </a:pPr>
             <a:r>
-              <a:rPr b="0" lang="en" sz="900" u="sng">
+              <a:rPr b="0" lang="en" sz="1000" u="sng">
                 <a:solidFill>
                   <a:schemeClr val="hlink"/>
                 </a:solidFill>
                 <a:hlinkClick r:id="rId3"/>
               </a:rPr>
-              <a:t>https://profriehle.com</a:t>
-            </a:r>
-            <a:r>
-              <a:rPr b="0" lang="en" sz="900">
-                <a:solidFill>
-                  <a:schemeClr val="dk2"/>
-                </a:solidFill>
-              </a:rPr>
+              <a:t>uni1.de/nyt</a:t>
+            </a:r>
+            <a:r>
+              <a:rPr b="0" lang="en" sz="1000"/>
               <a:t> </a:t>
             </a:r>
-            <a:endParaRPr b="0" sz="900">
-              <a:solidFill>
-                <a:schemeClr val="dk2"/>
-              </a:solidFill>
-            </a:endParaRPr>
+            <a:endParaRPr b="0" sz="1000"/>
           </a:p>
         </p:txBody>
       </p:sp>
@@ -14876,7 +14934,7 @@
   <p:cSld>
     <p:spTree>
       <p:nvGrpSpPr>
-        <p:cNvPr id="268" name="Shape 268"/>
+        <p:cNvPr id="269" name="Shape 269"/>
         <p:cNvGrpSpPr/>
         <p:nvPr/>
       </p:nvGrpSpPr>
@@ -14890,7 +14948,7 @@
       </p:grpSpPr>
       <p:sp>
         <p:nvSpPr>
-          <p:cNvPr id="269" name="Google Shape;269;p39"/>
+          <p:cNvPr id="270" name="Google Shape;270;p39"/>
           <p:cNvSpPr txBox="1"/>
           <p:nvPr>
             <p:ph type="title"/>
@@ -14922,7 +14980,7 @@
             </a:pPr>
             <a:r>
               <a:rPr lang="en"/>
-              <a:t>Grading</a:t>
+              <a:t>Final Artifact</a:t>
             </a:r>
             <a:endParaRPr/>
           </a:p>
@@ -14930,7 +14988,7 @@
       </p:sp>
       <p:sp>
         <p:nvSpPr>
-          <p:cNvPr id="270" name="Google Shape;270;p39"/>
+          <p:cNvPr id="271" name="Google Shape;271;p39"/>
           <p:cNvSpPr txBox="1"/>
           <p:nvPr>
             <p:ph idx="1" type="body"/>
@@ -14963,7 +15021,11 @@
             </a:pPr>
             <a:r>
               <a:rPr lang="en"/>
-              <a:t>Grading of coding (ME 1 - ME 3) based on intercoder agreement</a:t>
+              <a:t>For Method Exercise 4</a:t>
+            </a:r>
+            <a:r>
+              <a:rPr lang="en"/>
+              <a:t>, submit your 1-2 page conclusion to StudOn</a:t>
             </a:r>
             <a:endParaRPr/>
           </a:p>
@@ -14980,7 +15042,7 @@
             </a:pPr>
             <a:r>
               <a:rPr lang="en"/>
-              <a:t>Your work is compared to original coding</a:t>
+              <a:t>Submit as a PDF file</a:t>
             </a:r>
             <a:endParaRPr/>
           </a:p>
@@ -14997,7 +15059,49 @@
             </a:pPr>
             <a:r>
               <a:rPr lang="en"/>
-              <a:t>We examine accuracy – both precision and recall – so indiscriminate coding is not advised</a:t>
+              <a:t>State which research question you are answering</a:t>
+            </a:r>
+            <a:endParaRPr/>
+          </a:p>
+          <a:p>
+            <a:pPr indent="-317500" lvl="2" marL="1371600" rtl="0" algn="l">
+              <a:spcBef>
+                <a:spcPts val="0"/>
+              </a:spcBef>
+              <a:spcAft>
+                <a:spcPts val="0"/>
+              </a:spcAft>
+              <a:buSzPts val="1400"/>
+              <a:buChar char="■"/>
+            </a:pPr>
+            <a:r>
+              <a:rPr lang="en"/>
+              <a:t>You may chose the specific wording of the research question your conclusion should answer (using the data from the project)</a:t>
+            </a:r>
+            <a:endParaRPr/>
+          </a:p>
+          <a:p>
+            <a:pPr indent="-317500" lvl="2" marL="1371600" rtl="0" algn="l">
+              <a:spcBef>
+                <a:spcPts val="0"/>
+              </a:spcBef>
+              <a:spcAft>
+                <a:spcPts val="0"/>
+              </a:spcAft>
+              <a:buSzPts val="1400"/>
+              <a:buChar char="■"/>
+            </a:pPr>
+            <a:r>
+              <a:rPr lang="en"/>
+              <a:t>If you don’t want to come up with your own specific question, you may write about answering the general research question of “What are the most important challenges for remote work, and how are they </a:t>
+            </a:r>
+            <a:r>
+              <a:rPr lang="en"/>
+              <a:t>addressed</a:t>
+            </a:r>
+            <a:r>
+              <a:rPr lang="en"/>
+              <a:t> in industry?”</a:t>
             </a:r>
             <a:endParaRPr/>
           </a:p>
@@ -15014,112 +15118,7 @@
             </a:pPr>
             <a:r>
               <a:rPr lang="en"/>
-              <a:t>Differences of a few words or punctuation are not considered</a:t>
-            </a:r>
-            <a:endParaRPr/>
-          </a:p>
-          <a:p>
-            <a:pPr indent="-317500" lvl="1" marL="914400" rtl="0" algn="l">
-              <a:spcBef>
-                <a:spcPts val="0"/>
-              </a:spcBef>
-              <a:spcAft>
-                <a:spcPts val="0"/>
-              </a:spcAft>
-              <a:buSzPts val="1400"/>
-              <a:buChar char="○"/>
-            </a:pPr>
-            <a:r>
-              <a:rPr lang="en"/>
-              <a:t>Grading is automated</a:t>
-            </a:r>
-            <a:br>
-              <a:rPr lang="en"/>
-            </a:br>
-            <a:endParaRPr/>
-          </a:p>
-          <a:p>
-            <a:pPr indent="-342900" lvl="0" marL="457200" rtl="0" algn="l">
-              <a:spcBef>
-                <a:spcPts val="0"/>
-              </a:spcBef>
-              <a:spcAft>
-                <a:spcPts val="0"/>
-              </a:spcAft>
-              <a:buSzPts val="1800"/>
-              <a:buChar char="●"/>
-            </a:pPr>
-            <a:r>
-              <a:rPr lang="en"/>
-              <a:t>Sum of coding exercises calculated as follows:</a:t>
-            </a:r>
-            <a:endParaRPr/>
-          </a:p>
-          <a:p>
-            <a:pPr indent="-317500" lvl="1" marL="914400" rtl="0" algn="l">
-              <a:spcBef>
-                <a:spcPts val="0"/>
-              </a:spcBef>
-              <a:spcAft>
-                <a:spcPts val="0"/>
-              </a:spcAft>
-              <a:buSzPts val="1400"/>
-              <a:buChar char="○"/>
-            </a:pPr>
-            <a:r>
-              <a:rPr lang="en"/>
-              <a:t>ME 1 – 15%</a:t>
-            </a:r>
-            <a:endParaRPr/>
-          </a:p>
-          <a:p>
-            <a:pPr indent="-317500" lvl="1" marL="914400" rtl="0" algn="l">
-              <a:spcBef>
-                <a:spcPts val="0"/>
-              </a:spcBef>
-              <a:spcAft>
-                <a:spcPts val="0"/>
-              </a:spcAft>
-              <a:buSzPts val="1400"/>
-              <a:buChar char="○"/>
-            </a:pPr>
-            <a:r>
-              <a:rPr lang="en"/>
-              <a:t>ME 2 – 15%</a:t>
-            </a:r>
-            <a:endParaRPr/>
-          </a:p>
-          <a:p>
-            <a:pPr indent="-317500" lvl="1" marL="914400" rtl="0" algn="l">
-              <a:spcBef>
-                <a:spcPts val="0"/>
-              </a:spcBef>
-              <a:spcAft>
-                <a:spcPts val="0"/>
-              </a:spcAft>
-              <a:buSzPts val="1400"/>
-              <a:buChar char="○"/>
-            </a:pPr>
-            <a:r>
-              <a:rPr lang="en"/>
-              <a:t>ME 3 – 40%</a:t>
-            </a:r>
-            <a:endParaRPr/>
-          </a:p>
-          <a:p>
-            <a:pPr indent="-317500" lvl="1" marL="914400" rtl="0" algn="l">
-              <a:spcBef>
-                <a:spcPts val="0"/>
-              </a:spcBef>
-              <a:spcAft>
-                <a:spcPts val="0"/>
-              </a:spcAft>
-              <a:buSzPts val="1400"/>
-              <a:buChar char="○"/>
-            </a:pPr>
-            <a:r>
-              <a:rPr lang="en"/>
-              <a:t>ME 4 – 30%</a:t>
+              <a:t>Maximum of 2 pages</a:t>
             </a:r>
             <a:endParaRPr/>
           </a:p>
@@ -15127,7 +15126,7 @@
       </p:sp>
       <p:sp>
         <p:nvSpPr>
-          <p:cNvPr id="271" name="Google Shape;271;p39"/>
+          <p:cNvPr id="272" name="Google Shape;272;p39"/>
           <p:cNvSpPr txBox="1"/>
           <p:nvPr>
             <p:ph idx="12" type="sldNum"/>
@@ -15135,8 +15134,8 @@
         </p:nvSpPr>
         <p:spPr>
           <a:xfrm>
-            <a:off x="7315202" y="4416550"/>
-            <a:ext cx="1828800" cy="731400"/>
+            <a:off x="7315209" y="4229101"/>
+            <a:ext cx="1828800" cy="914400"/>
           </a:xfrm>
           <a:prstGeom prst="rect">
             <a:avLst/>
@@ -15174,27 +15173,19 @@
               <a:buNone/>
             </a:pPr>
             <a:r>
-              <a:rPr b="0" lang="en" sz="900" u="sng">
+              <a:rPr b="0" lang="en" sz="1000" u="sng">
                 <a:solidFill>
                   <a:schemeClr val="hlink"/>
                 </a:solidFill>
                 <a:hlinkClick r:id="rId3"/>
               </a:rPr>
-              <a:t>https://profriehle.com</a:t>
-            </a:r>
-            <a:r>
-              <a:rPr b="0" lang="en" sz="900">
-                <a:solidFill>
-                  <a:schemeClr val="dk2"/>
-                </a:solidFill>
-              </a:rPr>
+              <a:t>uni1.de/nyt</a:t>
+            </a:r>
+            <a:r>
+              <a:rPr b="0" lang="en" sz="1000"/>
               <a:t> </a:t>
             </a:r>
-            <a:endParaRPr b="0" sz="900">
-              <a:solidFill>
-                <a:schemeClr val="dk2"/>
-              </a:solidFill>
-            </a:endParaRPr>
+            <a:endParaRPr b="0" sz="1000"/>
           </a:p>
         </p:txBody>
       </p:sp>
@@ -15211,7 +15202,7 @@
   <p:cSld>
     <p:spTree>
       <p:nvGrpSpPr>
-        <p:cNvPr id="275" name="Shape 275"/>
+        <p:cNvPr id="276" name="Shape 276"/>
         <p:cNvGrpSpPr/>
         <p:nvPr/>
       </p:nvGrpSpPr>
@@ -15225,7 +15216,7 @@
       </p:grpSpPr>
       <p:sp>
         <p:nvSpPr>
-          <p:cNvPr id="276" name="Google Shape;276;p40"/>
+          <p:cNvPr id="277" name="Google Shape;277;p40"/>
           <p:cNvSpPr txBox="1"/>
           <p:nvPr>
             <p:ph type="title"/>
@@ -15257,7 +15248,7 @@
             </a:pPr>
             <a:r>
               <a:rPr lang="en"/>
-              <a:t>Code Hierarchy</a:t>
+              <a:t>Grading</a:t>
             </a:r>
             <a:endParaRPr/>
           </a:p>
@@ -15265,7 +15256,7 @@
       </p:sp>
       <p:sp>
         <p:nvSpPr>
-          <p:cNvPr id="277" name="Google Shape;277;p40"/>
+          <p:cNvPr id="278" name="Google Shape;278;p40"/>
           <p:cNvSpPr txBox="1"/>
           <p:nvPr>
             <p:ph idx="1" type="body"/>
@@ -15298,8 +15289,79 @@
             </a:pPr>
             <a:r>
               <a:rPr lang="en"/>
-              <a:t>Do not apply category codes (eg. “management best practices”); only use codes with no codes beneath them in the hierarchy.</a:t>
-            </a:r>
+              <a:t>Grading of coding (ME 1 - ME 3) based on intercoder agreement</a:t>
+            </a:r>
+            <a:endParaRPr/>
+          </a:p>
+          <a:p>
+            <a:pPr indent="-317500" lvl="1" marL="914400" rtl="0" algn="l">
+              <a:spcBef>
+                <a:spcPts val="0"/>
+              </a:spcBef>
+              <a:spcAft>
+                <a:spcPts val="0"/>
+              </a:spcAft>
+              <a:buSzPts val="1400"/>
+              <a:buChar char="○"/>
+            </a:pPr>
+            <a:r>
+              <a:rPr lang="en"/>
+              <a:t>Your work is compared to original coding</a:t>
+            </a:r>
+            <a:endParaRPr/>
+          </a:p>
+          <a:p>
+            <a:pPr indent="-317500" lvl="1" marL="914400" rtl="0" algn="l">
+              <a:spcBef>
+                <a:spcPts val="0"/>
+              </a:spcBef>
+              <a:spcAft>
+                <a:spcPts val="0"/>
+              </a:spcAft>
+              <a:buSzPts val="1400"/>
+              <a:buChar char="○"/>
+            </a:pPr>
+            <a:r>
+              <a:rPr lang="en"/>
+              <a:t>We examine accuracy – both precision and recall – so indiscriminate coding is not advised</a:t>
+            </a:r>
+            <a:endParaRPr/>
+          </a:p>
+          <a:p>
+            <a:pPr indent="-317500" lvl="1" marL="914400" rtl="0" algn="l">
+              <a:spcBef>
+                <a:spcPts val="0"/>
+              </a:spcBef>
+              <a:spcAft>
+                <a:spcPts val="0"/>
+              </a:spcAft>
+              <a:buSzPts val="1400"/>
+              <a:buChar char="○"/>
+            </a:pPr>
+            <a:r>
+              <a:rPr lang="en"/>
+              <a:t>Differences of a few words or punctuation are not considered</a:t>
+            </a:r>
+            <a:endParaRPr/>
+          </a:p>
+          <a:p>
+            <a:pPr indent="-317500" lvl="1" marL="914400" rtl="0" algn="l">
+              <a:spcBef>
+                <a:spcPts val="0"/>
+              </a:spcBef>
+              <a:spcAft>
+                <a:spcPts val="0"/>
+              </a:spcAft>
+              <a:buSzPts val="1400"/>
+              <a:buChar char="○"/>
+            </a:pPr>
+            <a:r>
+              <a:rPr lang="en"/>
+              <a:t>Grading is automated</a:t>
+            </a:r>
+            <a:br>
+              <a:rPr lang="en"/>
+            </a:br>
             <a:endParaRPr/>
           </a:p>
           <a:p>
@@ -15315,37 +15377,9 @@
             </a:pPr>
             <a:r>
               <a:rPr lang="en"/>
-              <a:t>In the following example, code A should not be used: </a:t>
-            </a:r>
-            <a:endParaRPr/>
-          </a:p>
-          <a:p>
-            <a:pPr indent="-342900" lvl="0" marL="457200" rtl="0" algn="l">
-              <a:spcBef>
-                <a:spcPts val="0"/>
-              </a:spcBef>
-              <a:spcAft>
-                <a:spcPts val="0"/>
-              </a:spcAft>
-              <a:buClr>
-                <a:schemeClr val="accent5"/>
-              </a:buClr>
-              <a:buSzPts val="1800"/>
-              <a:buChar char="●"/>
-            </a:pPr>
-            <a:r>
-              <a:rPr lang="en">
-                <a:solidFill>
-                  <a:schemeClr val="accent5"/>
-                </a:solidFill>
-              </a:rPr>
-              <a:t>Category A</a:t>
-            </a:r>
-            <a:endParaRPr>
-              <a:solidFill>
-                <a:schemeClr val="accent5"/>
-              </a:solidFill>
-            </a:endParaRPr>
+              <a:t>Sum of coding exercises calculated as follows:</a:t>
+            </a:r>
+            <a:endParaRPr/>
           </a:p>
           <a:p>
             <a:pPr indent="-317500" lvl="1" marL="914400" rtl="0" algn="l">
@@ -15355,25 +15389,14 @@
               <a:spcAft>
                 <a:spcPts val="0"/>
               </a:spcAft>
-              <a:buClr>
-                <a:schemeClr val="accent1"/>
-              </a:buClr>
               <a:buSzPts val="1400"/>
               <a:buChar char="○"/>
             </a:pPr>
             <a:r>
-              <a:rPr lang="en">
-                <a:solidFill>
-                  <a:schemeClr val="accent1"/>
-                </a:solidFill>
-              </a:rPr>
-              <a:t>Concept B</a:t>
-            </a:r>
-            <a:endParaRPr>
-              <a:solidFill>
-                <a:schemeClr val="accent1"/>
-              </a:solidFill>
-            </a:endParaRPr>
+              <a:rPr lang="en"/>
+              <a:t>ME 1 – 15%</a:t>
+            </a:r>
+            <a:endParaRPr/>
           </a:p>
           <a:p>
             <a:pPr indent="-317500" lvl="1" marL="914400" rtl="0" algn="l">
@@ -15383,25 +15406,14 @@
               <a:spcAft>
                 <a:spcPts val="0"/>
               </a:spcAft>
-              <a:buClr>
-                <a:schemeClr val="accent1"/>
-              </a:buClr>
               <a:buSzPts val="1400"/>
               <a:buChar char="○"/>
             </a:pPr>
             <a:r>
-              <a:rPr lang="en">
-                <a:solidFill>
-                  <a:schemeClr val="accent1"/>
-                </a:solidFill>
-              </a:rPr>
-              <a:t>Concept D</a:t>
-            </a:r>
-            <a:endParaRPr>
-              <a:solidFill>
-                <a:schemeClr val="accent1"/>
-              </a:solidFill>
-            </a:endParaRPr>
+              <a:rPr lang="en"/>
+              <a:t>ME 2 – 15%</a:t>
+            </a:r>
+            <a:endParaRPr/>
           </a:p>
           <a:p>
             <a:pPr indent="-317500" lvl="1" marL="914400" rtl="0" algn="l">
@@ -15411,31 +15423,37 @@
               <a:spcAft>
                 <a:spcPts val="0"/>
               </a:spcAft>
-              <a:buClr>
-                <a:schemeClr val="accent1"/>
-              </a:buClr>
               <a:buSzPts val="1400"/>
               <a:buChar char="○"/>
             </a:pPr>
             <a:r>
-              <a:rPr lang="en">
-                <a:solidFill>
-                  <a:schemeClr val="accent1"/>
-                </a:solidFill>
-              </a:rPr>
-              <a:t>Concept E</a:t>
-            </a:r>
-            <a:endParaRPr>
-              <a:solidFill>
-                <a:schemeClr val="accent1"/>
-              </a:solidFill>
-            </a:endParaRPr>
+              <a:rPr lang="en"/>
+              <a:t>ME 3 – 40%</a:t>
+            </a:r>
+            <a:endParaRPr/>
+          </a:p>
+          <a:p>
+            <a:pPr indent="-317500" lvl="1" marL="914400" rtl="0" algn="l">
+              <a:spcBef>
+                <a:spcPts val="0"/>
+              </a:spcBef>
+              <a:spcAft>
+                <a:spcPts val="0"/>
+              </a:spcAft>
+              <a:buSzPts val="1400"/>
+              <a:buChar char="○"/>
+            </a:pPr>
+            <a:r>
+              <a:rPr lang="en"/>
+              <a:t>ME 4 – 30%</a:t>
+            </a:r>
+            <a:endParaRPr/>
           </a:p>
         </p:txBody>
       </p:sp>
       <p:sp>
         <p:nvSpPr>
-          <p:cNvPr id="278" name="Google Shape;278;p40"/>
+          <p:cNvPr id="279" name="Google Shape;279;p40"/>
           <p:cNvSpPr txBox="1"/>
           <p:nvPr>
             <p:ph idx="12" type="sldNum"/>
@@ -15443,8 +15461,8 @@
         </p:nvSpPr>
         <p:spPr>
           <a:xfrm>
-            <a:off x="7315202" y="4416550"/>
-            <a:ext cx="1828800" cy="731400"/>
+            <a:off x="7315209" y="4229101"/>
+            <a:ext cx="1828800" cy="914400"/>
           </a:xfrm>
           <a:prstGeom prst="rect">
             <a:avLst/>
@@ -15482,27 +15500,19 @@
               <a:buNone/>
             </a:pPr>
             <a:r>
-              <a:rPr b="0" lang="en" sz="900" u="sng">
+              <a:rPr b="0" lang="en" sz="1000" u="sng">
                 <a:solidFill>
                   <a:schemeClr val="hlink"/>
                 </a:solidFill>
                 <a:hlinkClick r:id="rId3"/>
               </a:rPr>
-              <a:t>https://profriehle.com</a:t>
-            </a:r>
-            <a:r>
-              <a:rPr b="0" lang="en" sz="900">
-                <a:solidFill>
-                  <a:schemeClr val="dk2"/>
-                </a:solidFill>
-              </a:rPr>
+              <a:t>uni1.de/nyt</a:t>
+            </a:r>
+            <a:r>
+              <a:rPr b="0" lang="en" sz="1000"/>
               <a:t> </a:t>
             </a:r>
-            <a:endParaRPr b="0" sz="900">
-              <a:solidFill>
-                <a:schemeClr val="dk2"/>
-              </a:solidFill>
-            </a:endParaRPr>
+            <a:endParaRPr b="0" sz="1000"/>
           </a:p>
         </p:txBody>
       </p:sp>
@@ -15519,7 +15529,7 @@
   <p:cSld>
     <p:spTree>
       <p:nvGrpSpPr>
-        <p:cNvPr id="282" name="Shape 282"/>
+        <p:cNvPr id="283" name="Shape 283"/>
         <p:cNvGrpSpPr/>
         <p:nvPr/>
       </p:nvGrpSpPr>
@@ -15533,7 +15543,7 @@
       </p:grpSpPr>
       <p:sp>
         <p:nvSpPr>
-          <p:cNvPr id="283" name="Google Shape;283;p41"/>
+          <p:cNvPr id="284" name="Google Shape;284;p41"/>
           <p:cNvSpPr txBox="1"/>
           <p:nvPr>
             <p:ph type="title"/>
@@ -15565,7 +15575,7 @@
             </a:pPr>
             <a:r>
               <a:rPr lang="en"/>
-              <a:t>Question Prompts</a:t>
+              <a:t>Code Hierarchy</a:t>
             </a:r>
             <a:endParaRPr/>
           </a:p>
@@ -15573,7 +15583,7 @@
       </p:sp>
       <p:sp>
         <p:nvSpPr>
-          <p:cNvPr id="284" name="Google Shape;284;p41"/>
+          <p:cNvPr id="285" name="Google Shape;285;p41"/>
           <p:cNvSpPr txBox="1"/>
           <p:nvPr>
             <p:ph idx="1" type="body"/>
@@ -15606,29 +15616,57 @@
             </a:pPr>
             <a:r>
               <a:rPr lang="en"/>
-              <a:t>Do not code the interviewer's question, except when it is needed to supply context.</a:t>
-            </a:r>
-            <a:endParaRPr/>
+              <a:t>Do not apply category codes (eg. Codes with other codes below it); only use codes with no codes beneath them in the hierarchy.</a:t>
+            </a:r>
+            <a:endParaRPr/>
+          </a:p>
+          <a:p>
+            <a:pPr indent="-342900" lvl="0" marL="457200" rtl="0" algn="l">
+              <a:spcBef>
+                <a:spcPts val="0"/>
+              </a:spcBef>
+              <a:spcAft>
+                <a:spcPts val="0"/>
+              </a:spcAft>
+              <a:buSzPts val="1800"/>
+              <a:buChar char="●"/>
+            </a:pPr>
+            <a:r>
+              <a:rPr lang="en"/>
+              <a:t>In the following example, code A should not be used: </a:t>
+            </a:r>
+            <a:endParaRPr/>
+          </a:p>
+          <a:p>
+            <a:pPr indent="-342900" lvl="0" marL="457200" rtl="0" algn="l">
+              <a:spcBef>
+                <a:spcPts val="0"/>
+              </a:spcBef>
+              <a:spcAft>
+                <a:spcPts val="0"/>
+              </a:spcAft>
+              <a:buClr>
+                <a:schemeClr val="accent5"/>
+              </a:buClr>
+              <a:buSzPts val="1800"/>
+              <a:buChar char="●"/>
+            </a:pPr>
+            <a:r>
+              <a:rPr lang="en">
+                <a:solidFill>
+                  <a:schemeClr val="accent5"/>
+                </a:solidFill>
+              </a:rPr>
+              <a:t>Category A</a:t>
+            </a:r>
+            <a:endParaRPr>
+              <a:solidFill>
+                <a:schemeClr val="accent5"/>
+              </a:solidFill>
+            </a:endParaRPr>
           </a:p>
           <a:p>
             <a:pPr indent="-317500" lvl="1" marL="914400" rtl="0" algn="l">
-              <a:spcBef>
-                <a:spcPts val="0"/>
-              </a:spcBef>
-              <a:spcAft>
-                <a:spcPts val="0"/>
-              </a:spcAft>
-              <a:buSzPts val="1400"/>
-              <a:buChar char="○"/>
-            </a:pPr>
-            <a:r>
-              <a:rPr lang="en"/>
-              <a:t>In this example, the question provides context and is coded if the answer is coded:</a:t>
-            </a:r>
-            <a:endParaRPr/>
-          </a:p>
-          <a:p>
-            <a:pPr indent="-317500" lvl="2" marL="1371600" rtl="0" algn="l">
               <a:spcBef>
                 <a:spcPts val="0"/>
               </a:spcBef>
@@ -15639,7 +15677,7 @@
                 <a:schemeClr val="accent1"/>
               </a:buClr>
               <a:buSzPts val="1400"/>
-              <a:buChar char="■"/>
+              <a:buChar char="○"/>
             </a:pPr>
             <a:r>
               <a:rPr lang="en">
@@ -15647,7 +15685,7 @@
                   <a:schemeClr val="accent1"/>
                 </a:solidFill>
               </a:rPr>
-              <a:t>Interviewer: Have you ever seen a zebra?</a:t>
+              <a:t>Concept B</a:t>
             </a:r>
             <a:endParaRPr>
               <a:solidFill>
@@ -15656,7 +15694,7 @@
             </a:endParaRPr>
           </a:p>
           <a:p>
-            <a:pPr indent="-317500" lvl="2" marL="1371600" rtl="0" algn="l">
+            <a:pPr indent="-317500" lvl="1" marL="914400" rtl="0" algn="l">
               <a:spcBef>
                 <a:spcPts val="0"/>
               </a:spcBef>
@@ -15667,7 +15705,7 @@
                 <a:schemeClr val="accent1"/>
               </a:buClr>
               <a:buSzPts val="1400"/>
-              <a:buChar char="■"/>
+              <a:buChar char="○"/>
             </a:pPr>
             <a:r>
               <a:rPr lang="en">
@@ -15675,7 +15713,7 @@
                   <a:schemeClr val="accent1"/>
                 </a:solidFill>
               </a:rPr>
-              <a:t>Interviewee: Yes, in Tanzania.</a:t>
+              <a:t>Concept D</a:t>
             </a:r>
             <a:endParaRPr>
               <a:solidFill>
@@ -15691,56 +15729,11 @@
               <a:spcAft>
                 <a:spcPts val="0"/>
               </a:spcAft>
-              <a:buSzPts val="1400"/>
-              <a:buChar char="○"/>
-            </a:pPr>
-            <a:r>
-              <a:rPr lang="en"/>
-              <a:t>In this example, the question is not necessary to understand and is not coded even if the answer is:</a:t>
-            </a:r>
-            <a:endParaRPr/>
-          </a:p>
-          <a:p>
-            <a:pPr indent="-317500" lvl="2" marL="1371600" rtl="0" algn="l">
-              <a:spcBef>
-                <a:spcPts val="0"/>
-              </a:spcBef>
-              <a:spcAft>
-                <a:spcPts val="0"/>
-              </a:spcAft>
-              <a:buClr>
-                <a:schemeClr val="accent5"/>
-              </a:buClr>
-              <a:buSzPts val="1400"/>
-              <a:buChar char="■"/>
-            </a:pPr>
-            <a:r>
-              <a:rPr lang="en">
-                <a:solidFill>
-                  <a:schemeClr val="accent5"/>
-                </a:solidFill>
-              </a:rPr>
-              <a:t>Interviewer: Have you encountered a monkey?</a:t>
-            </a:r>
-            <a:endParaRPr>
-              <a:solidFill>
-                <a:schemeClr val="accent5"/>
-              </a:solidFill>
-            </a:endParaRPr>
-          </a:p>
-          <a:p>
-            <a:pPr indent="-317500" lvl="2" marL="1371600" rtl="0" algn="l">
-              <a:spcBef>
-                <a:spcPts val="0"/>
-              </a:spcBef>
-              <a:spcAft>
-                <a:spcPts val="0"/>
-              </a:spcAft>
               <a:buClr>
                 <a:schemeClr val="accent1"/>
               </a:buClr>
               <a:buSzPts val="1400"/>
-              <a:buChar char="■"/>
+              <a:buChar char="○"/>
             </a:pPr>
             <a:r>
               <a:rPr lang="en">
@@ -15748,7 +15741,7 @@
                   <a:schemeClr val="accent1"/>
                 </a:solidFill>
               </a:rPr>
-              <a:t>Interviewee: A monkey stole my glasses in Shimla.</a:t>
+              <a:t>Concept E</a:t>
             </a:r>
             <a:endParaRPr>
               <a:solidFill>
@@ -15760,7 +15753,7 @@
       </p:sp>
       <p:sp>
         <p:nvSpPr>
-          <p:cNvPr id="285" name="Google Shape;285;p41"/>
+          <p:cNvPr id="286" name="Google Shape;286;p41"/>
           <p:cNvSpPr txBox="1"/>
           <p:nvPr>
             <p:ph idx="12" type="sldNum"/>
@@ -15768,8 +15761,8 @@
         </p:nvSpPr>
         <p:spPr>
           <a:xfrm>
-            <a:off x="7315202" y="4416550"/>
-            <a:ext cx="1828800" cy="731400"/>
+            <a:off x="7315209" y="4229101"/>
+            <a:ext cx="1828800" cy="914400"/>
           </a:xfrm>
           <a:prstGeom prst="rect">
             <a:avLst/>
@@ -15807,27 +15800,19 @@
               <a:buNone/>
             </a:pPr>
             <a:r>
-              <a:rPr b="0" lang="en" sz="900" u="sng">
+              <a:rPr b="0" lang="en" sz="1000" u="sng">
                 <a:solidFill>
                   <a:schemeClr val="hlink"/>
                 </a:solidFill>
                 <a:hlinkClick r:id="rId3"/>
               </a:rPr>
-              <a:t>https://profriehle.com</a:t>
-            </a:r>
-            <a:r>
-              <a:rPr b="0" lang="en" sz="900">
-                <a:solidFill>
-                  <a:schemeClr val="dk2"/>
-                </a:solidFill>
-              </a:rPr>
+              <a:t>uni1.de/nyt</a:t>
+            </a:r>
+            <a:r>
+              <a:rPr b="0" lang="en" sz="1000"/>
               <a:t> </a:t>
             </a:r>
-            <a:endParaRPr b="0" sz="900">
-              <a:solidFill>
-                <a:schemeClr val="dk2"/>
-              </a:solidFill>
-            </a:endParaRPr>
+            <a:endParaRPr b="0" sz="1000"/>
           </a:p>
         </p:txBody>
       </p:sp>
@@ -15844,7 +15829,7 @@
   <p:cSld>
     <p:spTree>
       <p:nvGrpSpPr>
-        <p:cNvPr id="289" name="Shape 289"/>
+        <p:cNvPr id="290" name="Shape 290"/>
         <p:cNvGrpSpPr/>
         <p:nvPr/>
       </p:nvGrpSpPr>
@@ -15858,7 +15843,7 @@
       </p:grpSpPr>
       <p:sp>
         <p:nvSpPr>
-          <p:cNvPr id="290" name="Google Shape;290;p42"/>
+          <p:cNvPr id="291" name="Google Shape;291;p42"/>
           <p:cNvSpPr txBox="1"/>
           <p:nvPr>
             <p:ph type="title"/>
@@ -15890,7 +15875,7 @@
             </a:pPr>
             <a:r>
               <a:rPr lang="en"/>
-              <a:t>Coding Granularity</a:t>
+              <a:t>Question Prompts</a:t>
             </a:r>
             <a:endParaRPr/>
           </a:p>
@@ -15898,7 +15883,7 @@
       </p:sp>
       <p:sp>
         <p:nvSpPr>
-          <p:cNvPr id="291" name="Google Shape;291;p42"/>
+          <p:cNvPr id="292" name="Google Shape;292;p42"/>
           <p:cNvSpPr txBox="1"/>
           <p:nvPr>
             <p:ph idx="1" type="body"/>
@@ -15931,7 +15916,7 @@
             </a:pPr>
             <a:r>
               <a:rPr lang="en"/>
-              <a:t>Coding can be done at the multi-paragraph, paragraph, sentence or phrase level.</a:t>
+              <a:t>Do not code the interviewer's question, except when it is needed to supply context.</a:t>
             </a:r>
             <a:endParaRPr/>
           </a:p>
@@ -15948,7 +15933,7 @@
             </a:pPr>
             <a:r>
               <a:rPr lang="en"/>
-              <a:t>These examples are all valid codings for an imaginary code 'cat' defined as all references to cats:</a:t>
+              <a:t>In this example, the question provides context and is coded if the answer is coded:</a:t>
             </a:r>
             <a:endParaRPr/>
           </a:p>
@@ -15960,45 +15945,8 @@
               <a:spcAft>
                 <a:spcPts val="0"/>
               </a:spcAft>
-              <a:buSzPts val="1400"/>
-              <a:buChar char="■"/>
-            </a:pPr>
-            <a:r>
-              <a:rPr lang="en">
-                <a:solidFill>
-                  <a:schemeClr val="accent1"/>
-                </a:solidFill>
-              </a:rPr>
-              <a:t>I like cats. </a:t>
-            </a:r>
-            <a:r>
-              <a:rPr lang="en"/>
-              <a:t>But I also like dogs. </a:t>
-            </a:r>
-            <a:r>
-              <a:rPr lang="en">
-                <a:solidFill>
-                  <a:schemeClr val="accent1"/>
-                </a:solidFill>
-              </a:rPr>
-              <a:t>My neighbors got a new cat last month, but it likes to sleep at my house. Cats can sleep so much; </a:t>
-            </a:r>
-            <a:r>
-              <a:rPr lang="en"/>
-              <a:t>bears also sleep a lot.</a:t>
-            </a:r>
-            <a:endParaRPr/>
-          </a:p>
-          <a:p>
-            <a:pPr indent="-317500" lvl="2" marL="1371600" rtl="0" algn="l">
-              <a:spcBef>
-                <a:spcPts val="0"/>
-              </a:spcBef>
-              <a:spcAft>
-                <a:spcPts val="0"/>
-              </a:spcAft>
               <a:buClr>
-                <a:schemeClr val="accent1"/>
+                <a:schemeClr val="accent5"/>
               </a:buClr>
               <a:buSzPts val="1400"/>
               <a:buChar char="■"/>
@@ -16006,14 +15954,14 @@
             <a:r>
               <a:rPr lang="en">
                 <a:solidFill>
-                  <a:schemeClr val="accent1"/>
+                  <a:schemeClr val="accent5"/>
                 </a:solidFill>
               </a:rPr>
-              <a:t>Cats are the best when they come to to snuggle you when you're feeling down. I know people say cats are aloof, but mine always knew when I was sad and would come to cheer me up.</a:t>
+              <a:t>Interviewer: Have you ever seen a zebra?</a:t>
             </a:r>
             <a:endParaRPr>
               <a:solidFill>
-                <a:schemeClr val="accent1"/>
+                <a:schemeClr val="accent5"/>
               </a:solidFill>
             </a:endParaRPr>
           </a:p>
@@ -16026,7 +15974,7 @@
                 <a:spcPts val="0"/>
               </a:spcAft>
               <a:buClr>
-                <a:schemeClr val="accent1"/>
+                <a:schemeClr val="accent5"/>
               </a:buClr>
               <a:buSzPts val="1400"/>
               <a:buChar char="■"/>
@@ -16034,14 +15982,14 @@
             <a:r>
               <a:rPr lang="en">
                 <a:solidFill>
-                  <a:schemeClr val="accent1"/>
+                  <a:schemeClr val="accent5"/>
                 </a:solidFill>
               </a:rPr>
-              <a:t>I do find them annoying at times, for instance when they dig up the garden or yowl at night.</a:t>
+              <a:t>Interviewee: Yes, in Tanzania.</a:t>
             </a:r>
             <a:endParaRPr>
               <a:solidFill>
-                <a:schemeClr val="accent1"/>
+                <a:schemeClr val="accent5"/>
               </a:solidFill>
             </a:endParaRPr>
           </a:p>
@@ -16058,15 +16006,60 @@
             </a:pPr>
             <a:r>
               <a:rPr lang="en"/>
-              <a:t>Note that examples in the codebook do not necessarily contain all adjacent text employing the code, only sufficient text for understanding the concept.</a:t>
-            </a:r>
-            <a:endParaRPr/>
+              <a:t>In this example, the question is not necessary to understand and is not coded even if the answer is:</a:t>
+            </a:r>
+            <a:endParaRPr/>
+          </a:p>
+          <a:p>
+            <a:pPr indent="-317500" lvl="2" marL="1371600" rtl="0" algn="l">
+              <a:spcBef>
+                <a:spcPts val="0"/>
+              </a:spcBef>
+              <a:spcAft>
+                <a:spcPts val="0"/>
+              </a:spcAft>
+              <a:buSzPts val="1400"/>
+              <a:buChar char="■"/>
+            </a:pPr>
+            <a:r>
+              <a:rPr lang="en"/>
+              <a:t>Interviewer: Have you encountered a monkey?</a:t>
+            </a:r>
+            <a:endParaRPr/>
+          </a:p>
+          <a:p>
+            <a:pPr indent="-317500" lvl="2" marL="1371600" rtl="0" algn="l">
+              <a:spcBef>
+                <a:spcPts val="0"/>
+              </a:spcBef>
+              <a:spcAft>
+                <a:spcPts val="0"/>
+              </a:spcAft>
+              <a:buClr>
+                <a:schemeClr val="accent5"/>
+              </a:buClr>
+              <a:buSzPts val="1400"/>
+              <a:buChar char="■"/>
+            </a:pPr>
+            <a:r>
+              <a:rPr lang="en">
+                <a:solidFill>
+                  <a:schemeClr val="accent5"/>
+                </a:solidFill>
+              </a:rPr>
+              <a:t>Interviewee: A monkey stole my glasses in Shimla.</a:t>
+            </a:r>
+            <a:endParaRPr>
+              <a:solidFill>
+                <a:schemeClr val="accent5"/>
+              </a:solidFill>
+            </a:endParaRPr>
           </a:p>
         </p:txBody>
       </p:sp>
       <p:sp>
         <p:nvSpPr>
-          <p:cNvPr id="292" name="Google Shape;292;p42"/>
+          <p:cNvPr id="293" name="Google Shape;293;p42"/>
           <p:cNvSpPr txBox="1"/>
           <p:nvPr>
             <p:ph idx="12" type="sldNum"/>
@@ -16074,8 +16067,8 @@
         </p:nvSpPr>
         <p:spPr>
           <a:xfrm>
-            <a:off x="7315202" y="4416550"/>
-            <a:ext cx="1828800" cy="731400"/>
+            <a:off x="7315209" y="4229101"/>
+            <a:ext cx="1828800" cy="914400"/>
           </a:xfrm>
           <a:prstGeom prst="rect">
             <a:avLst/>
@@ -16113,27 +16106,19 @@
               <a:buNone/>
             </a:pPr>
             <a:r>
-              <a:rPr b="0" lang="en" sz="900" u="sng">
+              <a:rPr b="0" lang="en" sz="1000" u="sng">
                 <a:solidFill>
                   <a:schemeClr val="hlink"/>
                 </a:solidFill>
                 <a:hlinkClick r:id="rId3"/>
               </a:rPr>
-              <a:t>https://profriehle.com</a:t>
-            </a:r>
-            <a:r>
-              <a:rPr b="0" lang="en" sz="900">
-                <a:solidFill>
-                  <a:schemeClr val="dk2"/>
-                </a:solidFill>
-              </a:rPr>
+              <a:t>uni1.de/nyt</a:t>
+            </a:r>
+            <a:r>
+              <a:rPr b="0" lang="en" sz="1000"/>
               <a:t> </a:t>
             </a:r>
-            <a:endParaRPr b="0" sz="900">
-              <a:solidFill>
-                <a:schemeClr val="dk2"/>
-              </a:solidFill>
-            </a:endParaRPr>
+            <a:endParaRPr b="0" sz="1000"/>
           </a:p>
         </p:txBody>
       </p:sp>
@@ -16150,7 +16135,7 @@
   <p:cSld>
     <p:spTree>
       <p:nvGrpSpPr>
-        <p:cNvPr id="296" name="Shape 296"/>
+        <p:cNvPr id="297" name="Shape 297"/>
         <p:cNvGrpSpPr/>
         <p:nvPr/>
       </p:nvGrpSpPr>
@@ -16164,7 +16149,7 @@
       </p:grpSpPr>
       <p:sp>
         <p:nvSpPr>
-          <p:cNvPr id="297" name="Google Shape;297;p43"/>
+          <p:cNvPr id="298" name="Google Shape;298;p43"/>
           <p:cNvSpPr txBox="1"/>
           <p:nvPr>
             <p:ph type="title"/>
@@ -16196,7 +16181,7 @@
             </a:pPr>
             <a:r>
               <a:rPr lang="en"/>
-              <a:t>Positive and Negative</a:t>
+              <a:t>Coding Granularity</a:t>
             </a:r>
             <a:endParaRPr/>
           </a:p>
@@ -16204,7 +16189,7 @@
       </p:sp>
       <p:sp>
         <p:nvSpPr>
-          <p:cNvPr id="298" name="Google Shape;298;p43"/>
+          <p:cNvPr id="299" name="Google Shape;299;p43"/>
           <p:cNvSpPr txBox="1"/>
           <p:nvPr>
             <p:ph idx="1" type="body"/>
@@ -16237,7 +16222,7 @@
             </a:pPr>
             <a:r>
               <a:rPr lang="en"/>
-              <a:t>Both positive and negative examples of a concept should be coded.</a:t>
+              <a:t>Coding can be done at the multi-paragraph, paragraph, sentence or phrase level.</a:t>
             </a:r>
             <a:endParaRPr/>
           </a:p>
@@ -16254,7 +16239,7 @@
             </a:pPr>
             <a:r>
               <a:rPr lang="en"/>
-              <a:t>These are both examples of the code 'helpfulness':</a:t>
+              <a:t>These examples are all valid codings for an imaginary code 'cat' defined as all references to cats:</a:t>
             </a:r>
             <a:endParaRPr/>
           </a:p>
@@ -16266,8 +16251,41 @@
               <a:spcAft>
                 <a:spcPts val="0"/>
               </a:spcAft>
+              <a:buSzPts val="1400"/>
+              <a:buChar char="■"/>
+            </a:pPr>
+            <a:r>
+              <a:rPr lang="en">
+                <a:solidFill>
+                  <a:schemeClr val="accent5"/>
+                </a:solidFill>
+              </a:rPr>
+              <a:t>I like cats</a:t>
+            </a:r>
+            <a:r>
+              <a:rPr lang="en"/>
+              <a:t>, but I also like dogs. </a:t>
+            </a:r>
+            <a:r>
+              <a:rPr lang="en">
+                <a:solidFill>
+                  <a:schemeClr val="accent5"/>
+                </a:solidFill>
+              </a:rPr>
+              <a:t>My neighbors got a new cat last month, but it likes to sleep at my house.</a:t>
+            </a:r>
+            <a:endParaRPr/>
+          </a:p>
+          <a:p>
+            <a:pPr indent="-317500" lvl="2" marL="1371600" rtl="0" algn="l">
+              <a:spcBef>
+                <a:spcPts val="0"/>
+              </a:spcBef>
+              <a:spcAft>
+                <a:spcPts val="0"/>
+              </a:spcAft>
               <a:buClr>
-                <a:schemeClr val="accent1"/>
+                <a:schemeClr val="accent5"/>
               </a:buClr>
               <a:buSzPts val="1400"/>
               <a:buChar char="■"/>
@@ -16275,46 +16293,33 @@
             <a:r>
               <a:rPr lang="en">
                 <a:solidFill>
-                  <a:schemeClr val="accent1"/>
+                  <a:schemeClr val="accent5"/>
                 </a:solidFill>
               </a:rPr>
-              <a:t>You only need to ask him and he's happy to volunteer – making phone calls, sending out postcards – anything the organization needs, really.</a:t>
+              <a:t>Cats are the best when they come to to snuggle you when you're feeling down. I know people say cats are aloof, but mine always knew when I was sad and would come to cheer me up.</a:t>
+            </a:r>
+            <a:br>
+              <a:rPr lang="en">
+                <a:solidFill>
+                  <a:schemeClr val="accent5"/>
+                </a:solidFill>
+              </a:rPr>
+            </a:br>
+            <a:r>
+              <a:rPr lang="en">
+                <a:solidFill>
+                  <a:schemeClr val="accent5"/>
+                </a:solidFill>
+              </a:rPr>
+              <a:t>I do find them annoying at times, for instance when they dig up the garden or yowl at night.</a:t>
             </a:r>
             <a:endParaRPr>
               <a:solidFill>
-                <a:schemeClr val="accent1"/>
+                <a:schemeClr val="accent5"/>
               </a:solidFill>
             </a:endParaRPr>
           </a:p>
           <a:p>
-            <a:pPr indent="-317500" lvl="2" marL="1371600" rtl="0" algn="l">
-              <a:spcBef>
-                <a:spcPts val="0"/>
-              </a:spcBef>
-              <a:spcAft>
-                <a:spcPts val="0"/>
-              </a:spcAft>
-              <a:buClr>
-                <a:schemeClr val="accent1"/>
-              </a:buClr>
-              <a:buSzPts val="1400"/>
-              <a:buChar char="■"/>
-            </a:pPr>
-            <a:r>
-              <a:rPr lang="en">
-                <a:solidFill>
-                  <a:schemeClr val="accent1"/>
-                </a:solidFill>
-              </a:rPr>
-              <a:t>They are not good for the group. Even when you ask them explicitly, they won't help you.</a:t>
-            </a:r>
-            <a:endParaRPr>
-              <a:solidFill>
-                <a:schemeClr val="accent1"/>
-              </a:solidFill>
-            </a:endParaRPr>
-          </a:p>
-          <a:p>
             <a:pPr indent="-317500" lvl="1" marL="914400" rtl="0" algn="l">
               <a:spcBef>
                 <a:spcPts val="0"/>
@@ -16327,41 +16332,7 @@
             </a:pPr>
             <a:r>
               <a:rPr lang="en"/>
-              <a:t>Positive or negative opinions/practices are also both coded:</a:t>
-            </a:r>
-            <a:endParaRPr/>
-          </a:p>
-          <a:p>
-            <a:pPr indent="-317500" lvl="2" marL="1371600" rtl="0" algn="l">
-              <a:spcBef>
-                <a:spcPts val="0"/>
-              </a:spcBef>
-              <a:spcAft>
-                <a:spcPts val="0"/>
-              </a:spcAft>
-              <a:buSzPts val="1400"/>
-              <a:buChar char="■"/>
-            </a:pPr>
-            <a:r>
-              <a:rPr lang="en"/>
-              <a:t>Organization does or doesn't engage in a practice</a:t>
-            </a:r>
-            <a:endParaRPr/>
-          </a:p>
-          <a:p>
-            <a:pPr indent="-317500" lvl="2" marL="1371600" rtl="0" algn="l">
-              <a:spcBef>
-                <a:spcPts val="0"/>
-              </a:spcBef>
-              <a:spcAft>
-                <a:spcPts val="0"/>
-              </a:spcAft>
-              <a:buSzPts val="1400"/>
-              <a:buChar char="■"/>
-            </a:pPr>
-            <a:r>
-              <a:rPr lang="en"/>
-              <a:t>Speaker does or doesn't approve of something</a:t>
+              <a:t>Note that examples in the codebook do not necessarily contain all adjacent text employing the code, only sufficient text for understanding the concept.</a:t>
             </a:r>
             <a:endParaRPr/>
           </a:p>
@@ -16369,7 +16340,7 @@
       </p:sp>
       <p:sp>
         <p:nvSpPr>
-          <p:cNvPr id="299" name="Google Shape;299;p43"/>
+          <p:cNvPr id="300" name="Google Shape;300;p43"/>
           <p:cNvSpPr txBox="1"/>
           <p:nvPr>
             <p:ph idx="12" type="sldNum"/>
@@ -16377,8 +16348,8 @@
         </p:nvSpPr>
         <p:spPr>
           <a:xfrm>
-            <a:off x="7315202" y="4416550"/>
-            <a:ext cx="1828800" cy="731400"/>
+            <a:off x="7315209" y="4229101"/>
+            <a:ext cx="1828800" cy="914400"/>
           </a:xfrm>
           <a:prstGeom prst="rect">
             <a:avLst/>
@@ -16416,27 +16387,19 @@
               <a:buNone/>
             </a:pPr>
             <a:r>
-              <a:rPr b="0" lang="en" sz="900" u="sng">
+              <a:rPr b="0" lang="en" sz="1000" u="sng">
                 <a:solidFill>
                   <a:schemeClr val="hlink"/>
                 </a:solidFill>
                 <a:hlinkClick r:id="rId3"/>
               </a:rPr>
-              <a:t>https://profriehle.com</a:t>
-            </a:r>
-            <a:r>
-              <a:rPr b="0" lang="en" sz="900">
-                <a:solidFill>
-                  <a:schemeClr val="dk2"/>
-                </a:solidFill>
-              </a:rPr>
+              <a:t>uni1.de/nyt</a:t>
+            </a:r>
+            <a:r>
+              <a:rPr b="0" lang="en" sz="1000"/>
               <a:t> </a:t>
             </a:r>
-            <a:endParaRPr b="0" sz="900">
-              <a:solidFill>
-                <a:schemeClr val="dk2"/>
-              </a:solidFill>
-            </a:endParaRPr>
+            <a:endParaRPr b="0" sz="1000"/>
           </a:p>
         </p:txBody>
       </p:sp>
@@ -16453,7 +16416,7 @@
   <p:cSld>
     <p:spTree>
       <p:nvGrpSpPr>
-        <p:cNvPr id="303" name="Shape 303"/>
+        <p:cNvPr id="304" name="Shape 304"/>
         <p:cNvGrpSpPr/>
         <p:nvPr/>
       </p:nvGrpSpPr>
@@ -16467,7 +16430,7 @@
       </p:grpSpPr>
       <p:sp>
         <p:nvSpPr>
-          <p:cNvPr id="304" name="Google Shape;304;p44"/>
+          <p:cNvPr id="305" name="Google Shape;305;p44"/>
           <p:cNvSpPr txBox="1"/>
           <p:nvPr>
             <p:ph type="title"/>
@@ -16499,7 +16462,7 @@
             </a:pPr>
             <a:r>
               <a:rPr lang="en"/>
-              <a:t>Descriptions and Examples</a:t>
+              <a:t>Positive and Negative</a:t>
             </a:r>
             <a:endParaRPr/>
           </a:p>
@@ -16507,7 +16470,7 @@
       </p:sp>
       <p:sp>
         <p:nvSpPr>
-          <p:cNvPr id="305" name="Google Shape;305;p44"/>
+          <p:cNvPr id="306" name="Google Shape;306;p44"/>
           <p:cNvSpPr txBox="1"/>
           <p:nvPr>
             <p:ph idx="1" type="body"/>
@@ -16540,7 +16503,7 @@
             </a:pPr>
             <a:r>
               <a:rPr lang="en"/>
-              <a:t>Both descriptions and examples should be coded, unless the codebook advises otherwise.</a:t>
+              <a:t>Both positive and negative examples of a concept should be coded. (unless otherwise specified)</a:t>
             </a:r>
             <a:endParaRPr/>
           </a:p>
@@ -16557,7 +16520,7 @@
             </a:pPr>
             <a:r>
               <a:rPr lang="en"/>
-              <a:t>In this example, 'style guide' is described:</a:t>
+              <a:t>These are both examples of the code 'helpfulness':</a:t>
             </a:r>
             <a:endParaRPr/>
           </a:p>
@@ -16569,25 +16532,31 @@
               <a:spcAft>
                 <a:spcPts val="0"/>
               </a:spcAft>
-              <a:buClr>
-                <a:schemeClr val="accent1"/>
-              </a:buClr>
               <a:buSzPts val="1400"/>
               <a:buChar char="■"/>
             </a:pPr>
             <a:r>
-              <a:rPr lang="en">
-                <a:solidFill>
-                  <a:schemeClr val="accent1"/>
-                </a:solidFill>
-              </a:rPr>
-              <a:t>Use this code for description of UXD style guide, its structure, related practices, benefits and use. Style guide mainly focuses on usability implementation, but can also have UXD design components.</a:t>
-            </a:r>
-            <a:endParaRPr>
-              <a:solidFill>
-                <a:schemeClr val="accent1"/>
-              </a:solidFill>
-            </a:endParaRPr>
+              <a:rPr lang="en"/>
+              <a:t>You only need to ask him and he's happy to volunteer – making phone calls, sending out postcards – anything the organization needs, really.</a:t>
+            </a:r>
+            <a:endParaRPr/>
+          </a:p>
+          <a:p>
+            <a:pPr indent="-317500" lvl="2" marL="1371600" rtl="0" algn="l">
+              <a:spcBef>
+                <a:spcPts val="0"/>
+              </a:spcBef>
+              <a:spcAft>
+                <a:spcPts val="0"/>
+              </a:spcAft>
+              <a:buSzPts val="1400"/>
+              <a:buChar char="■"/>
+            </a:pPr>
+            <a:r>
+              <a:rPr lang="en"/>
+              <a:t>They are not good for the group. Even when you ask them explicitly, they won't help you.</a:t>
+            </a:r>
+            <a:endParaRPr/>
           </a:p>
           <a:p>
             <a:pPr indent="-317500" lvl="1" marL="914400" rtl="0" algn="l">
@@ -16602,7 +16571,7 @@
             </a:pPr>
             <a:r>
               <a:rPr lang="en"/>
-              <a:t>In this example, 'style guide' is demonstrated by example:</a:t>
+              <a:t>Positive or negative opinions/practices are also both coded:</a:t>
             </a:r>
             <a:endParaRPr/>
           </a:p>
@@ -16614,31 +16583,37 @@
               <a:spcAft>
                 <a:spcPts val="0"/>
               </a:spcAft>
-              <a:buClr>
-                <a:schemeClr val="accent1"/>
-              </a:buClr>
               <a:buSzPts val="1400"/>
               <a:buChar char="■"/>
             </a:pPr>
             <a:r>
-              <a:rPr lang="en">
-                <a:solidFill>
-                  <a:schemeClr val="accent1"/>
-                </a:solidFill>
-              </a:rPr>
-              <a:t>We also define the style guide. If we are not able to implement everything with base components, then we give out the style guide [saying] in which way the client departments have to develop.</a:t>
-            </a:r>
-            <a:endParaRPr>
-              <a:solidFill>
-                <a:schemeClr val="accent1"/>
-              </a:solidFill>
-            </a:endParaRPr>
+              <a:rPr lang="en"/>
+              <a:t>Organization does or doesn't engage in a practice</a:t>
+            </a:r>
+            <a:endParaRPr/>
+          </a:p>
+          <a:p>
+            <a:pPr indent="-317500" lvl="2" marL="1371600" rtl="0" algn="l">
+              <a:spcBef>
+                <a:spcPts val="0"/>
+              </a:spcBef>
+              <a:spcAft>
+                <a:spcPts val="0"/>
+              </a:spcAft>
+              <a:buSzPts val="1400"/>
+              <a:buChar char="■"/>
+            </a:pPr>
+            <a:r>
+              <a:rPr lang="en"/>
+              <a:t>Speaker does or doesn't approve of something</a:t>
+            </a:r>
+            <a:endParaRPr/>
           </a:p>
         </p:txBody>
       </p:sp>
       <p:sp>
         <p:nvSpPr>
-          <p:cNvPr id="306" name="Google Shape;306;p44"/>
+          <p:cNvPr id="307" name="Google Shape;307;p44"/>
           <p:cNvSpPr txBox="1"/>
           <p:nvPr>
             <p:ph idx="12" type="sldNum"/>
@@ -16646,8 +16621,8 @@
         </p:nvSpPr>
         <p:spPr>
           <a:xfrm>
-            <a:off x="7315202" y="4416550"/>
-            <a:ext cx="1828800" cy="731400"/>
+            <a:off x="7315209" y="4229101"/>
+            <a:ext cx="1828800" cy="914400"/>
           </a:xfrm>
           <a:prstGeom prst="rect">
             <a:avLst/>
@@ -16685,27 +16660,19 @@
               <a:buNone/>
             </a:pPr>
             <a:r>
-              <a:rPr b="0" lang="en" sz="900" u="sng">
+              <a:rPr b="0" lang="en" sz="1000" u="sng">
                 <a:solidFill>
                   <a:schemeClr val="hlink"/>
                 </a:solidFill>
                 <a:hlinkClick r:id="rId3"/>
               </a:rPr>
-              <a:t>https://profriehle.com</a:t>
-            </a:r>
-            <a:r>
-              <a:rPr b="0" lang="en" sz="900">
-                <a:solidFill>
-                  <a:schemeClr val="dk2"/>
-                </a:solidFill>
-              </a:rPr>
+              <a:t>uni1.de/nyt</a:t>
+            </a:r>
+            <a:r>
+              <a:rPr b="0" lang="en" sz="1000"/>
               <a:t> </a:t>
             </a:r>
-            <a:endParaRPr b="0" sz="900">
-              <a:solidFill>
-                <a:schemeClr val="dk2"/>
-              </a:solidFill>
-            </a:endParaRPr>
+            <a:endParaRPr b="0" sz="1000"/>
           </a:p>
         </p:txBody>
       </p:sp>
@@ -16722,7 +16689,7 @@
   <p:cSld>
     <p:spTree>
       <p:nvGrpSpPr>
-        <p:cNvPr id="310" name="Shape 310"/>
+        <p:cNvPr id="311" name="Shape 311"/>
         <p:cNvGrpSpPr/>
         <p:nvPr/>
       </p:nvGrpSpPr>
@@ -16736,7 +16703,7 @@
       </p:grpSpPr>
       <p:sp>
         <p:nvSpPr>
-          <p:cNvPr id="311" name="Google Shape;311;p45"/>
+          <p:cNvPr id="312" name="Google Shape;312;p45"/>
           <p:cNvSpPr txBox="1"/>
           <p:nvPr>
             <p:ph type="title"/>
@@ -16768,7 +16735,7 @@
             </a:pPr>
             <a:r>
               <a:rPr lang="en"/>
-              <a:t>Research Questions</a:t>
+              <a:t>Descriptions and Examples</a:t>
             </a:r>
             <a:endParaRPr/>
           </a:p>
@@ -16776,7 +16743,7 @@
       </p:sp>
       <p:sp>
         <p:nvSpPr>
-          <p:cNvPr id="312" name="Google Shape;312;p45"/>
+          <p:cNvPr id="313" name="Google Shape;313;p45"/>
           <p:cNvSpPr txBox="1"/>
           <p:nvPr>
             <p:ph idx="1" type="body"/>
@@ -16809,24 +16776,75 @@
             </a:pPr>
             <a:r>
               <a:rPr lang="en"/>
-              <a:t>Our research question: What are the best practices of user experience design in software product lines?</a:t>
-            </a:r>
-            <a:endParaRPr/>
-          </a:p>
-          <a:p>
-            <a:pPr indent="-342900" lvl="0" marL="457200" rtl="0" algn="l">
-              <a:spcBef>
-                <a:spcPts val="0"/>
-              </a:spcBef>
-              <a:spcAft>
-                <a:spcPts val="0"/>
-              </a:spcAft>
-              <a:buSzPts val="1800"/>
-              <a:buChar char="●"/>
-            </a:pPr>
-            <a:r>
-              <a:rPr lang="en"/>
-              <a:t>For the conclusion you can come up with your own question.</a:t>
+              <a:t>Both descriptions and examples should be coded, unless the codebook advises otherwise.</a:t>
+            </a:r>
+            <a:endParaRPr/>
+          </a:p>
+          <a:p>
+            <a:pPr indent="-317500" lvl="1" marL="914400" rtl="0" algn="l">
+              <a:spcBef>
+                <a:spcPts val="0"/>
+              </a:spcBef>
+              <a:spcAft>
+                <a:spcPts val="0"/>
+              </a:spcAft>
+              <a:buSzPts val="1400"/>
+              <a:buChar char="○"/>
+            </a:pPr>
+            <a:r>
+              <a:rPr lang="en"/>
+              <a:t>In this example, 'style guide' is described:</a:t>
+            </a:r>
+            <a:endParaRPr/>
+          </a:p>
+          <a:p>
+            <a:pPr indent="-317500" lvl="2" marL="1371600" rtl="0" algn="l">
+              <a:spcBef>
+                <a:spcPts val="0"/>
+              </a:spcBef>
+              <a:spcAft>
+                <a:spcPts val="0"/>
+              </a:spcAft>
+              <a:buSzPts val="1400"/>
+              <a:buChar char="■"/>
+            </a:pPr>
+            <a:r>
+              <a:rPr lang="en"/>
+              <a:t>Use this code for description of UXD style guide, its structure, related practices, benefits and use. Style guide mainly focuses on usability implementation, but can also have UXD design components.</a:t>
+            </a:r>
+            <a:endParaRPr/>
+          </a:p>
+          <a:p>
+            <a:pPr indent="-317500" lvl="1" marL="914400" rtl="0" algn="l">
+              <a:spcBef>
+                <a:spcPts val="0"/>
+              </a:spcBef>
+              <a:spcAft>
+                <a:spcPts val="0"/>
+              </a:spcAft>
+              <a:buSzPts val="1400"/>
+              <a:buChar char="○"/>
+            </a:pPr>
+            <a:r>
+              <a:rPr lang="en"/>
+              <a:t>In this example, 'style guide' is demonstrated by example:</a:t>
+            </a:r>
+            <a:endParaRPr/>
+          </a:p>
+          <a:p>
+            <a:pPr indent="-317500" lvl="2" marL="1371600" rtl="0" algn="l">
+              <a:spcBef>
+                <a:spcPts val="0"/>
+              </a:spcBef>
+              <a:spcAft>
+                <a:spcPts val="0"/>
+              </a:spcAft>
+              <a:buSzPts val="1400"/>
+              <a:buChar char="■"/>
+            </a:pPr>
+            <a:r>
+              <a:rPr lang="en"/>
+              <a:t>We also define the style guide. If we are not able to implement everything with base components, then we give out the style guide [saying] in which way the client departments have to develop.</a:t>
             </a:r>
             <a:endParaRPr/>
           </a:p>
@@ -16834,7 +16852,7 @@
       </p:sp>
       <p:sp>
         <p:nvSpPr>
-          <p:cNvPr id="313" name="Google Shape;313;p45"/>
+          <p:cNvPr id="314" name="Google Shape;314;p45"/>
           <p:cNvSpPr txBox="1"/>
           <p:nvPr>
             <p:ph idx="12" type="sldNum"/>
@@ -16842,8 +16860,8 @@
         </p:nvSpPr>
         <p:spPr>
           <a:xfrm>
-            <a:off x="7315202" y="4416550"/>
-            <a:ext cx="1828800" cy="731400"/>
+            <a:off x="7315209" y="4229101"/>
+            <a:ext cx="1828800" cy="914400"/>
           </a:xfrm>
           <a:prstGeom prst="rect">
             <a:avLst/>
@@ -16881,27 +16899,19 @@
               <a:buNone/>
             </a:pPr>
             <a:r>
-              <a:rPr b="0" lang="en" sz="900" u="sng">
+              <a:rPr b="0" lang="en" sz="1000" u="sng">
                 <a:solidFill>
                   <a:schemeClr val="hlink"/>
                 </a:solidFill>
                 <a:hlinkClick r:id="rId3"/>
               </a:rPr>
-              <a:t>https://profriehle.com</a:t>
-            </a:r>
-            <a:r>
-              <a:rPr b="0" lang="en" sz="900">
-                <a:solidFill>
-                  <a:schemeClr val="dk2"/>
-                </a:solidFill>
-              </a:rPr>
+              <a:t>uni1.de/nyt</a:t>
+            </a:r>
+            <a:r>
+              <a:rPr b="0" lang="en" sz="1000"/>
               <a:t> </a:t>
             </a:r>
-            <a:endParaRPr b="0" sz="900">
-              <a:solidFill>
-                <a:schemeClr val="dk2"/>
-              </a:solidFill>
-            </a:endParaRPr>
+            <a:endParaRPr b="0" sz="1000"/>
           </a:p>
         </p:txBody>
       </p:sp>
@@ -16918,7 +16928,7 @@
   <p:cSld>
     <p:spTree>
       <p:nvGrpSpPr>
-        <p:cNvPr id="317" name="Shape 317"/>
+        <p:cNvPr id="318" name="Shape 318"/>
         <p:cNvGrpSpPr/>
         <p:nvPr/>
       </p:nvGrpSpPr>
@@ -16932,39 +16942,39 @@
       </p:grpSpPr>
       <p:sp>
         <p:nvSpPr>
-          <p:cNvPr id="318" name="Google Shape;318;p46"/>
+          <p:cNvPr id="319" name="Google Shape;319;p46"/>
           <p:cNvSpPr txBox="1"/>
           <p:nvPr>
-            <p:ph type="ctrTitle"/>
+            <p:ph type="title"/>
           </p:nvPr>
         </p:nvSpPr>
         <p:spPr>
           <a:xfrm>
             <a:off x="0" y="0"/>
-            <a:ext cx="9144000" cy="2388900"/>
+            <a:ext cx="9144000" cy="685800"/>
           </a:xfrm>
           <a:prstGeom prst="rect">
             <a:avLst/>
           </a:prstGeom>
         </p:spPr>
         <p:txBody>
-          <a:bodyPr anchorCtr="0" anchor="b" bIns="274300" lIns="91425" spcFirstLastPara="1" rIns="91425" wrap="square" tIns="91425">
+          <a:bodyPr anchorCtr="0" anchor="ctr" bIns="91425" lIns="274300" spcFirstLastPara="1" rIns="91425" wrap="square" tIns="91425">
             <a:noAutofit/>
           </a:bodyPr>
           <a:lstStyle/>
           <a:p>
-            <a:pPr indent="0" lvl="0" marL="0" rtl="0" algn="ctr">
-              <a:spcBef>
-                <a:spcPts val="0"/>
-              </a:spcBef>
-              <a:spcAft>
-                <a:spcPts val="0"/>
-              </a:spcAft>
-              <a:buNone/>
-            </a:pPr>
-            <a:r>
-              <a:rPr lang="en"/>
-              <a:t>Thank you! Any questions?</a:t>
+            <a:pPr indent="0" lvl="0" marL="0" rtl="0" algn="l">
+              <a:spcBef>
+                <a:spcPts val="0"/>
+              </a:spcBef>
+              <a:spcAft>
+                <a:spcPts val="0"/>
+              </a:spcAft>
+              <a:buNone/>
+            </a:pPr>
+            <a:r>
+              <a:rPr lang="en"/>
+              <a:t>Research Questions</a:t>
             </a:r>
             <a:endParaRPr/>
           </a:p>
@@ -16972,120 +16982,132 @@
       </p:sp>
       <p:sp>
         <p:nvSpPr>
-          <p:cNvPr id="319" name="Google Shape;319;p46"/>
+          <p:cNvPr id="320" name="Google Shape;320;p46"/>
           <p:cNvSpPr txBox="1"/>
           <p:nvPr>
-            <p:ph idx="1" type="subTitle"/>
+            <p:ph idx="1" type="body"/>
           </p:nvPr>
         </p:nvSpPr>
         <p:spPr>
           <a:xfrm>
-            <a:off x="0" y="2569475"/>
-            <a:ext cx="9144000" cy="2574000"/>
+            <a:off x="274320" y="914400"/>
+            <a:ext cx="8595300" cy="4114800"/>
           </a:xfrm>
           <a:prstGeom prst="rect">
             <a:avLst/>
           </a:prstGeom>
         </p:spPr>
         <p:txBody>
-          <a:bodyPr anchorCtr="0" anchor="t" bIns="91425" lIns="91425" spcFirstLastPara="1" rIns="91425" wrap="square" tIns="274300">
+          <a:bodyPr anchorCtr="0" anchor="t" bIns="0" lIns="0" spcFirstLastPara="1" rIns="0" wrap="square" tIns="0">
             <a:noAutofit/>
           </a:bodyPr>
           <a:lstStyle/>
           <a:p>
-            <a:pPr indent="0" lvl="0" marL="0" rtl="0" algn="ctr">
-              <a:lnSpc>
-                <a:spcPct val="150000"/>
-              </a:lnSpc>
-              <a:spcBef>
-                <a:spcPts val="0"/>
-              </a:spcBef>
-              <a:spcAft>
-                <a:spcPts val="0"/>
-              </a:spcAft>
-              <a:buNone/>
-            </a:pPr>
-            <a:r>
-              <a:rPr lang="en" u="sng">
+            <a:pPr indent="-342900" lvl="0" marL="457200" rtl="0" algn="l">
+              <a:spcBef>
+                <a:spcPts val="0"/>
+              </a:spcBef>
+              <a:spcAft>
+                <a:spcPts val="0"/>
+              </a:spcAft>
+              <a:buSzPts val="1800"/>
+              <a:buChar char="●"/>
+            </a:pPr>
+            <a:r>
+              <a:rPr lang="en"/>
+              <a:t>Our research question: What are</a:t>
+            </a:r>
+            <a:r>
+              <a:rPr lang="en"/>
+              <a:t> the most important</a:t>
+            </a:r>
+            <a:r>
+              <a:rPr lang="en"/>
+              <a:t> challenges for remote work, and how are they addressed in industry?</a:t>
+            </a:r>
+            <a:endParaRPr/>
+          </a:p>
+          <a:p>
+            <a:pPr indent="-342900" lvl="0" marL="457200" rtl="0" algn="l">
+              <a:spcBef>
+                <a:spcPts val="0"/>
+              </a:spcBef>
+              <a:spcAft>
+                <a:spcPts val="0"/>
+              </a:spcAft>
+              <a:buSzPts val="1800"/>
+              <a:buChar char="●"/>
+            </a:pPr>
+            <a:r>
+              <a:rPr lang="en"/>
+              <a:t>For the conclusion you can come up with your own question.</a:t>
+            </a:r>
+            <a:endParaRPr/>
+          </a:p>
+        </p:txBody>
+      </p:sp>
+      <p:sp>
+        <p:nvSpPr>
+          <p:cNvPr id="321" name="Google Shape;321;p46"/>
+          <p:cNvSpPr txBox="1"/>
+          <p:nvPr>
+            <p:ph idx="12" type="sldNum"/>
+          </p:nvPr>
+        </p:nvSpPr>
+        <p:spPr>
+          <a:xfrm>
+            <a:off x="7315209" y="4229101"/>
+            <a:ext cx="1828800" cy="914400"/>
+          </a:xfrm>
+          <a:prstGeom prst="rect">
+            <a:avLst/>
+          </a:prstGeom>
+        </p:spPr>
+        <p:txBody>
+          <a:bodyPr anchorCtr="0" anchor="b" bIns="91425" lIns="91425" spcFirstLastPara="1" rIns="91425" wrap="square" tIns="91425">
+            <a:noAutofit/>
+          </a:bodyPr>
+          <a:lstStyle/>
+          <a:p>
+            <a:pPr indent="0" lvl="0" marL="0" rtl="0" algn="r">
+              <a:spcBef>
+                <a:spcPts val="0"/>
+              </a:spcBef>
+              <a:spcAft>
+                <a:spcPts val="0"/>
+              </a:spcAft>
+              <a:buNone/>
+            </a:pPr>
+            <a:fld id="{00000000-1234-1234-1234-123412341234}" type="slidenum">
+              <a:rPr lang="en"/>
+              <a:t>‹#›</a:t>
+            </a:fld>
+            <a:endParaRPr/>
+          </a:p>
+          <a:p>
+            <a:pPr indent="0" lvl="0" marL="0" rtl="0" algn="r">
+              <a:spcBef>
+                <a:spcPts val="0"/>
+              </a:spcBef>
+              <a:spcAft>
+                <a:spcPts val="0"/>
+              </a:spcAft>
+              <a:buNone/>
+            </a:pPr>
+            <a:r>
+              <a:rPr b="0" lang="en" sz="1000" u="sng">
                 <a:solidFill>
                   <a:schemeClr val="hlink"/>
                 </a:solidFill>
                 <a:hlinkClick r:id="rId3"/>
               </a:rPr>
-              <a:t>dirk.riehle@fau.de</a:t>
-            </a:r>
-            <a:r>
-              <a:rPr lang="en"/>
+              <a:t>uni1.de/nyt</a:t>
+            </a:r>
+            <a:r>
+              <a:rPr b="0" lang="en" sz="1000"/>
               <a:t> </a:t>
             </a:r>
-            <a:r>
-              <a:rPr lang="en" sz="2400"/>
-              <a:t>–</a:t>
-            </a:r>
-            <a:r>
-              <a:rPr lang="en"/>
-              <a:t> </a:t>
-            </a:r>
-            <a:r>
-              <a:rPr lang="en" u="sng">
-                <a:solidFill>
-                  <a:schemeClr val="hlink"/>
-                </a:solidFill>
-                <a:hlinkClick r:id="rId4"/>
-              </a:rPr>
-              <a:t>https://oss.cs.fau.de</a:t>
-            </a:r>
-            <a:endParaRPr/>
-          </a:p>
-          <a:p>
-            <a:pPr indent="0" lvl="0" marL="0" rtl="0" algn="ctr">
-              <a:lnSpc>
-                <a:spcPct val="150000"/>
-              </a:lnSpc>
-              <a:spcBef>
-                <a:spcPts val="0"/>
-              </a:spcBef>
-              <a:spcAft>
-                <a:spcPts val="0"/>
-              </a:spcAft>
-              <a:buNone/>
-            </a:pPr>
-            <a:r>
-              <a:rPr lang="en" sz="2400" u="sng">
-                <a:solidFill>
-                  <a:schemeClr val="hlink"/>
-                </a:solidFill>
-                <a:hlinkClick r:id="rId5"/>
-              </a:rPr>
-              <a:t>dirk@riehle.org</a:t>
-            </a:r>
-            <a:r>
-              <a:rPr lang="en" sz="2400"/>
-              <a:t> – </a:t>
-            </a:r>
-            <a:r>
-              <a:rPr lang="en" sz="2400" u="sng">
-                <a:solidFill>
-                  <a:schemeClr val="hlink"/>
-                </a:solidFill>
-                <a:hlinkClick r:id="rId6"/>
-              </a:rPr>
-              <a:t>https://dirkriehle.com</a:t>
-            </a:r>
-            <a:r>
-              <a:rPr lang="en" sz="2400"/>
-              <a:t> – </a:t>
-            </a:r>
-            <a:r>
-              <a:rPr lang="en" sz="2400" u="sng">
-                <a:solidFill>
-                  <a:schemeClr val="hlink"/>
-                </a:solidFill>
-                <a:hlinkClick r:id="rId7"/>
-              </a:rPr>
-              <a:t>@dirkriehle</a:t>
-            </a:r>
-            <a:endParaRPr sz="2400"/>
+            <a:endParaRPr b="0" sz="1000"/>
           </a:p>
         </p:txBody>
       </p:sp>
@@ -17102,7 +17124,7 @@
   <p:cSld>
     <p:spTree>
       <p:nvGrpSpPr>
-        <p:cNvPr id="53" name="Shape 53"/>
+        <p:cNvPr id="54" name="Shape 54"/>
         <p:cNvGrpSpPr/>
         <p:nvPr/>
       </p:nvGrpSpPr>
@@ -17116,7 +17138,7 @@
       </p:grpSpPr>
       <p:sp>
         <p:nvSpPr>
-          <p:cNvPr id="54" name="Google Shape;54;p11"/>
+          <p:cNvPr id="55" name="Google Shape;55;p11"/>
           <p:cNvSpPr txBox="1"/>
           <p:nvPr>
             <p:ph type="title"/>
@@ -17156,7 +17178,7 @@
       </p:sp>
       <p:sp>
         <p:nvSpPr>
-          <p:cNvPr id="55" name="Google Shape;55;p11"/>
+          <p:cNvPr id="56" name="Google Shape;56;p11"/>
           <p:cNvSpPr txBox="1"/>
           <p:nvPr>
             <p:ph idx="1" type="body"/>
@@ -17314,7 +17336,7 @@
       </p:sp>
       <p:sp>
         <p:nvSpPr>
-          <p:cNvPr id="56" name="Google Shape;56;p11"/>
+          <p:cNvPr id="57" name="Google Shape;57;p11"/>
           <p:cNvSpPr txBox="1"/>
           <p:nvPr>
             <p:ph idx="12" type="sldNum"/>
@@ -17322,8 +17344,8 @@
         </p:nvSpPr>
         <p:spPr>
           <a:xfrm>
-            <a:off x="7315202" y="4416550"/>
-            <a:ext cx="1828800" cy="731400"/>
+            <a:off x="7315209" y="4229101"/>
+            <a:ext cx="1828800" cy="914400"/>
           </a:xfrm>
           <a:prstGeom prst="rect">
             <a:avLst/>
@@ -17361,27 +17383,19 @@
               <a:buNone/>
             </a:pPr>
             <a:r>
-              <a:rPr b="0" lang="en" sz="900" u="sng">
+              <a:rPr b="0" lang="en" sz="1000" u="sng">
                 <a:solidFill>
                   <a:schemeClr val="hlink"/>
                 </a:solidFill>
                 <a:hlinkClick r:id="rId3"/>
               </a:rPr>
-              <a:t>https://profriehle.com</a:t>
-            </a:r>
-            <a:r>
-              <a:rPr b="0" lang="en" sz="900">
-                <a:solidFill>
-                  <a:schemeClr val="dk2"/>
-                </a:solidFill>
-              </a:rPr>
+              <a:t>uni1.de/nyt</a:t>
+            </a:r>
+            <a:r>
+              <a:rPr b="0" lang="en" sz="1000"/>
               <a:t> </a:t>
             </a:r>
-            <a:endParaRPr b="0" sz="900">
-              <a:solidFill>
-                <a:schemeClr val="dk2"/>
-              </a:solidFill>
-            </a:endParaRPr>
+            <a:endParaRPr b="0" sz="1000"/>
           </a:p>
         </p:txBody>
       </p:sp>
@@ -17398,7 +17412,7 @@
   <p:cSld>
     <p:spTree>
       <p:nvGrpSpPr>
-        <p:cNvPr id="323" name="Shape 323"/>
+        <p:cNvPr id="325" name="Shape 325"/>
         <p:cNvGrpSpPr/>
         <p:nvPr/>
       </p:nvGrpSpPr>
@@ -17412,39 +17426,39 @@
       </p:grpSpPr>
       <p:sp>
         <p:nvSpPr>
-          <p:cNvPr id="324" name="Google Shape;324;p47"/>
+          <p:cNvPr id="326" name="Google Shape;326;p47"/>
           <p:cNvSpPr txBox="1"/>
           <p:nvPr>
-            <p:ph type="title"/>
+            <p:ph type="ctrTitle"/>
           </p:nvPr>
         </p:nvSpPr>
         <p:spPr>
           <a:xfrm>
             <a:off x="0" y="0"/>
-            <a:ext cx="9144000" cy="685800"/>
+            <a:ext cx="9144000" cy="2388900"/>
           </a:xfrm>
           <a:prstGeom prst="rect">
             <a:avLst/>
           </a:prstGeom>
         </p:spPr>
         <p:txBody>
-          <a:bodyPr anchorCtr="0" anchor="ctr" bIns="91425" lIns="274300" spcFirstLastPara="1" rIns="91425" wrap="square" tIns="91425">
+          <a:bodyPr anchorCtr="0" anchor="b" bIns="274300" lIns="91425" spcFirstLastPara="1" rIns="91425" wrap="square" tIns="91425">
             <a:noAutofit/>
           </a:bodyPr>
           <a:lstStyle/>
           <a:p>
-            <a:pPr indent="0" lvl="0" marL="0" rtl="0" algn="l">
-              <a:spcBef>
-                <a:spcPts val="0"/>
-              </a:spcBef>
-              <a:spcAft>
-                <a:spcPts val="0"/>
-              </a:spcAft>
-              <a:buNone/>
-            </a:pPr>
-            <a:r>
-              <a:rPr lang="en"/>
-              <a:t>Legal Notices</a:t>
+            <a:pPr indent="0" lvl="0" marL="0" rtl="0" algn="ctr">
+              <a:spcBef>
+                <a:spcPts val="0"/>
+              </a:spcBef>
+              <a:spcAft>
+                <a:spcPts val="0"/>
+              </a:spcAft>
+              <a:buNone/>
+            </a:pPr>
+            <a:r>
+              <a:rPr lang="en"/>
+              <a:t>Thank you! Any questions?</a:t>
             </a:r>
             <a:endParaRPr/>
           </a:p>
@@ -17452,129 +17466,59 @@
       </p:sp>
       <p:sp>
         <p:nvSpPr>
-          <p:cNvPr id="325" name="Google Shape;325;p47"/>
+          <p:cNvPr id="327" name="Google Shape;327;p47"/>
           <p:cNvSpPr txBox="1"/>
           <p:nvPr>
-            <p:ph idx="12" type="sldNum"/>
+            <p:ph idx="1" type="subTitle"/>
           </p:nvPr>
         </p:nvSpPr>
         <p:spPr>
           <a:xfrm>
-            <a:off x="7315202" y="4416550"/>
-            <a:ext cx="1828800" cy="731400"/>
+            <a:off x="0" y="2569475"/>
+            <a:ext cx="9144000" cy="2574000"/>
           </a:xfrm>
           <a:prstGeom prst="rect">
             <a:avLst/>
           </a:prstGeom>
         </p:spPr>
         <p:txBody>
-          <a:bodyPr anchorCtr="0" anchor="b" bIns="91425" lIns="91425" spcFirstLastPara="1" rIns="91425" wrap="square" tIns="91425">
+          <a:bodyPr anchorCtr="0" anchor="t" bIns="91425" lIns="91425" spcFirstLastPara="1" rIns="91425" wrap="square" tIns="274300">
             <a:noAutofit/>
           </a:bodyPr>
           <a:lstStyle/>
           <a:p>
-            <a:pPr indent="0" lvl="0" marL="0" rtl="0" algn="r">
-              <a:spcBef>
-                <a:spcPts val="0"/>
-              </a:spcBef>
-              <a:spcAft>
-                <a:spcPts val="0"/>
-              </a:spcAft>
-              <a:buNone/>
-            </a:pPr>
-            <a:fld id="{00000000-1234-1234-1234-123412341234}" type="slidenum">
-              <a:rPr lang="en"/>
-              <a:t>‹#›</a:t>
-            </a:fld>
-            <a:endParaRPr/>
-          </a:p>
-          <a:p>
-            <a:pPr indent="0" lvl="0" marL="0" rtl="0" algn="r">
-              <a:spcBef>
-                <a:spcPts val="0"/>
-              </a:spcBef>
-              <a:spcAft>
-                <a:spcPts val="0"/>
-              </a:spcAft>
-              <a:buNone/>
-            </a:pPr>
-            <a:r>
-              <a:rPr b="0" lang="en" sz="900" u="sng">
+            <a:pPr indent="0" lvl="0" marL="0" rtl="0" algn="ctr">
+              <a:lnSpc>
+                <a:spcPct val="150000"/>
+              </a:lnSpc>
+              <a:spcBef>
+                <a:spcPts val="0"/>
+              </a:spcBef>
+              <a:spcAft>
+                <a:spcPts val="0"/>
+              </a:spcAft>
+              <a:buNone/>
+            </a:pPr>
+            <a:r>
+              <a:rPr lang="en" u="sng">
                 <a:solidFill>
                   <a:schemeClr val="hlink"/>
                 </a:solidFill>
                 <a:hlinkClick r:id="rId3"/>
               </a:rPr>
-              <a:t>https://profriehle.com</a:t>
-            </a:r>
-            <a:r>
-              <a:rPr b="0" lang="en" sz="900">
-                <a:solidFill>
-                  <a:schemeClr val="dk2"/>
-                </a:solidFill>
-              </a:rPr>
+              <a:t>dirk.riehle@fau.de</a:t>
+            </a:r>
+            <a:r>
+              <a:rPr lang="en"/>
               <a:t> </a:t>
             </a:r>
-            <a:endParaRPr b="0" sz="900">
-              <a:solidFill>
-                <a:schemeClr val="dk2"/>
-              </a:solidFill>
-            </a:endParaRPr>
-          </a:p>
-        </p:txBody>
-      </p:sp>
-      <p:sp>
-        <p:nvSpPr>
-          <p:cNvPr id="326" name="Google Shape;326;p47"/>
-          <p:cNvSpPr txBox="1"/>
-          <p:nvPr>
-            <p:ph idx="1" type="body"/>
-          </p:nvPr>
-        </p:nvSpPr>
-        <p:spPr>
-          <a:xfrm>
-            <a:off x="274320" y="914400"/>
-            <a:ext cx="8595300" cy="4114800"/>
-          </a:xfrm>
-          <a:prstGeom prst="rect">
-            <a:avLst/>
-          </a:prstGeom>
-        </p:spPr>
-        <p:txBody>
-          <a:bodyPr anchorCtr="0" anchor="t" bIns="0" lIns="0" spcFirstLastPara="1" rIns="0" wrap="square" tIns="0">
-            <a:noAutofit/>
-          </a:bodyPr>
-          <a:lstStyle/>
-          <a:p>
-            <a:pPr indent="0" lvl="0" marL="0" rtl="0" algn="l">
-              <a:spcBef>
-                <a:spcPts val="0"/>
-              </a:spcBef>
-              <a:spcAft>
-                <a:spcPts val="0"/>
-              </a:spcAft>
-              <a:buNone/>
-            </a:pPr>
-            <a:r>
-              <a:rPr lang="en"/>
-              <a:t>License</a:t>
-            </a:r>
-            <a:endParaRPr/>
-          </a:p>
-          <a:p>
-            <a:pPr indent="-342900" lvl="0" marL="457200" rtl="0" algn="l">
-              <a:spcBef>
-                <a:spcPts val="1200"/>
-              </a:spcBef>
-              <a:spcAft>
-                <a:spcPts val="0"/>
-              </a:spcAft>
-              <a:buSzPts val="1800"/>
-              <a:buChar char="●"/>
-            </a:pPr>
-            <a:r>
-              <a:rPr lang="en"/>
-              <a:t>Licensed under the </a:t>
+            <a:r>
+              <a:rPr lang="en" sz="2400"/>
+              <a:t>–</a:t>
+            </a:r>
+            <a:r>
+              <a:rPr lang="en"/>
+              <a:t> </a:t>
             </a:r>
             <a:r>
               <a:rPr lang="en" u="sng">
@@ -17583,119 +17527,59 @@
                 </a:solidFill>
                 <a:hlinkClick r:id="rId4"/>
               </a:rPr>
-              <a:t>CC BY 4.0 International</a:t>
-            </a:r>
-            <a:r>
-              <a:rPr lang="en"/>
-              <a:t> license</a:t>
-            </a:r>
-            <a:endParaRPr/>
-          </a:p>
-          <a:p>
-            <a:pPr indent="0" lvl="0" marL="0" rtl="0" algn="l">
-              <a:spcBef>
-                <a:spcPts val="1200"/>
-              </a:spcBef>
-              <a:spcAft>
-                <a:spcPts val="0"/>
-              </a:spcAft>
-              <a:buNone/>
-            </a:pPr>
-            <a:r>
-              <a:rPr lang="en"/>
-              <a:t>Copyright</a:t>
-            </a:r>
-            <a:endParaRPr/>
-          </a:p>
-          <a:p>
-            <a:pPr indent="-342900" lvl="0" marL="457200" rtl="0" algn="l">
-              <a:spcBef>
-                <a:spcPts val="1200"/>
-              </a:spcBef>
-              <a:spcAft>
-                <a:spcPts val="0"/>
-              </a:spcAft>
-              <a:buSzPts val="1800"/>
-              <a:buChar char="●"/>
-            </a:pPr>
-            <a:r>
-              <a:rPr lang="en"/>
-              <a:t>© 2012-2023 Dirk Riehle, some rights reserved</a:t>
-            </a:r>
-            <a:endParaRPr/>
-          </a:p>
-          <a:p>
-            <a:pPr indent="-342900" lvl="0" marL="457200" rtl="0" algn="l">
-              <a:spcBef>
-                <a:spcPts val="0"/>
-              </a:spcBef>
-              <a:spcAft>
-                <a:spcPts val="0"/>
-              </a:spcAft>
-              <a:buSzPts val="1800"/>
-              <a:buChar char="●"/>
-            </a:pPr>
-            <a:r>
-              <a:rPr lang="en"/>
-              <a:t>© </a:t>
-            </a:r>
-            <a:r>
-              <a:rPr lang="en"/>
-              <a:t>20</a:t>
-            </a:r>
-            <a:r>
-              <a:rPr lang="en"/>
-              <a:t>15-2023 Univ. Erlangen, some rights reserved</a:t>
-            </a:r>
-            <a:endParaRPr/>
-          </a:p>
-          <a:p>
-            <a:pPr indent="0" lvl="0" marL="0" rtl="0" algn="l">
-              <a:spcBef>
-                <a:spcPts val="1200"/>
-              </a:spcBef>
-              <a:spcAft>
-                <a:spcPts val="0"/>
-              </a:spcAft>
-              <a:buNone/>
-            </a:pPr>
-            <a:r>
-              <a:rPr lang="en"/>
-              <a:t>Co-authors</a:t>
-            </a:r>
-            <a:endParaRPr/>
-          </a:p>
-          <a:p>
-            <a:pPr indent="-342900" lvl="0" marL="457200" rtl="0" algn="l">
-              <a:spcBef>
-                <a:spcPts val="1200"/>
-              </a:spcBef>
-              <a:spcAft>
-                <a:spcPts val="0"/>
-              </a:spcAft>
-              <a:buSzPts val="1800"/>
-              <a:buChar char="●"/>
-            </a:pPr>
-            <a:r>
-              <a:rPr lang="en"/>
-              <a:t>2015-2023 Andreas Kaufmann</a:t>
-            </a:r>
-            <a:endParaRPr/>
-          </a:p>
-          <a:p>
-            <a:pPr indent="0" lvl="0" marL="0" rtl="0" algn="l">
-              <a:spcBef>
-                <a:spcPts val="1200"/>
-              </a:spcBef>
-              <a:spcAft>
-                <a:spcPts val="1200"/>
-              </a:spcAft>
-              <a:buNone/>
-            </a:pPr>
-            <a:r>
-              <a:t/>
-            </a:r>
-            <a:endParaRPr/>
+              <a:t>https://oss.cs.fau.de</a:t>
+            </a:r>
+            <a:endParaRPr/>
+          </a:p>
+          <a:p>
+            <a:pPr indent="0" lvl="0" marL="0" rtl="0" algn="ctr">
+              <a:lnSpc>
+                <a:spcPct val="150000"/>
+              </a:lnSpc>
+              <a:spcBef>
+                <a:spcPts val="0"/>
+              </a:spcBef>
+              <a:spcAft>
+                <a:spcPts val="0"/>
+              </a:spcAft>
+              <a:buNone/>
+            </a:pPr>
+            <a:r>
+              <a:rPr lang="en" sz="2400" u="sng">
+                <a:solidFill>
+                  <a:schemeClr val="hlink"/>
+                </a:solidFill>
+                <a:hlinkClick r:id="rId5"/>
+              </a:rPr>
+              <a:t>dirk@riehle.org</a:t>
+            </a:r>
+            <a:r>
+              <a:rPr lang="en" sz="2400"/>
+              <a:t> – </a:t>
+            </a:r>
+            <a:r>
+              <a:rPr lang="en" sz="2400" u="sng">
+                <a:solidFill>
+                  <a:schemeClr val="hlink"/>
+                </a:solidFill>
+                <a:hlinkClick r:id="rId6"/>
+              </a:rPr>
+              <a:t>https://dirkriehle.com</a:t>
+            </a:r>
+            <a:r>
+              <a:rPr lang="en" sz="2400"/>
+              <a:t> – </a:t>
+            </a:r>
+            <a:r>
+              <a:rPr lang="en" sz="2400" u="sng">
+                <a:solidFill>
+                  <a:schemeClr val="hlink"/>
+                </a:solidFill>
+                <a:hlinkClick r:id="rId7"/>
+              </a:rPr>
+              <a:t>@dirkriehle</a:t>
+            </a:r>
+            <a:endParaRPr sz="2400"/>
           </a:p>
         </p:txBody>
       </p:sp>
@@ -17712,7 +17596,7 @@
   <p:cSld>
     <p:spTree>
       <p:nvGrpSpPr>
-        <p:cNvPr id="330" name="Shape 330"/>
+        <p:cNvPr id="331" name="Shape 331"/>
         <p:cNvGrpSpPr/>
         <p:nvPr/>
       </p:nvGrpSpPr>
@@ -17726,7 +17610,7 @@
       </p:grpSpPr>
       <p:sp>
         <p:nvSpPr>
-          <p:cNvPr id="331" name="Google Shape;331;p48"/>
+          <p:cNvPr id="332" name="Google Shape;332;p48"/>
           <p:cNvSpPr txBox="1"/>
           <p:nvPr>
             <p:ph type="title"/>
@@ -17758,7 +17642,7 @@
             </a:pPr>
             <a:r>
               <a:rPr lang="en"/>
-              <a:t>Different Methods</a:t>
+              <a:t>Legal Notices</a:t>
             </a:r>
             <a:endParaRPr/>
           </a:p>
@@ -17766,7 +17650,7 @@
       </p:sp>
       <p:sp>
         <p:nvSpPr>
-          <p:cNvPr id="332" name="Google Shape;332;p48"/>
+          <p:cNvPr id="333" name="Google Shape;333;p48"/>
           <p:cNvSpPr txBox="1"/>
           <p:nvPr>
             <p:ph idx="12" type="sldNum"/>
@@ -17774,8 +17658,8 @@
         </p:nvSpPr>
         <p:spPr>
           <a:xfrm>
-            <a:off x="7315202" y="4416550"/>
-            <a:ext cx="1828800" cy="731400"/>
+            <a:off x="7315209" y="4229101"/>
+            <a:ext cx="1828800" cy="914400"/>
           </a:xfrm>
           <a:prstGeom prst="rect">
             <a:avLst/>
@@ -17813,33 +17697,331 @@
               <a:buNone/>
             </a:pPr>
             <a:r>
-              <a:rPr b="0" lang="en" sz="900" u="sng">
+              <a:rPr b="0" lang="en" sz="1000" u="sng">
                 <a:solidFill>
                   <a:schemeClr val="hlink"/>
                 </a:solidFill>
                 <a:hlinkClick r:id="rId3"/>
               </a:rPr>
-              <a:t>https://profriehle.com</a:t>
-            </a:r>
-            <a:r>
-              <a:rPr b="0" lang="en" sz="900">
+              <a:t>uni1.de/nyt</a:t>
+            </a:r>
+            <a:r>
+              <a:rPr b="0" lang="en" sz="1000"/>
+              <a:t> </a:t>
+            </a:r>
+            <a:endParaRPr b="0" sz="1000"/>
+          </a:p>
+        </p:txBody>
+      </p:sp>
+      <p:sp>
+        <p:nvSpPr>
+          <p:cNvPr id="334" name="Google Shape;334;p48"/>
+          <p:cNvSpPr txBox="1"/>
+          <p:nvPr>
+            <p:ph idx="1" type="body"/>
+          </p:nvPr>
+        </p:nvSpPr>
+        <p:spPr>
+          <a:xfrm>
+            <a:off x="274320" y="914400"/>
+            <a:ext cx="8595300" cy="4114800"/>
+          </a:xfrm>
+          <a:prstGeom prst="rect">
+            <a:avLst/>
+          </a:prstGeom>
+        </p:spPr>
+        <p:txBody>
+          <a:bodyPr anchorCtr="0" anchor="t" bIns="0" lIns="0" spcFirstLastPara="1" rIns="0" wrap="square" tIns="0">
+            <a:noAutofit/>
+          </a:bodyPr>
+          <a:lstStyle/>
+          <a:p>
+            <a:pPr indent="0" lvl="0" marL="0" rtl="0" algn="l">
+              <a:spcBef>
+                <a:spcPts val="0"/>
+              </a:spcBef>
+              <a:spcAft>
+                <a:spcPts val="0"/>
+              </a:spcAft>
+              <a:buNone/>
+            </a:pPr>
+            <a:r>
+              <a:rPr lang="en"/>
+              <a:t>License</a:t>
+            </a:r>
+            <a:endParaRPr/>
+          </a:p>
+          <a:p>
+            <a:pPr indent="-342900" lvl="0" marL="457200" rtl="0" algn="l">
+              <a:spcBef>
+                <a:spcPts val="1200"/>
+              </a:spcBef>
+              <a:spcAft>
+                <a:spcPts val="0"/>
+              </a:spcAft>
+              <a:buSzPts val="1800"/>
+              <a:buChar char="●"/>
+            </a:pPr>
+            <a:r>
+              <a:rPr lang="en"/>
+              <a:t>Licensed under the </a:t>
+            </a:r>
+            <a:r>
+              <a:rPr lang="en" u="sng">
                 <a:solidFill>
-                  <a:schemeClr val="dk2"/>
+                  <a:schemeClr val="hlink"/>
                 </a:solidFill>
+                <a:hlinkClick r:id="rId4"/>
               </a:rPr>
+              <a:t>CC BY 4.0 International</a:t>
+            </a:r>
+            <a:r>
+              <a:rPr lang="en"/>
+              <a:t> license</a:t>
+            </a:r>
+            <a:endParaRPr/>
+          </a:p>
+          <a:p>
+            <a:pPr indent="0" lvl="0" marL="0" rtl="0" algn="l">
+              <a:spcBef>
+                <a:spcPts val="1200"/>
+              </a:spcBef>
+              <a:spcAft>
+                <a:spcPts val="0"/>
+              </a:spcAft>
+              <a:buNone/>
+            </a:pPr>
+            <a:r>
+              <a:rPr lang="en"/>
+              <a:t>Copyright</a:t>
+            </a:r>
+            <a:endParaRPr/>
+          </a:p>
+          <a:p>
+            <a:pPr indent="-342900" lvl="0" marL="457200" rtl="0" algn="l">
+              <a:spcBef>
+                <a:spcPts val="1200"/>
+              </a:spcBef>
+              <a:spcAft>
+                <a:spcPts val="0"/>
+              </a:spcAft>
+              <a:buSzPts val="1800"/>
+              <a:buChar char="●"/>
+            </a:pPr>
+            <a:r>
+              <a:rPr lang="en"/>
+              <a:t>© 2012-2023 Dirk Riehle, some rights reserved</a:t>
+            </a:r>
+            <a:endParaRPr/>
+          </a:p>
+          <a:p>
+            <a:pPr indent="-342900" lvl="0" marL="457200" rtl="0" algn="l">
+              <a:spcBef>
+                <a:spcPts val="0"/>
+              </a:spcBef>
+              <a:spcAft>
+                <a:spcPts val="0"/>
+              </a:spcAft>
+              <a:buSzPts val="1800"/>
+              <a:buChar char="●"/>
+            </a:pPr>
+            <a:r>
+              <a:rPr lang="en"/>
+              <a:t>© </a:t>
+            </a:r>
+            <a:r>
+              <a:rPr lang="en"/>
+              <a:t>20</a:t>
+            </a:r>
+            <a:r>
+              <a:rPr lang="en"/>
+              <a:t>15-2023 Univ. Erlangen, some rights reserved</a:t>
+            </a:r>
+            <a:endParaRPr/>
+          </a:p>
+          <a:p>
+            <a:pPr indent="0" lvl="0" marL="0" rtl="0" algn="l">
+              <a:spcBef>
+                <a:spcPts val="1200"/>
+              </a:spcBef>
+              <a:spcAft>
+                <a:spcPts val="0"/>
+              </a:spcAft>
+              <a:buNone/>
+            </a:pPr>
+            <a:r>
+              <a:rPr lang="en"/>
+              <a:t>Co-authors</a:t>
+            </a:r>
+            <a:endParaRPr/>
+          </a:p>
+          <a:p>
+            <a:pPr indent="-342900" lvl="0" marL="457200" rtl="0" algn="l">
+              <a:spcBef>
+                <a:spcPts val="1200"/>
+              </a:spcBef>
+              <a:spcAft>
+                <a:spcPts val="0"/>
+              </a:spcAft>
+              <a:buSzPts val="1800"/>
+              <a:buChar char="●"/>
+            </a:pPr>
+            <a:r>
+              <a:rPr lang="en"/>
+              <a:t>2015-2023 Andreas Kaufmann</a:t>
+            </a:r>
+            <a:endParaRPr/>
+          </a:p>
+          <a:p>
+            <a:pPr indent="0" lvl="0" marL="0" rtl="0" algn="l">
+              <a:spcBef>
+                <a:spcPts val="1200"/>
+              </a:spcBef>
+              <a:spcAft>
+                <a:spcPts val="1200"/>
+              </a:spcAft>
+              <a:buNone/>
+            </a:pPr>
+            <a:r>
+              <a:t/>
+            </a:r>
+            <a:endParaRPr/>
+          </a:p>
+        </p:txBody>
+      </p:sp>
+    </p:spTree>
+  </p:cSld>
+  <p:clrMapOvr>
+    <a:masterClrMapping/>
+  </p:clrMapOvr>
+</p:sld>
+</file>
+
+<file path=ppt/slides/slide42.xml><?xml version="1.0" encoding="utf-8"?>
+<p:sld xmlns:a="http://schemas.openxmlformats.org/drawingml/2006/main" xmlns:r="http://schemas.openxmlformats.org/officeDocument/2006/relationships" xmlns:mc="http://schemas.openxmlformats.org/markup-compatibility/2006" xmlns:mv="urn:schemas-microsoft-com:mac:vml" xmlns:p="http://schemas.openxmlformats.org/presentationml/2006/main" xmlns:c="http://schemas.openxmlformats.org/drawingml/2006/chart" xmlns:dgm="http://schemas.openxmlformats.org/drawingml/2006/diagram" xmlns:o="urn:schemas-microsoft-com:office:office" xmlns:v="urn:schemas-microsoft-com:vml" xmlns:pvml="urn:schemas-microsoft-com:office:powerpoint" xmlns:com="http://schemas.openxmlformats.org/drawingml/2006/compatibility" xmlns:p14="http://schemas.microsoft.com/office/powerpoint/2010/main" xmlns:p15="http://schemas.microsoft.com/office/powerpoint/2012/main" xmlns:ahyp="http://schemas.microsoft.com/office/drawing/2018/hyperlinkcolor">
+  <p:cSld>
+    <p:spTree>
+      <p:nvGrpSpPr>
+        <p:cNvPr id="338" name="Shape 338"/>
+        <p:cNvGrpSpPr/>
+        <p:nvPr/>
+      </p:nvGrpSpPr>
+      <p:grpSpPr>
+        <a:xfrm>
+          <a:off x="0" y="0"/>
+          <a:ext cx="0" cy="0"/>
+          <a:chOff x="0" y="0"/>
+          <a:chExt cx="0" cy="0"/>
+        </a:xfrm>
+      </p:grpSpPr>
+      <p:sp>
+        <p:nvSpPr>
+          <p:cNvPr id="339" name="Google Shape;339;p49"/>
+          <p:cNvSpPr txBox="1"/>
+          <p:nvPr>
+            <p:ph type="title"/>
+          </p:nvPr>
+        </p:nvSpPr>
+        <p:spPr>
+          <a:xfrm>
+            <a:off x="0" y="0"/>
+            <a:ext cx="9144000" cy="685800"/>
+          </a:xfrm>
+          <a:prstGeom prst="rect">
+            <a:avLst/>
+          </a:prstGeom>
+        </p:spPr>
+        <p:txBody>
+          <a:bodyPr anchorCtr="0" anchor="ctr" bIns="91425" lIns="274300" spcFirstLastPara="1" rIns="91425" wrap="square" tIns="91425">
+            <a:noAutofit/>
+          </a:bodyPr>
+          <a:lstStyle/>
+          <a:p>
+            <a:pPr indent="0" lvl="0" marL="0" rtl="0" algn="l">
+              <a:spcBef>
+                <a:spcPts val="0"/>
+              </a:spcBef>
+              <a:spcAft>
+                <a:spcPts val="0"/>
+              </a:spcAft>
+              <a:buNone/>
+            </a:pPr>
+            <a:r>
+              <a:rPr lang="en"/>
+              <a:t>Different Methods</a:t>
+            </a:r>
+            <a:endParaRPr/>
+          </a:p>
+        </p:txBody>
+      </p:sp>
+      <p:sp>
+        <p:nvSpPr>
+          <p:cNvPr id="340" name="Google Shape;340;p49"/>
+          <p:cNvSpPr txBox="1"/>
+          <p:nvPr>
+            <p:ph idx="12" type="sldNum"/>
+          </p:nvPr>
+        </p:nvSpPr>
+        <p:spPr>
+          <a:xfrm>
+            <a:off x="7315209" y="4229101"/>
+            <a:ext cx="1828800" cy="914400"/>
+          </a:xfrm>
+          <a:prstGeom prst="rect">
+            <a:avLst/>
+          </a:prstGeom>
+        </p:spPr>
+        <p:txBody>
+          <a:bodyPr anchorCtr="0" anchor="b" bIns="91425" lIns="91425" spcFirstLastPara="1" rIns="91425" wrap="square" tIns="91425">
+            <a:noAutofit/>
+          </a:bodyPr>
+          <a:lstStyle/>
+          <a:p>
+            <a:pPr indent="0" lvl="0" marL="0" rtl="0" algn="r">
+              <a:spcBef>
+                <a:spcPts val="0"/>
+              </a:spcBef>
+              <a:spcAft>
+                <a:spcPts val="0"/>
+              </a:spcAft>
+              <a:buNone/>
+            </a:pPr>
+            <a:fld id="{00000000-1234-1234-1234-123412341234}" type="slidenum">
+              <a:rPr lang="en"/>
+              <a:t>‹#›</a:t>
+            </a:fld>
+            <a:endParaRPr/>
+          </a:p>
+          <a:p>
+            <a:pPr indent="0" lvl="0" marL="0" rtl="0" algn="r">
+              <a:spcBef>
+                <a:spcPts val="0"/>
+              </a:spcBef>
+              <a:spcAft>
+                <a:spcPts val="0"/>
+              </a:spcAft>
+              <a:buNone/>
+            </a:pPr>
+            <a:r>
+              <a:rPr b="0" lang="en" sz="1000" u="sng">
+                <a:solidFill>
+                  <a:schemeClr val="hlink"/>
+                </a:solidFill>
+                <a:hlinkClick r:id="rId3"/>
+              </a:rPr>
+              <a:t>uni1.de/nyt</a:t>
+            </a:r>
+            <a:r>
+              <a:rPr b="0" lang="en" sz="1000"/>
               <a:t> </a:t>
             </a:r>
-            <a:endParaRPr b="0" sz="900">
-              <a:solidFill>
-                <a:schemeClr val="dk2"/>
-              </a:solidFill>
-            </a:endParaRPr>
+            <a:endParaRPr b="0" sz="1000"/>
           </a:p>
         </p:txBody>
       </p:sp>
       <p:graphicFrame>
         <p:nvGraphicFramePr>
-          <p:cNvPr id="333" name="Google Shape;333;p48"/>
+          <p:cNvPr id="341" name="Google Shape;341;p49"/>
           <p:cNvGraphicFramePr/>
           <p:nvPr/>
         </p:nvGraphicFramePr>
@@ -17852,7 +18034,7 @@
             <a:tbl>
               <a:tblPr>
                 <a:noFill/>
-                <a:tableStyleId>{46DE4178-1974-469B-A9B3-8807A6645B03}</a:tableStyleId>
+                <a:tableStyleId>{1888D6EB-2492-4209-9D8D-BB1098162564}</a:tableStyleId>
               </a:tblPr>
               <a:tblGrid>
                 <a:gridCol w="2413000"/>
@@ -18292,12 +18474,12 @@
 </p:sld>
 </file>
 
-<file path=ppt/slides/slide42.xml><?xml version="1.0" encoding="utf-8"?>
+<file path=ppt/slides/slide43.xml><?xml version="1.0" encoding="utf-8"?>
 <p:sld xmlns:a="http://schemas.openxmlformats.org/drawingml/2006/main" xmlns:r="http://schemas.openxmlformats.org/officeDocument/2006/relationships" xmlns:mc="http://schemas.openxmlformats.org/markup-compatibility/2006" xmlns:mv="urn:schemas-microsoft-com:mac:vml" xmlns:p="http://schemas.openxmlformats.org/presentationml/2006/main" xmlns:c="http://schemas.openxmlformats.org/drawingml/2006/chart" xmlns:dgm="http://schemas.openxmlformats.org/drawingml/2006/diagram" xmlns:o="urn:schemas-microsoft-com:office:office" xmlns:v="urn:schemas-microsoft-com:vml" xmlns:pvml="urn:schemas-microsoft-com:office:powerpoint" xmlns:com="http://schemas.openxmlformats.org/drawingml/2006/compatibility" xmlns:p14="http://schemas.microsoft.com/office/powerpoint/2010/main" xmlns:p15="http://schemas.microsoft.com/office/powerpoint/2012/main" xmlns:ahyp="http://schemas.microsoft.com/office/drawing/2018/hyperlinkcolor">
   <p:cSld>
     <p:spTree>
       <p:nvGrpSpPr>
-        <p:cNvPr id="337" name="Shape 337"/>
+        <p:cNvPr id="345" name="Shape 345"/>
         <p:cNvGrpSpPr/>
         <p:nvPr/>
       </p:nvGrpSpPr>
@@ -18311,7 +18493,7 @@
       </p:grpSpPr>
       <p:sp>
         <p:nvSpPr>
-          <p:cNvPr id="338" name="Google Shape;338;p49"/>
+          <p:cNvPr id="346" name="Google Shape;346;p50"/>
           <p:cNvSpPr txBox="1"/>
           <p:nvPr>
             <p:ph type="title"/>
@@ -18342,7 +18524,8 @@
               <a:buNone/>
             </a:pPr>
             <a:r>
-              <a:t/>
+              <a:rPr lang="en"/>
+              <a:t>Different Forms of Qualitative Data Analysis</a:t>
             </a:r>
             <a:endParaRPr/>
           </a:p>
@@ -18350,7 +18533,7 @@
       </p:sp>
       <p:sp>
         <p:nvSpPr>
-          <p:cNvPr id="339" name="Google Shape;339;p49"/>
+          <p:cNvPr id="347" name="Google Shape;347;p50"/>
           <p:cNvSpPr txBox="1"/>
           <p:nvPr>
             <p:ph idx="1" type="body"/>
@@ -18376,13 +18559,45 @@
                 <a:spcPts val="0"/>
               </a:spcBef>
               <a:spcAft>
+                <a:spcPts val="0"/>
+              </a:spcAft>
+              <a:buNone/>
+            </a:pPr>
+            <a:r>
+              <a:rPr lang="en"/>
+              <a:t>Card sorting</a:t>
+            </a:r>
+            <a:endParaRPr/>
+          </a:p>
+          <a:p>
+            <a:pPr indent="0" lvl="0" marL="0" rtl="0" algn="l">
+              <a:spcBef>
                 <a:spcPts val="1200"/>
-              </a:spcAft>
-              <a:buNone/>
-            </a:pPr>
-            <a:r>
-              <a:rPr lang="en"/>
-              <a:t>Codes always descriptive and interpretative</a:t>
+              </a:spcBef>
+              <a:spcAft>
+                <a:spcPts val="0"/>
+              </a:spcAft>
+              <a:buNone/>
+            </a:pPr>
+            <a:r>
+              <a:rPr lang="en"/>
+              <a:t>Thematic analysis</a:t>
+            </a:r>
+            <a:endParaRPr/>
+          </a:p>
+          <a:p>
+            <a:pPr indent="0" lvl="0" marL="0" rtl="0" algn="l">
+              <a:spcBef>
+                <a:spcPts val="1200"/>
+              </a:spcBef>
+              <a:spcAft>
+                <a:spcPts val="1200"/>
+              </a:spcAft>
+              <a:buNone/>
+            </a:pPr>
+            <a:r>
+              <a:rPr lang="en"/>
+              <a:t>Theoretical coding</a:t>
             </a:r>
             <a:endParaRPr/>
           </a:p>
@@ -18390,7 +18605,7 @@
       </p:sp>
       <p:sp>
         <p:nvSpPr>
-          <p:cNvPr id="340" name="Google Shape;340;p49"/>
+          <p:cNvPr id="348" name="Google Shape;348;p50"/>
           <p:cNvSpPr txBox="1"/>
           <p:nvPr>
             <p:ph idx="12" type="sldNum"/>
@@ -18398,8 +18613,8 @@
         </p:nvSpPr>
         <p:spPr>
           <a:xfrm>
-            <a:off x="7315202" y="4416550"/>
-            <a:ext cx="1828800" cy="731400"/>
+            <a:off x="7315209" y="4229101"/>
+            <a:ext cx="1828800" cy="914400"/>
           </a:xfrm>
           <a:prstGeom prst="rect">
             <a:avLst/>
@@ -18437,27 +18652,19 @@
               <a:buNone/>
             </a:pPr>
             <a:r>
-              <a:rPr b="0" lang="en" sz="900" u="sng">
+              <a:rPr b="0" lang="en" sz="1000" u="sng">
                 <a:solidFill>
                   <a:schemeClr val="hlink"/>
                 </a:solidFill>
                 <a:hlinkClick r:id="rId3"/>
               </a:rPr>
-              <a:t>https://profriehle.com</a:t>
-            </a:r>
-            <a:r>
-              <a:rPr b="0" lang="en" sz="900">
-                <a:solidFill>
-                  <a:schemeClr val="dk2"/>
-                </a:solidFill>
-              </a:rPr>
+              <a:t>uni1.de/nyt</a:t>
+            </a:r>
+            <a:r>
+              <a:rPr b="0" lang="en" sz="1000"/>
               <a:t> </a:t>
             </a:r>
-            <a:endParaRPr b="0" sz="900">
-              <a:solidFill>
-                <a:schemeClr val="dk2"/>
-              </a:solidFill>
-            </a:endParaRPr>
+            <a:endParaRPr b="0" sz="1000"/>
           </a:p>
         </p:txBody>
       </p:sp>
@@ -18474,7 +18681,7 @@
   <p:cSld>
     <p:spTree>
       <p:nvGrpSpPr>
-        <p:cNvPr id="60" name="Shape 60"/>
+        <p:cNvPr id="61" name="Shape 61"/>
         <p:cNvGrpSpPr/>
         <p:nvPr/>
       </p:nvGrpSpPr>
@@ -18488,7 +18695,7 @@
       </p:grpSpPr>
       <p:sp>
         <p:nvSpPr>
-          <p:cNvPr id="61" name="Google Shape;61;p12"/>
+          <p:cNvPr id="62" name="Google Shape;62;p12"/>
           <p:cNvSpPr txBox="1"/>
           <p:nvPr>
             <p:ph type="title"/>
@@ -18528,7 +18735,7 @@
       </p:sp>
       <p:sp>
         <p:nvSpPr>
-          <p:cNvPr id="62" name="Google Shape;62;p12"/>
+          <p:cNvPr id="63" name="Google Shape;63;p12"/>
           <p:cNvSpPr txBox="1"/>
           <p:nvPr>
             <p:ph idx="12" type="sldNum"/>
@@ -18536,8 +18743,8 @@
         </p:nvSpPr>
         <p:spPr>
           <a:xfrm>
-            <a:off x="7315202" y="4416550"/>
-            <a:ext cx="1828800" cy="731400"/>
+            <a:off x="7315209" y="4229101"/>
+            <a:ext cx="1828800" cy="914400"/>
           </a:xfrm>
           <a:prstGeom prst="rect">
             <a:avLst/>
@@ -18575,38 +18782,30 @@
               <a:buNone/>
             </a:pPr>
             <a:r>
-              <a:rPr b="0" lang="en" sz="900" u="sng">
+              <a:rPr b="0" lang="en" sz="1000" u="sng">
                 <a:solidFill>
                   <a:schemeClr val="hlink"/>
                 </a:solidFill>
                 <a:hlinkClick r:id="rId3"/>
               </a:rPr>
-              <a:t>https://profriehle.com</a:t>
-            </a:r>
-            <a:r>
-              <a:rPr b="0" lang="en" sz="900">
-                <a:solidFill>
-                  <a:schemeClr val="dk2"/>
-                </a:solidFill>
-              </a:rPr>
+              <a:t>uni1.de/nyt</a:t>
+            </a:r>
+            <a:r>
+              <a:rPr b="0" lang="en" sz="1000"/>
               <a:t> </a:t>
             </a:r>
-            <a:endParaRPr b="0" sz="900">
-              <a:solidFill>
-                <a:schemeClr val="dk2"/>
-              </a:solidFill>
-            </a:endParaRPr>
+            <a:endParaRPr b="0" sz="1000"/>
           </a:p>
         </p:txBody>
       </p:sp>
       <p:graphicFrame>
         <p:nvGraphicFramePr>
-          <p:cNvPr id="63" name="Google Shape;63;p12"/>
+          <p:cNvPr id="64" name="Google Shape;64;p12"/>
           <p:cNvGraphicFramePr/>
           <p:nvPr/>
         </p:nvGraphicFramePr>
         <p:xfrm>
-          <a:off x="302788" y="731400"/>
+          <a:off x="220538" y="799850"/>
           <a:ext cx="3000000" cy="3000000"/>
         </p:xfrm>
         <a:graphic>
@@ -18614,14 +18813,14 @@
             <a:tbl>
               <a:tblPr>
                 <a:noFill/>
-                <a:tableStyleId>{46DE4178-1974-469B-A9B3-8807A6645B03}</a:tableStyleId>
+                <a:tableStyleId>{1888D6EB-2492-4209-9D8D-BB1098162564}</a:tableStyleId>
               </a:tblPr>
               <a:tblGrid>
-                <a:gridCol w="1400150"/>
-                <a:gridCol w="3425800"/>
-                <a:gridCol w="3559575"/>
+                <a:gridCol w="1417700"/>
+                <a:gridCol w="3468825"/>
+                <a:gridCol w="3689100"/>
               </a:tblGrid>
-              <a:tr h="506400">
+              <a:tr h="495675">
                 <a:tc>
                   <a:txBody>
                     <a:bodyPr/>
@@ -18639,7 +18838,7 @@
                       <a:r>
                         <a:t/>
                       </a:r>
-                      <a:endParaRPr/>
+                      <a:endParaRPr u="sng"/>
                     </a:p>
                   </a:txBody>
                   <a:tcPr marT="91425" marB="91425" marR="91425" marL="91425">
@@ -18699,14 +18898,14 @@
                         <a:buNone/>
                       </a:pPr>
                       <a:r>
-                        <a:rPr b="1" lang="en" sz="1800">
+                        <a:rPr b="1" lang="en" sz="1800" u="sng">
                           <a:solidFill>
                             <a:schemeClr val="lt1"/>
                           </a:solidFill>
                         </a:rPr>
                         <a:t>Qualitative</a:t>
                       </a:r>
-                      <a:endParaRPr b="1" sz="1800">
+                      <a:endParaRPr b="1" sz="1800" u="sng">
                         <a:solidFill>
                           <a:schemeClr val="lt1"/>
                         </a:solidFill>
@@ -18770,14 +18969,14 @@
                         <a:buNone/>
                       </a:pPr>
                       <a:r>
-                        <a:rPr b="1" lang="en" sz="1800">
+                        <a:rPr b="1" lang="en" sz="1800" u="sng">
                           <a:solidFill>
                             <a:schemeClr val="lt1"/>
                           </a:solidFill>
                         </a:rPr>
                         <a:t>Quantitative</a:t>
                       </a:r>
-                      <a:endParaRPr b="1" sz="1800">
+                      <a:endParaRPr b="1" sz="1800" u="sng">
                         <a:solidFill>
                           <a:schemeClr val="lt1"/>
                         </a:solidFill>
@@ -18827,7 +19026,7 @@
                   </a:tcPr>
                 </a:tc>
               </a:tr>
-              <a:tr h="506400">
+              <a:tr h="636875">
                 <a:tc>
                   <a:txBody>
                     <a:bodyPr/>
@@ -18958,7 +19157,7 @@
                       <a:tailEnd len="sm" w="sm" type="none"/>
                     </a:lnB>
                     <a:solidFill>
-                      <a:schemeClr val="lt2"/>
+                      <a:schemeClr val="accent1"/>
                     </a:solidFill>
                   </a:tcPr>
                 </a:tc>
@@ -19063,12 +19262,12 @@
                       <a:tailEnd len="sm" w="sm" type="none"/>
                     </a:lnB>
                     <a:solidFill>
-                      <a:schemeClr val="lt2"/>
+                      <a:schemeClr val="accent1"/>
                     </a:solidFill>
                   </a:tcPr>
                 </a:tc>
               </a:tr>
-              <a:tr h="506400">
+              <a:tr h="495675">
                 <a:tc>
                   <a:txBody>
                     <a:bodyPr/>
@@ -19267,7 +19466,7 @@
                   </a:tcPr>
                 </a:tc>
               </a:tr>
-              <a:tr h="506400">
+              <a:tr h="495675">
                 <a:tc>
                   <a:txBody>
                     <a:bodyPr/>
@@ -19398,7 +19597,7 @@
                       <a:tailEnd len="sm" w="sm" type="none"/>
                     </a:lnB>
                     <a:solidFill>
-                      <a:schemeClr val="lt2"/>
+                      <a:schemeClr val="accent1"/>
                     </a:solidFill>
                   </a:tcPr>
                 </a:tc>
@@ -19461,12 +19660,12 @@
                       <a:tailEnd len="sm" w="sm" type="none"/>
                     </a:lnB>
                     <a:solidFill>
-                      <a:schemeClr val="lt2"/>
+                      <a:schemeClr val="accent1"/>
                     </a:solidFill>
                   </a:tcPr>
                 </a:tc>
               </a:tr>
-              <a:tr h="506400">
+              <a:tr h="495675">
                 <a:tc>
                   <a:txBody>
                     <a:bodyPr/>
@@ -19686,7 +19885,7 @@
                   </a:tcPr>
                 </a:tc>
               </a:tr>
-              <a:tr h="506400">
+              <a:tr h="495675">
                 <a:tc>
                   <a:txBody>
                     <a:bodyPr/>
@@ -19817,7 +20016,7 @@
                       <a:tailEnd len="sm" w="sm" type="none"/>
                     </a:lnB>
                     <a:solidFill>
-                      <a:schemeClr val="lt2"/>
+                      <a:schemeClr val="accent1"/>
                     </a:solidFill>
                   </a:tcPr>
                 </a:tc>
@@ -19880,12 +20079,12 @@
                       <a:tailEnd len="sm" w="sm" type="none"/>
                     </a:lnB>
                     <a:solidFill>
-                      <a:schemeClr val="lt2"/>
+                      <a:schemeClr val="accent1"/>
                     </a:solidFill>
                   </a:tcPr>
                 </a:tc>
               </a:tr>
-              <a:tr h="506400">
+              <a:tr h="495675">
                 <a:tc>
                   <a:txBody>
                     <a:bodyPr/>
@@ -20126,7 +20325,7 @@
                   </a:tcPr>
                 </a:tc>
               </a:tr>
-              <a:tr h="506400">
+              <a:tr h="495675">
                 <a:tc>
                   <a:txBody>
                     <a:bodyPr/>
@@ -20257,7 +20456,7 @@
                       <a:tailEnd len="sm" w="sm" type="none"/>
                     </a:lnB>
                     <a:solidFill>
-                      <a:schemeClr val="lt2"/>
+                      <a:schemeClr val="accent1"/>
                     </a:solidFill>
                   </a:tcPr>
                 </a:tc>
@@ -20320,7 +20519,7 @@
                       <a:tailEnd len="sm" w="sm" type="none"/>
                     </a:lnB>
                     <a:solidFill>
-                      <a:schemeClr val="lt2"/>
+                      <a:schemeClr val="accent1"/>
                     </a:solidFill>
                   </a:tcPr>
                 </a:tc>
@@ -20342,7 +20541,7 @@
   <p:cSld>
     <p:spTree>
       <p:nvGrpSpPr>
-        <p:cNvPr id="67" name="Shape 67"/>
+        <p:cNvPr id="68" name="Shape 68"/>
         <p:cNvGrpSpPr/>
         <p:nvPr/>
       </p:nvGrpSpPr>
@@ -20356,7 +20555,7 @@
       </p:grpSpPr>
       <p:sp>
         <p:nvSpPr>
-          <p:cNvPr id="68" name="Google Shape;68;p13"/>
+          <p:cNvPr id="69" name="Google Shape;69;p13"/>
           <p:cNvSpPr txBox="1"/>
           <p:nvPr>
             <p:ph type="title"/>
@@ -20396,7 +20595,7 @@
       </p:sp>
       <p:sp>
         <p:nvSpPr>
-          <p:cNvPr id="69" name="Google Shape;69;p13"/>
+          <p:cNvPr id="70" name="Google Shape;70;p13"/>
           <p:cNvSpPr txBox="1"/>
           <p:nvPr>
             <p:ph idx="1" type="body"/>
@@ -20541,7 +20740,7 @@
       </p:sp>
       <p:sp>
         <p:nvSpPr>
-          <p:cNvPr id="70" name="Google Shape;70;p13"/>
+          <p:cNvPr id="71" name="Google Shape;71;p13"/>
           <p:cNvSpPr txBox="1"/>
           <p:nvPr>
             <p:ph idx="12" type="sldNum"/>
@@ -20549,8 +20748,8 @@
         </p:nvSpPr>
         <p:spPr>
           <a:xfrm>
-            <a:off x="7315202" y="4416550"/>
-            <a:ext cx="1828800" cy="731400"/>
+            <a:off x="7315209" y="4229101"/>
+            <a:ext cx="1828800" cy="914400"/>
           </a:xfrm>
           <a:prstGeom prst="rect">
             <a:avLst/>
@@ -20588,27 +20787,19 @@
               <a:buNone/>
             </a:pPr>
             <a:r>
-              <a:rPr b="0" lang="en" sz="900" u="sng">
+              <a:rPr b="0" lang="en" sz="1000" u="sng">
                 <a:solidFill>
                   <a:schemeClr val="hlink"/>
                 </a:solidFill>
                 <a:hlinkClick r:id="rId3"/>
               </a:rPr>
-              <a:t>https://profriehle.com</a:t>
-            </a:r>
-            <a:r>
-              <a:rPr b="0" lang="en" sz="900">
-                <a:solidFill>
-                  <a:schemeClr val="dk2"/>
-                </a:solidFill>
-              </a:rPr>
+              <a:t>uni1.de/nyt</a:t>
+            </a:r>
+            <a:r>
+              <a:rPr b="0" lang="en" sz="1000"/>
               <a:t> </a:t>
             </a:r>
-            <a:endParaRPr b="0" sz="900">
-              <a:solidFill>
-                <a:schemeClr val="dk2"/>
-              </a:solidFill>
-            </a:endParaRPr>
+            <a:endParaRPr b="0" sz="1000"/>
           </a:p>
         </p:txBody>
       </p:sp>
@@ -20625,7 +20816,7 @@
   <p:cSld>
     <p:spTree>
       <p:nvGrpSpPr>
-        <p:cNvPr id="74" name="Shape 74"/>
+        <p:cNvPr id="75" name="Shape 75"/>
         <p:cNvGrpSpPr/>
         <p:nvPr/>
       </p:nvGrpSpPr>
@@ -20639,7 +20830,7 @@
       </p:grpSpPr>
       <p:sp>
         <p:nvSpPr>
-          <p:cNvPr id="75" name="Google Shape;75;p14"/>
+          <p:cNvPr id="76" name="Google Shape;76;p14"/>
           <p:cNvSpPr txBox="1"/>
           <p:nvPr>
             <p:ph type="title"/>
@@ -20679,7 +20870,7 @@
       </p:sp>
       <p:sp>
         <p:nvSpPr>
-          <p:cNvPr id="76" name="Google Shape;76;p14"/>
+          <p:cNvPr id="77" name="Google Shape;77;p14"/>
           <p:cNvSpPr txBox="1"/>
           <p:nvPr>
             <p:ph idx="1" type="body"/>
@@ -20786,7 +20977,7 @@
       </p:sp>
       <p:sp>
         <p:nvSpPr>
-          <p:cNvPr id="77" name="Google Shape;77;p14"/>
+          <p:cNvPr id="78" name="Google Shape;78;p14"/>
           <p:cNvSpPr txBox="1"/>
           <p:nvPr>
             <p:ph idx="12" type="sldNum"/>
@@ -20794,8 +20985,8 @@
         </p:nvSpPr>
         <p:spPr>
           <a:xfrm>
-            <a:off x="7315202" y="4416550"/>
-            <a:ext cx="1828800" cy="731400"/>
+            <a:off x="7315209" y="4229101"/>
+            <a:ext cx="1828800" cy="914400"/>
           </a:xfrm>
           <a:prstGeom prst="rect">
             <a:avLst/>
@@ -20833,33 +21024,25 @@
               <a:buNone/>
             </a:pPr>
             <a:r>
-              <a:rPr b="0" lang="en" sz="900" u="sng">
+              <a:rPr b="0" lang="en" sz="1000" u="sng">
                 <a:solidFill>
                   <a:schemeClr val="hlink"/>
                 </a:solidFill>
                 <a:hlinkClick r:id="rId3"/>
               </a:rPr>
-              <a:t>https://profriehle.com</a:t>
-            </a:r>
-            <a:r>
-              <a:rPr b="0" lang="en" sz="900">
-                <a:solidFill>
-                  <a:schemeClr val="dk2"/>
-                </a:solidFill>
-              </a:rPr>
+              <a:t>uni1.de/nyt</a:t>
+            </a:r>
+            <a:r>
+              <a:rPr b="0" lang="en" sz="1000"/>
               <a:t> </a:t>
             </a:r>
-            <a:endParaRPr b="0" sz="900">
-              <a:solidFill>
-                <a:schemeClr val="dk2"/>
-              </a:solidFill>
-            </a:endParaRPr>
+            <a:endParaRPr b="0" sz="1000"/>
           </a:p>
         </p:txBody>
       </p:sp>
       <p:sp>
         <p:nvSpPr>
-          <p:cNvPr id="78" name="Google Shape;78;p14"/>
+          <p:cNvPr id="79" name="Google Shape;79;p14"/>
           <p:cNvSpPr/>
           <p:nvPr/>
         </p:nvSpPr>
@@ -20909,7 +21092,7 @@
       </p:sp>
       <p:sp>
         <p:nvSpPr>
-          <p:cNvPr id="79" name="Google Shape;79;p14"/>
+          <p:cNvPr id="80" name="Google Shape;80;p14"/>
           <p:cNvSpPr/>
           <p:nvPr/>
         </p:nvSpPr>
@@ -20959,7 +21142,7 @@
       </p:sp>
       <p:sp>
         <p:nvSpPr>
-          <p:cNvPr id="80" name="Google Shape;80;p14"/>
+          <p:cNvPr id="81" name="Google Shape;81;p14"/>
           <p:cNvSpPr/>
           <p:nvPr/>
         </p:nvSpPr>
@@ -21009,7 +21192,7 @@
       </p:sp>
       <p:sp>
         <p:nvSpPr>
-          <p:cNvPr id="81" name="Google Shape;81;p14"/>
+          <p:cNvPr id="82" name="Google Shape;82;p14"/>
           <p:cNvSpPr/>
           <p:nvPr/>
         </p:nvSpPr>
@@ -21059,7 +21242,7 @@
       </p:sp>
       <p:sp>
         <p:nvSpPr>
-          <p:cNvPr id="82" name="Google Shape;82;p14"/>
+          <p:cNvPr id="83" name="Google Shape;83;p14"/>
           <p:cNvSpPr/>
           <p:nvPr/>
         </p:nvSpPr>
@@ -21109,7 +21292,7 @@
       </p:sp>
       <p:sp>
         <p:nvSpPr>
-          <p:cNvPr id="83" name="Google Shape;83;p14"/>
+          <p:cNvPr id="84" name="Google Shape;84;p14"/>
           <p:cNvSpPr/>
           <p:nvPr/>
         </p:nvSpPr>
@@ -21159,7 +21342,7 @@
       </p:sp>
       <p:sp>
         <p:nvSpPr>
-          <p:cNvPr id="84" name="Google Shape;84;p14"/>
+          <p:cNvPr id="85" name="Google Shape;85;p14"/>
           <p:cNvSpPr/>
           <p:nvPr/>
         </p:nvSpPr>
@@ -21208,10 +21391,10 @@
       </p:sp>
       <p:cxnSp>
         <p:nvCxnSpPr>
-          <p:cNvPr id="85" name="Google Shape;85;p14"/>
+          <p:cNvPr id="86" name="Google Shape;86;p14"/>
           <p:cNvCxnSpPr>
-            <a:stCxn id="78" idx="3"/>
-            <a:endCxn id="79" idx="1"/>
+            <a:stCxn id="79" idx="3"/>
+            <a:endCxn id="80" idx="1"/>
           </p:cNvCxnSpPr>
           <p:nvPr/>
         </p:nvCxnSpPr>
@@ -21237,10 +21420,10 @@
       </p:cxnSp>
       <p:cxnSp>
         <p:nvCxnSpPr>
-          <p:cNvPr id="86" name="Google Shape;86;p14"/>
+          <p:cNvPr id="87" name="Google Shape;87;p14"/>
           <p:cNvCxnSpPr>
-            <a:stCxn id="79" idx="3"/>
-            <a:endCxn id="84" idx="1"/>
+            <a:stCxn id="80" idx="3"/>
+            <a:endCxn id="85" idx="1"/>
           </p:cNvCxnSpPr>
           <p:nvPr/>
         </p:nvCxnSpPr>
@@ -21266,10 +21449,10 @@
       </p:cxnSp>
       <p:cxnSp>
         <p:nvCxnSpPr>
-          <p:cNvPr id="87" name="Google Shape;87;p14"/>
+          <p:cNvPr id="88" name="Google Shape;88;p14"/>
           <p:cNvCxnSpPr>
-            <a:stCxn id="84" idx="3"/>
-            <a:endCxn id="80" idx="1"/>
+            <a:stCxn id="85" idx="3"/>
+            <a:endCxn id="81" idx="1"/>
           </p:cNvCxnSpPr>
           <p:nvPr/>
         </p:nvCxnSpPr>
@@ -21297,10 +21480,10 @@
       </p:cxnSp>
       <p:cxnSp>
         <p:nvCxnSpPr>
-          <p:cNvPr id="88" name="Google Shape;88;p14"/>
+          <p:cNvPr id="89" name="Google Shape;89;p14"/>
           <p:cNvCxnSpPr>
-            <a:stCxn id="84" idx="3"/>
-            <a:endCxn id="81" idx="1"/>
+            <a:stCxn id="85" idx="3"/>
+            <a:endCxn id="82" idx="1"/>
           </p:cNvCxnSpPr>
           <p:nvPr/>
         </p:nvCxnSpPr>
@@ -21328,7 +21511,7 @@
       </p:cxnSp>
       <p:sp>
         <p:nvSpPr>
-          <p:cNvPr id="89" name="Google Shape;89;p14"/>
+          <p:cNvPr id="90" name="Google Shape;90;p14"/>
           <p:cNvSpPr/>
           <p:nvPr/>
         </p:nvSpPr>
@@ -21377,10 +21560,10 @@
       </p:sp>
       <p:cxnSp>
         <p:nvCxnSpPr>
-          <p:cNvPr id="90" name="Google Shape;90;p14"/>
+          <p:cNvPr id="91" name="Google Shape;91;p14"/>
           <p:cNvCxnSpPr>
-            <a:stCxn id="80" idx="3"/>
-            <a:endCxn id="89" idx="1"/>
+            <a:stCxn id="81" idx="3"/>
+            <a:endCxn id="90" idx="1"/>
           </p:cNvCxnSpPr>
           <p:nvPr/>
         </p:nvCxnSpPr>
@@ -21408,10 +21591,10 @@
       </p:cxnSp>
       <p:cxnSp>
         <p:nvCxnSpPr>
-          <p:cNvPr id="91" name="Google Shape;91;p14"/>
+          <p:cNvPr id="92" name="Google Shape;92;p14"/>
           <p:cNvCxnSpPr>
-            <a:stCxn id="81" idx="3"/>
-            <a:endCxn id="89" idx="1"/>
+            <a:stCxn id="82" idx="3"/>
+            <a:endCxn id="90" idx="1"/>
           </p:cNvCxnSpPr>
           <p:nvPr/>
         </p:nvCxnSpPr>
@@ -21439,10 +21622,10 @@
       </p:cxnSp>
       <p:cxnSp>
         <p:nvCxnSpPr>
-          <p:cNvPr id="92" name="Google Shape;92;p14"/>
+          <p:cNvPr id="93" name="Google Shape;93;p14"/>
           <p:cNvCxnSpPr>
-            <a:stCxn id="89" idx="3"/>
-            <a:endCxn id="82" idx="1"/>
+            <a:stCxn id="90" idx="3"/>
+            <a:endCxn id="83" idx="1"/>
           </p:cNvCxnSpPr>
           <p:nvPr/>
         </p:nvCxnSpPr>
@@ -21470,10 +21653,10 @@
       </p:cxnSp>
       <p:cxnSp>
         <p:nvCxnSpPr>
-          <p:cNvPr id="93" name="Google Shape;93;p14"/>
+          <p:cNvPr id="94" name="Google Shape;94;p14"/>
           <p:cNvCxnSpPr>
-            <a:stCxn id="82" idx="3"/>
-            <a:endCxn id="83" idx="1"/>
+            <a:stCxn id="83" idx="3"/>
+            <a:endCxn id="84" idx="1"/>
           </p:cNvCxnSpPr>
           <p:nvPr/>
         </p:nvCxnSpPr>
@@ -21501,10 +21684,10 @@
       </p:cxnSp>
       <p:cxnSp>
         <p:nvCxnSpPr>
-          <p:cNvPr id="94" name="Google Shape;94;p14"/>
+          <p:cNvPr id="95" name="Google Shape;95;p14"/>
           <p:cNvCxnSpPr>
-            <a:stCxn id="82" idx="0"/>
-            <a:endCxn id="79" idx="0"/>
+            <a:stCxn id="83" idx="0"/>
+            <a:endCxn id="80" idx="0"/>
           </p:cNvCxnSpPr>
           <p:nvPr/>
         </p:nvCxnSpPr>
@@ -21543,7 +21726,7 @@
   <p:cSld>
     <p:spTree>
       <p:nvGrpSpPr>
-        <p:cNvPr id="98" name="Shape 98"/>
+        <p:cNvPr id="99" name="Shape 99"/>
         <p:cNvGrpSpPr/>
         <p:nvPr/>
       </p:nvGrpSpPr>
@@ -21557,7 +21740,7 @@
       </p:grpSpPr>
       <p:sp>
         <p:nvSpPr>
-          <p:cNvPr id="99" name="Google Shape;99;p15"/>
+          <p:cNvPr id="100" name="Google Shape;100;p15"/>
           <p:cNvSpPr txBox="1"/>
           <p:nvPr>
             <p:ph type="title"/>
@@ -21597,7 +21780,7 @@
       </p:sp>
       <p:sp>
         <p:nvSpPr>
-          <p:cNvPr id="100" name="Google Shape;100;p15"/>
+          <p:cNvPr id="101" name="Google Shape;101;p15"/>
           <p:cNvSpPr txBox="1"/>
           <p:nvPr>
             <p:ph idx="1" type="body"/>
@@ -21767,7 +21950,7 @@
       </p:sp>
       <p:sp>
         <p:nvSpPr>
-          <p:cNvPr id="101" name="Google Shape;101;p15"/>
+          <p:cNvPr id="102" name="Google Shape;102;p15"/>
           <p:cNvSpPr txBox="1"/>
           <p:nvPr>
             <p:ph idx="12" type="sldNum"/>
@@ -21775,8 +21958,8 @@
         </p:nvSpPr>
         <p:spPr>
           <a:xfrm>
-            <a:off x="7315202" y="4416550"/>
-            <a:ext cx="1828800" cy="731400"/>
+            <a:off x="7315209" y="4229101"/>
+            <a:ext cx="1828800" cy="914400"/>
           </a:xfrm>
           <a:prstGeom prst="rect">
             <a:avLst/>
@@ -21814,27 +21997,19 @@
               <a:buNone/>
             </a:pPr>
             <a:r>
-              <a:rPr b="0" lang="en" sz="900" u="sng">
+              <a:rPr b="0" lang="en" sz="1000" u="sng">
                 <a:solidFill>
                   <a:schemeClr val="hlink"/>
                 </a:solidFill>
                 <a:hlinkClick r:id="rId3"/>
               </a:rPr>
-              <a:t>https://profriehle.com</a:t>
-            </a:r>
-            <a:r>
-              <a:rPr b="0" lang="en" sz="900">
-                <a:solidFill>
-                  <a:schemeClr val="dk2"/>
-                </a:solidFill>
-              </a:rPr>
+              <a:t>uni1.de/nyt</a:t>
+            </a:r>
+            <a:r>
+              <a:rPr b="0" lang="en" sz="1000"/>
               <a:t> </a:t>
             </a:r>
-            <a:endParaRPr b="0" sz="900">
-              <a:solidFill>
-                <a:schemeClr val="dk2"/>
-              </a:solidFill>
-            </a:endParaRPr>
+            <a:endParaRPr b="0" sz="1000"/>
           </a:p>
         </p:txBody>
       </p:sp>
@@ -21851,7 +22026,7 @@
   <p:cSld>
     <p:spTree>
       <p:nvGrpSpPr>
-        <p:cNvPr id="105" name="Shape 105"/>
+        <p:cNvPr id="106" name="Shape 106"/>
         <p:cNvGrpSpPr/>
         <p:nvPr/>
       </p:nvGrpSpPr>
@@ -21865,7 +22040,7 @@
       </p:grpSpPr>
       <p:sp>
         <p:nvSpPr>
-          <p:cNvPr id="106" name="Google Shape;106;p16"/>
+          <p:cNvPr id="107" name="Google Shape;107;p16"/>
           <p:cNvSpPr txBox="1"/>
           <p:nvPr>
             <p:ph type="title"/>

--- a/Lecture slides/NYT B03 - Qualitative Data Analysis.pptx
+++ b/Lecture slides/NYT B03 - Qualitative Data Analysis.pptx
@@ -18034,7 +18034,7 @@
             <a:tbl>
               <a:tblPr>
                 <a:noFill/>
-                <a:tableStyleId>{1888D6EB-2492-4209-9D8D-BB1098162564}</a:tableStyleId>
+                <a:tableStyleId>{9C86471C-4EC3-4050-8F04-F10366C03891}</a:tableStyleId>
               </a:tblPr>
               <a:tblGrid>
                 <a:gridCol w="2413000"/>
@@ -18581,6 +18581,22 @@
             </a:pPr>
             <a:r>
               <a:rPr lang="en"/>
+              <a:t>Concept matrix (Webster &amp; Watson)</a:t>
+            </a:r>
+            <a:endParaRPr/>
+          </a:p>
+          <a:p>
+            <a:pPr indent="0" lvl="0" marL="0" rtl="0" algn="l">
+              <a:spcBef>
+                <a:spcPts val="1200"/>
+              </a:spcBef>
+              <a:spcAft>
+                <a:spcPts val="0"/>
+              </a:spcAft>
+              <a:buNone/>
+            </a:pPr>
+            <a:r>
+              <a:rPr lang="en"/>
               <a:t>Thematic analysis</a:t>
             </a:r>
             <a:endParaRPr/>
@@ -18813,7 +18829,7 @@
             <a:tbl>
               <a:tblPr>
                 <a:noFill/>
-                <a:tableStyleId>{1888D6EB-2492-4209-9D8D-BB1098162564}</a:tableStyleId>
+                <a:tableStyleId>{9C86471C-4EC3-4050-8F04-F10366C03891}</a:tableStyleId>
               </a:tblPr>
               <a:tblGrid>
                 <a:gridCol w="1417700"/>
